--- a/Entomology_Outline.pptx
+++ b/Entomology_Outline.pptx
@@ -122,9 +122,70 @@
 <file path=ppt/revisionInfo.xml><?xml version="1.0" encoding="utf-8"?>
 <p1510:revInfo xmlns:a="http://schemas.openxmlformats.org/drawingml/2006/main" xmlns:r="http://schemas.openxmlformats.org/officeDocument/2006/relationships" xmlns:p1510="http://schemas.microsoft.com/office/powerpoint/2015/10/main">
   <p1510:revLst>
-    <p1510:client id="{61032604-1D4E-A948-A49D-254BB26CCB5C}" v="250" dt="2019-10-25T20:47:31.397"/>
+    <p1510:client id="{61032604-1D4E-A948-A49D-254BB26CCB5C}" v="252" dt="2019-10-30T00:31:03.929"/>
   </p1510:revLst>
 </p1510:revInfo>
+</file>
+
+<file path=ppt/changesInfos/changesInfo1.xml><?xml version="1.0" encoding="utf-8"?>
+<pc:chgInfo xmlns:a="http://schemas.openxmlformats.org/drawingml/2006/main" xmlns:r="http://schemas.openxmlformats.org/officeDocument/2006/relationships" xmlns:ac="http://schemas.microsoft.com/office/drawing/2013/main/command" xmlns:pc="http://schemas.microsoft.com/office/powerpoint/2013/main/command">
+  <pc:docChgLst>
+    <pc:chgData name="David Molik" userId="239ea1ff-5141-4dc7-b6c9-b692cae05a8f" providerId="ADAL" clId="{61032604-1D4E-A948-A49D-254BB26CCB5C}"/>
+    <pc:docChg chg="undo custSel modSld">
+      <pc:chgData name="David Molik" userId="239ea1ff-5141-4dc7-b6c9-b692cae05a8f" providerId="ADAL" clId="{61032604-1D4E-A948-A49D-254BB26CCB5C}" dt="2019-10-30T16:33:03.539" v="8" actId="478"/>
+      <pc:docMkLst>
+        <pc:docMk/>
+      </pc:docMkLst>
+      <pc:sldChg chg="addSp delSp modSp">
+        <pc:chgData name="David Molik" userId="239ea1ff-5141-4dc7-b6c9-b692cae05a8f" providerId="ADAL" clId="{61032604-1D4E-A948-A49D-254BB26CCB5C}" dt="2019-10-30T16:33:03.539" v="8" actId="478"/>
+        <pc:sldMkLst>
+          <pc:docMk/>
+          <pc:sldMk cId="1445391729" sldId="260"/>
+        </pc:sldMkLst>
+        <pc:spChg chg="add mod">
+          <ac:chgData name="David Molik" userId="239ea1ff-5141-4dc7-b6c9-b692cae05a8f" providerId="ADAL" clId="{61032604-1D4E-A948-A49D-254BB26CCB5C}" dt="2019-10-30T16:33:03.539" v="8" actId="478"/>
+          <ac:spMkLst>
+            <pc:docMk/>
+            <pc:sldMk cId="1445391729" sldId="260"/>
+            <ac:spMk id="4" creationId="{C6646A33-5059-A646-92F3-8BF15A9A60E5}"/>
+          </ac:spMkLst>
+        </pc:spChg>
+        <pc:spChg chg="del">
+          <ac:chgData name="David Molik" userId="239ea1ff-5141-4dc7-b6c9-b692cae05a8f" providerId="ADAL" clId="{61032604-1D4E-A948-A49D-254BB26CCB5C}" dt="2019-10-30T00:30:30.038" v="0" actId="931"/>
+          <ac:spMkLst>
+            <pc:docMk/>
+            <pc:sldMk cId="1445391729" sldId="260"/>
+            <ac:spMk id="6" creationId="{121E24C6-2A32-6242-A0BE-E582487EED53}"/>
+          </ac:spMkLst>
+        </pc:spChg>
+        <pc:spChg chg="add del mod">
+          <ac:chgData name="David Molik" userId="239ea1ff-5141-4dc7-b6c9-b692cae05a8f" providerId="ADAL" clId="{61032604-1D4E-A948-A49D-254BB26CCB5C}" dt="2019-10-30T00:31:03.929" v="2" actId="931"/>
+          <ac:spMkLst>
+            <pc:docMk/>
+            <pc:sldMk cId="1445391729" sldId="260"/>
+            <ac:spMk id="7" creationId="{38134E54-9DC6-504D-B46E-789A0BD020AB}"/>
+          </ac:spMkLst>
+        </pc:spChg>
+        <pc:picChg chg="add del mod">
+          <ac:chgData name="David Molik" userId="239ea1ff-5141-4dc7-b6c9-b692cae05a8f" providerId="ADAL" clId="{61032604-1D4E-A948-A49D-254BB26CCB5C}" dt="2019-10-30T00:30:48.381" v="1" actId="478"/>
+          <ac:picMkLst>
+            <pc:docMk/>
+            <pc:sldMk cId="1445391729" sldId="260"/>
+            <ac:picMk id="4" creationId="{C4526B68-DCE3-BD48-B4FA-187D5A491F1F}"/>
+          </ac:picMkLst>
+        </pc:picChg>
+        <pc:picChg chg="add del mod modCrop">
+          <ac:chgData name="David Molik" userId="239ea1ff-5141-4dc7-b6c9-b692cae05a8f" providerId="ADAL" clId="{61032604-1D4E-A948-A49D-254BB26CCB5C}" dt="2019-10-30T16:33:03.539" v="8" actId="478"/>
+          <ac:picMkLst>
+            <pc:docMk/>
+            <pc:sldMk cId="1445391729" sldId="260"/>
+            <ac:picMk id="9" creationId="{F456EC0C-372E-5E4B-A531-91DCD40F103D}"/>
+          </ac:picMkLst>
+        </pc:picChg>
+      </pc:sldChg>
+    </pc:docChg>
+  </pc:docChgLst>
+</pc:chgInfo>
 </file>
 
 <file path=ppt/notesMasters/notesMaster1.xml><?xml version="1.0" encoding="utf-8"?>
@@ -209,7 +270,7 @@
           <a:p>
             <a:fld id="{C271C025-280B-9E4C-8A93-C1A3477CA888}" type="datetimeFigureOut">
               <a:rPr lang="en-US" smtClean="0"/>
-              <a:t>10/22/19</a:t>
+              <a:t>10/30/19</a:t>
             </a:fld>
             <a:endParaRPr lang="en-US"/>
           </a:p>
@@ -1043,7 +1104,7 @@
           <a:p>
             <a:fld id="{A9E3915B-AB3D-B14C-B065-EF8F300EFAD8}" type="datetimeFigureOut">
               <a:rPr lang="en-US" smtClean="0"/>
-              <a:t>10/22/19</a:t>
+              <a:t>10/30/19</a:t>
             </a:fld>
             <a:endParaRPr lang="en-US"/>
           </a:p>
@@ -1241,7 +1302,7 @@
           <a:p>
             <a:fld id="{A9E3915B-AB3D-B14C-B065-EF8F300EFAD8}" type="datetimeFigureOut">
               <a:rPr lang="en-US" smtClean="0"/>
-              <a:t>10/22/19</a:t>
+              <a:t>10/30/19</a:t>
             </a:fld>
             <a:endParaRPr lang="en-US"/>
           </a:p>
@@ -1449,7 +1510,7 @@
           <a:p>
             <a:fld id="{A9E3915B-AB3D-B14C-B065-EF8F300EFAD8}" type="datetimeFigureOut">
               <a:rPr lang="en-US" smtClean="0"/>
-              <a:t>10/22/19</a:t>
+              <a:t>10/30/19</a:t>
             </a:fld>
             <a:endParaRPr lang="en-US"/>
           </a:p>
@@ -1647,7 +1708,7 @@
           <a:p>
             <a:fld id="{A9E3915B-AB3D-B14C-B065-EF8F300EFAD8}" type="datetimeFigureOut">
               <a:rPr lang="en-US" smtClean="0"/>
-              <a:t>10/22/19</a:t>
+              <a:t>10/30/19</a:t>
             </a:fld>
             <a:endParaRPr lang="en-US"/>
           </a:p>
@@ -1922,7 +1983,7 @@
           <a:p>
             <a:fld id="{A9E3915B-AB3D-B14C-B065-EF8F300EFAD8}" type="datetimeFigureOut">
               <a:rPr lang="en-US" smtClean="0"/>
-              <a:t>10/22/19</a:t>
+              <a:t>10/30/19</a:t>
             </a:fld>
             <a:endParaRPr lang="en-US"/>
           </a:p>
@@ -2187,7 +2248,7 @@
           <a:p>
             <a:fld id="{A9E3915B-AB3D-B14C-B065-EF8F300EFAD8}" type="datetimeFigureOut">
               <a:rPr lang="en-US" smtClean="0"/>
-              <a:t>10/22/19</a:t>
+              <a:t>10/30/19</a:t>
             </a:fld>
             <a:endParaRPr lang="en-US"/>
           </a:p>
@@ -2599,7 +2660,7 @@
           <a:p>
             <a:fld id="{A9E3915B-AB3D-B14C-B065-EF8F300EFAD8}" type="datetimeFigureOut">
               <a:rPr lang="en-US" smtClean="0"/>
-              <a:t>10/22/19</a:t>
+              <a:t>10/30/19</a:t>
             </a:fld>
             <a:endParaRPr lang="en-US"/>
           </a:p>
@@ -2740,7 +2801,7 @@
           <a:p>
             <a:fld id="{A9E3915B-AB3D-B14C-B065-EF8F300EFAD8}" type="datetimeFigureOut">
               <a:rPr lang="en-US" smtClean="0"/>
-              <a:t>10/22/19</a:t>
+              <a:t>10/30/19</a:t>
             </a:fld>
             <a:endParaRPr lang="en-US"/>
           </a:p>
@@ -2853,7 +2914,7 @@
           <a:p>
             <a:fld id="{A9E3915B-AB3D-B14C-B065-EF8F300EFAD8}" type="datetimeFigureOut">
               <a:rPr lang="en-US" smtClean="0"/>
-              <a:t>10/22/19</a:t>
+              <a:t>10/30/19</a:t>
             </a:fld>
             <a:endParaRPr lang="en-US"/>
           </a:p>
@@ -3164,7 +3225,7 @@
           <a:p>
             <a:fld id="{A9E3915B-AB3D-B14C-B065-EF8F300EFAD8}" type="datetimeFigureOut">
               <a:rPr lang="en-US" smtClean="0"/>
-              <a:t>10/22/19</a:t>
+              <a:t>10/30/19</a:t>
             </a:fld>
             <a:endParaRPr lang="en-US"/>
           </a:p>
@@ -3452,7 +3513,7 @@
           <a:p>
             <a:fld id="{A9E3915B-AB3D-B14C-B065-EF8F300EFAD8}" type="datetimeFigureOut">
               <a:rPr lang="en-US" smtClean="0"/>
-              <a:t>10/22/19</a:t>
+              <a:t>10/30/19</a:t>
             </a:fld>
             <a:endParaRPr lang="en-US"/>
           </a:p>
@@ -3693,7 +3754,7 @@
           <a:p>
             <a:fld id="{A9E3915B-AB3D-B14C-B065-EF8F300EFAD8}" type="datetimeFigureOut">
               <a:rPr lang="en-US" smtClean="0"/>
-              <a:t>10/22/19</a:t>
+              <a:t>10/30/19</a:t>
             </a:fld>
             <a:endParaRPr lang="en-US"/>
           </a:p>
@@ -4920,10 +4981,10 @@
       </p:sp>
       <p:sp>
         <p:nvSpPr>
-          <p:cNvPr id="6" name="Content Placeholder 5">
-            <a:extLst>
-              <a:ext uri="{FF2B5EF4-FFF2-40B4-BE49-F238E27FC236}">
-                <a16:creationId xmlns:a16="http://schemas.microsoft.com/office/drawing/2014/main" id="{121E24C6-2A32-6242-A0BE-E582487EED53}"/>
+          <p:cNvPr id="4" name="Content Placeholder 3">
+            <a:extLst>
+              <a:ext uri="{FF2B5EF4-FFF2-40B4-BE49-F238E27FC236}">
+                <a16:creationId xmlns:a16="http://schemas.microsoft.com/office/drawing/2014/main" id="{C6646A33-5059-A646-92F3-8BF15A9A60E5}"/>
               </a:ext>
             </a:extLst>
           </p:cNvPr>

--- a/Entomology_Outline.pptx
+++ b/Entomology_Outline.pptx
@@ -9,8 +9,8 @@
   </p:notesMasterIdLst>
   <p:sldIdLst>
     <p:sldId id="256" r:id="rId2"/>
-    <p:sldId id="257" r:id="rId3"/>
-    <p:sldId id="258" r:id="rId4"/>
+    <p:sldId id="258" r:id="rId3"/>
+    <p:sldId id="257" r:id="rId4"/>
     <p:sldId id="259" r:id="rId5"/>
     <p:sldId id="260" r:id="rId6"/>
   </p:sldIdLst>
@@ -122,7 +122,7 @@
 <file path=ppt/revisionInfo.xml><?xml version="1.0" encoding="utf-8"?>
 <p1510:revInfo xmlns:a="http://schemas.openxmlformats.org/drawingml/2006/main" xmlns:r="http://schemas.openxmlformats.org/officeDocument/2006/relationships" xmlns:p1510="http://schemas.microsoft.com/office/powerpoint/2015/10/main">
   <p1510:revLst>
-    <p1510:client id="{61032604-1D4E-A948-A49D-254BB26CCB5C}" v="252" dt="2019-10-30T00:31:03.929"/>
+    <p1510:client id="{61032604-1D4E-A948-A49D-254BB26CCB5C}" v="255" dt="2019-10-30T20:00:21.449"/>
   </p1510:revLst>
 </p1510:revInfo>
 </file>
@@ -131,11 +131,25 @@
 <pc:chgInfo xmlns:a="http://schemas.openxmlformats.org/drawingml/2006/main" xmlns:r="http://schemas.openxmlformats.org/officeDocument/2006/relationships" xmlns:ac="http://schemas.microsoft.com/office/drawing/2013/main/command" xmlns:pc="http://schemas.microsoft.com/office/powerpoint/2013/main/command">
   <pc:docChgLst>
     <pc:chgData name="David Molik" userId="239ea1ff-5141-4dc7-b6c9-b692cae05a8f" providerId="ADAL" clId="{61032604-1D4E-A948-A49D-254BB26CCB5C}"/>
-    <pc:docChg chg="undo custSel modSld">
-      <pc:chgData name="David Molik" userId="239ea1ff-5141-4dc7-b6c9-b692cae05a8f" providerId="ADAL" clId="{61032604-1D4E-A948-A49D-254BB26CCB5C}" dt="2019-10-30T16:33:03.539" v="8" actId="478"/>
+    <pc:docChg chg="undo custSel modSld sldOrd">
+      <pc:chgData name="David Molik" userId="239ea1ff-5141-4dc7-b6c9-b692cae05a8f" providerId="ADAL" clId="{61032604-1D4E-A948-A49D-254BB26CCB5C}" dt="2019-10-30T20:00:21.449" v="11"/>
       <pc:docMkLst>
         <pc:docMk/>
       </pc:docMkLst>
+      <pc:sldChg chg="ord">
+        <pc:chgData name="David Molik" userId="239ea1ff-5141-4dc7-b6c9-b692cae05a8f" providerId="ADAL" clId="{61032604-1D4E-A948-A49D-254BB26CCB5C}" dt="2019-10-30T20:00:21.449" v="11"/>
+        <pc:sldMkLst>
+          <pc:docMk/>
+          <pc:sldMk cId="2426237733" sldId="257"/>
+        </pc:sldMkLst>
+      </pc:sldChg>
+      <pc:sldChg chg="ord">
+        <pc:chgData name="David Molik" userId="239ea1ff-5141-4dc7-b6c9-b692cae05a8f" providerId="ADAL" clId="{61032604-1D4E-A948-A49D-254BB26CCB5C}" dt="2019-10-30T20:00:19.141" v="10"/>
+        <pc:sldMkLst>
+          <pc:docMk/>
+          <pc:sldMk cId="3132599919" sldId="258"/>
+        </pc:sldMkLst>
+      </pc:sldChg>
       <pc:sldChg chg="addSp delSp modSp">
         <pc:chgData name="David Molik" userId="239ea1ff-5141-4dc7-b6c9-b692cae05a8f" providerId="ADAL" clId="{61032604-1D4E-A948-A49D-254BB26CCB5C}" dt="2019-10-30T16:33:03.539" v="8" actId="478"/>
         <pc:sldMkLst>
@@ -695,7 +709,7 @@
     </p:spTree>
     <p:extLst>
       <p:ext uri="{BB962C8B-B14F-4D97-AF65-F5344CB8AC3E}">
-        <p14:creationId xmlns:p14="http://schemas.microsoft.com/office/powerpoint/2010/main" val="956585131"/>
+        <p14:creationId xmlns:p14="http://schemas.microsoft.com/office/powerpoint/2010/main" val="1042228906"/>
       </p:ext>
     </p:extLst>
   </p:cSld>
@@ -779,7 +793,7 @@
     </p:spTree>
     <p:extLst>
       <p:ext uri="{BB962C8B-B14F-4D97-AF65-F5344CB8AC3E}">
-        <p14:creationId xmlns:p14="http://schemas.microsoft.com/office/powerpoint/2010/main" val="1042228906"/>
+        <p14:creationId xmlns:p14="http://schemas.microsoft.com/office/powerpoint/2010/main" val="956585131"/>
       </p:ext>
     </p:extLst>
   </p:cSld>
@@ -4692,7 +4706,7 @@
           <p:cNvPr id="2" name="Title 1">
             <a:extLst>
               <a:ext uri="{FF2B5EF4-FFF2-40B4-BE49-F238E27FC236}">
-                <a16:creationId xmlns:a16="http://schemas.microsoft.com/office/drawing/2014/main" id="{2481D407-2A07-7C4F-8388-2F17EE993C7D}"/>
+                <a16:creationId xmlns:a16="http://schemas.microsoft.com/office/drawing/2014/main" id="{23ECA1DF-DB4C-384D-ADEC-1431BEABC6A3}"/>
               </a:ext>
             </a:extLst>
           </p:cNvPr>
@@ -4710,13 +4724,8 @@
           <a:p>
             <a:r>
               <a:rPr lang="en-US" dirty="0"/>
-              <a:t>What Genomes Do</a:t>
-            </a:r>
-            <a:r>
-              <a:rPr lang="en-US" baseline="0" dirty="0"/>
-              <a:t> We Have?</a:t>
-            </a:r>
-            <a:endParaRPr lang="en-US" dirty="0"/>
+              <a:t>Which Species Do We Study?</a:t>
+            </a:r>
           </a:p>
         </p:txBody>
       </p:sp>
@@ -4725,7 +4734,7 @@
           <p:cNvPr id="3" name="Content Placeholder 2">
             <a:extLst>
               <a:ext uri="{FF2B5EF4-FFF2-40B4-BE49-F238E27FC236}">
-                <a16:creationId xmlns:a16="http://schemas.microsoft.com/office/drawing/2014/main" id="{7F244FD0-3908-DF42-B0F5-A5AE0D54C808}"/>
+                <a16:creationId xmlns:a16="http://schemas.microsoft.com/office/drawing/2014/main" id="{B6E3E084-CF66-EF46-98CB-F29A6AB09B37}"/>
               </a:ext>
             </a:extLst>
           </p:cNvPr>
@@ -4748,7 +4757,7 @@
     </p:spTree>
     <p:extLst>
       <p:ext uri="{BB962C8B-B14F-4D97-AF65-F5344CB8AC3E}">
-        <p14:creationId xmlns:p14="http://schemas.microsoft.com/office/powerpoint/2010/main" val="2426237733"/>
+        <p14:creationId xmlns:p14="http://schemas.microsoft.com/office/powerpoint/2010/main" val="3132599919"/>
       </p:ext>
     </p:extLst>
   </p:cSld>
@@ -4780,7 +4789,7 @@
           <p:cNvPr id="2" name="Title 1">
             <a:extLst>
               <a:ext uri="{FF2B5EF4-FFF2-40B4-BE49-F238E27FC236}">
-                <a16:creationId xmlns:a16="http://schemas.microsoft.com/office/drawing/2014/main" id="{23ECA1DF-DB4C-384D-ADEC-1431BEABC6A3}"/>
+                <a16:creationId xmlns:a16="http://schemas.microsoft.com/office/drawing/2014/main" id="{2481D407-2A07-7C4F-8388-2F17EE993C7D}"/>
               </a:ext>
             </a:extLst>
           </p:cNvPr>
@@ -4798,8 +4807,13 @@
           <a:p>
             <a:r>
               <a:rPr lang="en-US" dirty="0"/>
-              <a:t>Which Species Do We Study?</a:t>
-            </a:r>
+              <a:t>What Genomes Do</a:t>
+            </a:r>
+            <a:r>
+              <a:rPr lang="en-US" baseline="0" dirty="0"/>
+              <a:t> We Have?</a:t>
+            </a:r>
+            <a:endParaRPr lang="en-US" dirty="0"/>
           </a:p>
         </p:txBody>
       </p:sp>
@@ -4808,7 +4822,7 @@
           <p:cNvPr id="3" name="Content Placeholder 2">
             <a:extLst>
               <a:ext uri="{FF2B5EF4-FFF2-40B4-BE49-F238E27FC236}">
-                <a16:creationId xmlns:a16="http://schemas.microsoft.com/office/drawing/2014/main" id="{B6E3E084-CF66-EF46-98CB-F29A6AB09B37}"/>
+                <a16:creationId xmlns:a16="http://schemas.microsoft.com/office/drawing/2014/main" id="{7F244FD0-3908-DF42-B0F5-A5AE0D54C808}"/>
               </a:ext>
             </a:extLst>
           </p:cNvPr>
@@ -4831,7 +4845,7 @@
     </p:spTree>
     <p:extLst>
       <p:ext uri="{BB962C8B-B14F-4D97-AF65-F5344CB8AC3E}">
-        <p14:creationId xmlns:p14="http://schemas.microsoft.com/office/powerpoint/2010/main" val="3132599919"/>
+        <p14:creationId xmlns:p14="http://schemas.microsoft.com/office/powerpoint/2010/main" val="2426237733"/>
       </p:ext>
     </p:extLst>
   </p:cSld>

--- a/Entomology_Outline.pptx
+++ b/Entomology_Outline.pptx
@@ -5,14 +5,29 @@
     <p:sldMasterId id="2147483684" r:id="rId1"/>
   </p:sldMasterIdLst>
   <p:notesMasterIdLst>
-    <p:notesMasterId r:id="rId7"/>
+    <p:notesMasterId r:id="rId22"/>
   </p:notesMasterIdLst>
   <p:sldIdLst>
     <p:sldId id="256" r:id="rId2"/>
-    <p:sldId id="258" r:id="rId3"/>
-    <p:sldId id="257" r:id="rId4"/>
-    <p:sldId id="259" r:id="rId5"/>
-    <p:sldId id="260" r:id="rId6"/>
+    <p:sldId id="269" r:id="rId3"/>
+    <p:sldId id="272" r:id="rId4"/>
+    <p:sldId id="270" r:id="rId5"/>
+    <p:sldId id="271" r:id="rId6"/>
+    <p:sldId id="263" r:id="rId7"/>
+    <p:sldId id="262" r:id="rId8"/>
+    <p:sldId id="258" r:id="rId9"/>
+    <p:sldId id="261" r:id="rId10"/>
+    <p:sldId id="268" r:id="rId11"/>
+    <p:sldId id="265" r:id="rId12"/>
+    <p:sldId id="257" r:id="rId13"/>
+    <p:sldId id="275" r:id="rId14"/>
+    <p:sldId id="273" r:id="rId15"/>
+    <p:sldId id="266" r:id="rId16"/>
+    <p:sldId id="259" r:id="rId17"/>
+    <p:sldId id="276" r:id="rId18"/>
+    <p:sldId id="267" r:id="rId19"/>
+    <p:sldId id="260" r:id="rId20"/>
+    <p:sldId id="274" r:id="rId21"/>
   </p:sldIdLst>
   <p:sldSz cx="12192000" cy="6858000"/>
   <p:notesSz cx="6858000" cy="9144000"/>
@@ -122,7 +137,7 @@
 <file path=ppt/revisionInfo.xml><?xml version="1.0" encoding="utf-8"?>
 <p1510:revInfo xmlns:a="http://schemas.openxmlformats.org/drawingml/2006/main" xmlns:r="http://schemas.openxmlformats.org/officeDocument/2006/relationships" xmlns:p1510="http://schemas.microsoft.com/office/powerpoint/2015/10/main">
   <p1510:revLst>
-    <p1510:client id="{61032604-1D4E-A948-A49D-254BB26CCB5C}" v="255" dt="2019-10-30T20:00:21.449"/>
+    <p1510:client id="{61032604-1D4E-A948-A49D-254BB26CCB5C}" v="313" dt="2019-10-31T23:49:06.678"/>
   </p1510:revLst>
 </p1510:revInfo>
 </file>
@@ -131,33 +146,152 @@
 <pc:chgInfo xmlns:a="http://schemas.openxmlformats.org/drawingml/2006/main" xmlns:r="http://schemas.openxmlformats.org/officeDocument/2006/relationships" xmlns:ac="http://schemas.microsoft.com/office/drawing/2013/main/command" xmlns:pc="http://schemas.microsoft.com/office/powerpoint/2013/main/command">
   <pc:docChgLst>
     <pc:chgData name="David Molik" userId="239ea1ff-5141-4dc7-b6c9-b692cae05a8f" providerId="ADAL" clId="{61032604-1D4E-A948-A49D-254BB26CCB5C}"/>
-    <pc:docChg chg="undo custSel modSld sldOrd">
-      <pc:chgData name="David Molik" userId="239ea1ff-5141-4dc7-b6c9-b692cae05a8f" providerId="ADAL" clId="{61032604-1D4E-A948-A49D-254BB26CCB5C}" dt="2019-10-30T20:00:21.449" v="11"/>
+    <pc:docChg chg="undo custSel mod addSld delSld modSld sldOrd">
+      <pc:chgData name="David Molik" userId="239ea1ff-5141-4dc7-b6c9-b692cae05a8f" providerId="ADAL" clId="{61032604-1D4E-A948-A49D-254BB26CCB5C}" dt="2019-10-31T23:49:34.992" v="1110" actId="313"/>
       <pc:docMkLst>
         <pc:docMk/>
       </pc:docMkLst>
-      <pc:sldChg chg="ord">
-        <pc:chgData name="David Molik" userId="239ea1ff-5141-4dc7-b6c9-b692cae05a8f" providerId="ADAL" clId="{61032604-1D4E-A948-A49D-254BB26CCB5C}" dt="2019-10-30T20:00:21.449" v="11"/>
+      <pc:sldChg chg="addSp delSp modSp ord">
+        <pc:chgData name="David Molik" userId="239ea1ff-5141-4dc7-b6c9-b692cae05a8f" providerId="ADAL" clId="{61032604-1D4E-A948-A49D-254BB26CCB5C}" dt="2019-10-31T23:29:27.779" v="972" actId="20577"/>
         <pc:sldMkLst>
           <pc:docMk/>
           <pc:sldMk cId="2426237733" sldId="257"/>
         </pc:sldMkLst>
+        <pc:spChg chg="mod">
+          <ac:chgData name="David Molik" userId="239ea1ff-5141-4dc7-b6c9-b692cae05a8f" providerId="ADAL" clId="{61032604-1D4E-A948-A49D-254BB26CCB5C}" dt="2019-10-31T23:29:27.779" v="972" actId="20577"/>
+          <ac:spMkLst>
+            <pc:docMk/>
+            <pc:sldMk cId="2426237733" sldId="257"/>
+            <ac:spMk id="2" creationId="{2481D407-2A07-7C4F-8388-2F17EE993C7D}"/>
+          </ac:spMkLst>
+        </pc:spChg>
+        <pc:spChg chg="del">
+          <ac:chgData name="David Molik" userId="239ea1ff-5141-4dc7-b6c9-b692cae05a8f" providerId="ADAL" clId="{61032604-1D4E-A948-A49D-254BB26CCB5C}" dt="2019-10-31T18:53:50.058" v="12" actId="931"/>
+          <ac:spMkLst>
+            <pc:docMk/>
+            <pc:sldMk cId="2426237733" sldId="257"/>
+            <ac:spMk id="3" creationId="{7F244FD0-3908-DF42-B0F5-A5AE0D54C808}"/>
+          </ac:spMkLst>
+        </pc:spChg>
+        <pc:spChg chg="add del mod">
+          <ac:chgData name="David Molik" userId="239ea1ff-5141-4dc7-b6c9-b692cae05a8f" providerId="ADAL" clId="{61032604-1D4E-A948-A49D-254BB26CCB5C}" dt="2019-10-31T23:27:21.050" v="902" actId="931"/>
+          <ac:spMkLst>
+            <pc:docMk/>
+            <pc:sldMk cId="2426237733" sldId="257"/>
+            <ac:spMk id="7" creationId="{F8BA703D-816C-B047-B047-F7B6E556B069}"/>
+          </ac:spMkLst>
+        </pc:spChg>
+        <pc:picChg chg="add del mod">
+          <ac:chgData name="David Molik" userId="239ea1ff-5141-4dc7-b6c9-b692cae05a8f" providerId="ADAL" clId="{61032604-1D4E-A948-A49D-254BB26CCB5C}" dt="2019-10-31T23:27:15.590" v="901" actId="478"/>
+          <ac:picMkLst>
+            <pc:docMk/>
+            <pc:sldMk cId="2426237733" sldId="257"/>
+            <ac:picMk id="5" creationId="{8A51ACB5-4889-E64C-A4EC-2AC685F8EE4F}"/>
+          </ac:picMkLst>
+        </pc:picChg>
+        <pc:picChg chg="add mod">
+          <ac:chgData name="David Molik" userId="239ea1ff-5141-4dc7-b6c9-b692cae05a8f" providerId="ADAL" clId="{61032604-1D4E-A948-A49D-254BB26CCB5C}" dt="2019-10-31T23:27:21.050" v="902" actId="931"/>
+          <ac:picMkLst>
+            <pc:docMk/>
+            <pc:sldMk cId="2426237733" sldId="257"/>
+            <ac:picMk id="9" creationId="{85CA1A65-F1AF-AB4E-94CF-7B35D28B4D90}"/>
+          </ac:picMkLst>
+        </pc:picChg>
       </pc:sldChg>
-      <pc:sldChg chg="ord">
-        <pc:chgData name="David Molik" userId="239ea1ff-5141-4dc7-b6c9-b692cae05a8f" providerId="ADAL" clId="{61032604-1D4E-A948-A49D-254BB26CCB5C}" dt="2019-10-30T20:00:19.141" v="10"/>
+      <pc:sldChg chg="addSp delSp modSp mod ord setBg">
+        <pc:chgData name="David Molik" userId="239ea1ff-5141-4dc7-b6c9-b692cae05a8f" providerId="ADAL" clId="{61032604-1D4E-A948-A49D-254BB26CCB5C}" dt="2019-10-31T22:34:06.055" v="497" actId="26606"/>
         <pc:sldMkLst>
           <pc:docMk/>
           <pc:sldMk cId="3132599919" sldId="258"/>
         </pc:sldMkLst>
+        <pc:spChg chg="mod">
+          <ac:chgData name="David Molik" userId="239ea1ff-5141-4dc7-b6c9-b692cae05a8f" providerId="ADAL" clId="{61032604-1D4E-A948-A49D-254BB26CCB5C}" dt="2019-10-31T22:34:06.055" v="497" actId="26606"/>
+          <ac:spMkLst>
+            <pc:docMk/>
+            <pc:sldMk cId="3132599919" sldId="258"/>
+            <ac:spMk id="2" creationId="{23ECA1DF-DB4C-384D-ADEC-1431BEABC6A3}"/>
+          </ac:spMkLst>
+        </pc:spChg>
+        <pc:spChg chg="del">
+          <ac:chgData name="David Molik" userId="239ea1ff-5141-4dc7-b6c9-b692cae05a8f" providerId="ADAL" clId="{61032604-1D4E-A948-A49D-254BB26CCB5C}" dt="2019-10-31T18:54:56.025" v="15" actId="931"/>
+          <ac:spMkLst>
+            <pc:docMk/>
+            <pc:sldMk cId="3132599919" sldId="258"/>
+            <ac:spMk id="3" creationId="{B6E3E084-CF66-EF46-98CB-F29A6AB09B37}"/>
+          </ac:spMkLst>
+        </pc:spChg>
+        <pc:spChg chg="add del">
+          <ac:chgData name="David Molik" userId="239ea1ff-5141-4dc7-b6c9-b692cae05a8f" providerId="ADAL" clId="{61032604-1D4E-A948-A49D-254BB26CCB5C}" dt="2019-10-31T22:34:06.055" v="497" actId="26606"/>
+          <ac:spMkLst>
+            <pc:docMk/>
+            <pc:sldMk cId="3132599919" sldId="258"/>
+            <ac:spMk id="10" creationId="{84867EAF-AE1D-4322-9DE8-383AE3F7BCD9}"/>
+          </ac:spMkLst>
+        </pc:spChg>
+        <pc:picChg chg="add mod">
+          <ac:chgData name="David Molik" userId="239ea1ff-5141-4dc7-b6c9-b692cae05a8f" providerId="ADAL" clId="{61032604-1D4E-A948-A49D-254BB26CCB5C}" dt="2019-10-31T22:34:06.055" v="497" actId="26606"/>
+          <ac:picMkLst>
+            <pc:docMk/>
+            <pc:sldMk cId="3132599919" sldId="258"/>
+            <ac:picMk id="5" creationId="{01703169-8C39-944C-8568-9DB3F8F06022}"/>
+          </ac:picMkLst>
+        </pc:picChg>
+        <pc:picChg chg="add del">
+          <ac:chgData name="David Molik" userId="239ea1ff-5141-4dc7-b6c9-b692cae05a8f" providerId="ADAL" clId="{61032604-1D4E-A948-A49D-254BB26CCB5C}" dt="2019-10-31T22:34:06.055" v="497" actId="26606"/>
+          <ac:picMkLst>
+            <pc:docMk/>
+            <pc:sldMk cId="3132599919" sldId="258"/>
+            <ac:picMk id="12" creationId="{40676238-7F95-4EEB-836A-7D23927873AD}"/>
+          </ac:picMkLst>
+        </pc:picChg>
+      </pc:sldChg>
+      <pc:sldChg chg="addSp delSp modSp add del">
+        <pc:chgData name="David Molik" userId="239ea1ff-5141-4dc7-b6c9-b692cae05a8f" providerId="ADAL" clId="{61032604-1D4E-A948-A49D-254BB26CCB5C}" dt="2019-10-31T23:48:47.186" v="999" actId="1076"/>
+        <pc:sldMkLst>
+          <pc:docMk/>
+          <pc:sldMk cId="2338880115" sldId="259"/>
+        </pc:sldMkLst>
+        <pc:spChg chg="add del mod">
+          <ac:chgData name="David Molik" userId="239ea1ff-5141-4dc7-b6c9-b692cae05a8f" providerId="ADAL" clId="{61032604-1D4E-A948-A49D-254BB26CCB5C}" dt="2019-10-31T23:48:38.646" v="996" actId="478"/>
+          <ac:spMkLst>
+            <pc:docMk/>
+            <pc:sldMk cId="2338880115" sldId="259"/>
+            <ac:spMk id="5" creationId="{3149CC35-6B60-7843-A467-FB2D1319598D}"/>
+          </ac:spMkLst>
+        </pc:spChg>
+        <pc:spChg chg="del">
+          <ac:chgData name="David Molik" userId="239ea1ff-5141-4dc7-b6c9-b692cae05a8f" providerId="ADAL" clId="{61032604-1D4E-A948-A49D-254BB26CCB5C}" dt="2019-10-31T23:48:32.528" v="994" actId="931"/>
+          <ac:spMkLst>
+            <pc:docMk/>
+            <pc:sldMk cId="2338880115" sldId="259"/>
+            <ac:spMk id="12" creationId="{9A0921CB-6263-5A4E-969A-0025719F06A6}"/>
+          </ac:spMkLst>
+        </pc:spChg>
+        <pc:picChg chg="add mod">
+          <ac:chgData name="David Molik" userId="239ea1ff-5141-4dc7-b6c9-b692cae05a8f" providerId="ADAL" clId="{61032604-1D4E-A948-A49D-254BB26CCB5C}" dt="2019-10-31T23:48:47.186" v="999" actId="1076"/>
+          <ac:picMkLst>
+            <pc:docMk/>
+            <pc:sldMk cId="2338880115" sldId="259"/>
+            <ac:picMk id="4" creationId="{61D00FC5-F91A-8247-BA79-1EC2AE9292E6}"/>
+          </ac:picMkLst>
+        </pc:picChg>
       </pc:sldChg>
       <pc:sldChg chg="addSp delSp modSp">
-        <pc:chgData name="David Molik" userId="239ea1ff-5141-4dc7-b6c9-b692cae05a8f" providerId="ADAL" clId="{61032604-1D4E-A948-A49D-254BB26CCB5C}" dt="2019-10-30T16:33:03.539" v="8" actId="478"/>
+        <pc:chgData name="David Molik" userId="239ea1ff-5141-4dc7-b6c9-b692cae05a8f" providerId="ADAL" clId="{61032604-1D4E-A948-A49D-254BB26CCB5C}" dt="2019-10-31T23:28:57.964" v="957" actId="1076"/>
         <pc:sldMkLst>
           <pc:docMk/>
           <pc:sldMk cId="1445391729" sldId="260"/>
         </pc:sldMkLst>
-        <pc:spChg chg="add mod">
-          <ac:chgData name="David Molik" userId="239ea1ff-5141-4dc7-b6c9-b692cae05a8f" providerId="ADAL" clId="{61032604-1D4E-A948-A49D-254BB26CCB5C}" dt="2019-10-30T16:33:03.539" v="8" actId="478"/>
+        <pc:spChg chg="mod">
+          <ac:chgData name="David Molik" userId="239ea1ff-5141-4dc7-b6c9-b692cae05a8f" providerId="ADAL" clId="{61032604-1D4E-A948-A49D-254BB26CCB5C}" dt="2019-10-31T23:28:43.016" v="925" actId="20577"/>
+          <ac:spMkLst>
+            <pc:docMk/>
+            <pc:sldMk cId="1445391729" sldId="260"/>
+            <ac:spMk id="2" creationId="{BAF5837E-5373-FB41-91BA-B9D5F1D8F131}"/>
+          </ac:spMkLst>
+        </pc:spChg>
+        <pc:spChg chg="add del mod">
+          <ac:chgData name="David Molik" userId="239ea1ff-5141-4dc7-b6c9-b692cae05a8f" providerId="ADAL" clId="{61032604-1D4E-A948-A49D-254BB26CCB5C}" dt="2019-10-31T22:55:41.277" v="799" actId="931"/>
           <ac:spMkLst>
             <pc:docMk/>
             <pc:sldMk cId="1445391729" sldId="260"/>
@@ -172,12 +306,44 @@
             <ac:spMk id="6" creationId="{121E24C6-2A32-6242-A0BE-E582487EED53}"/>
           </ac:spMkLst>
         </pc:spChg>
+        <pc:spChg chg="add mod">
+          <ac:chgData name="David Molik" userId="239ea1ff-5141-4dc7-b6c9-b692cae05a8f" providerId="ADAL" clId="{61032604-1D4E-A948-A49D-254BB26CCB5C}" dt="2019-10-31T22:58:35.682" v="847" actId="1076"/>
+          <ac:spMkLst>
+            <pc:docMk/>
+            <pc:sldMk cId="1445391729" sldId="260"/>
+            <ac:spMk id="7" creationId="{0BB884D4-ABBA-1944-A6F1-209197370AB7}"/>
+          </ac:spMkLst>
+        </pc:spChg>
         <pc:spChg chg="add del mod">
           <ac:chgData name="David Molik" userId="239ea1ff-5141-4dc7-b6c9-b692cae05a8f" providerId="ADAL" clId="{61032604-1D4E-A948-A49D-254BB26CCB5C}" dt="2019-10-30T00:31:03.929" v="2" actId="931"/>
           <ac:spMkLst>
             <pc:docMk/>
             <pc:sldMk cId="1445391729" sldId="260"/>
             <ac:spMk id="7" creationId="{38134E54-9DC6-504D-B46E-789A0BD020AB}"/>
+          </ac:spMkLst>
+        </pc:spChg>
+        <pc:spChg chg="add mod">
+          <ac:chgData name="David Molik" userId="239ea1ff-5141-4dc7-b6c9-b692cae05a8f" providerId="ADAL" clId="{61032604-1D4E-A948-A49D-254BB26CCB5C}" dt="2019-10-31T22:58:28.755" v="845" actId="1076"/>
+          <ac:spMkLst>
+            <pc:docMk/>
+            <pc:sldMk cId="1445391729" sldId="260"/>
+            <ac:spMk id="10" creationId="{DE8FD374-AC8C-7B4D-B73C-40EF4080EA4B}"/>
+          </ac:spMkLst>
+        </pc:spChg>
+        <pc:spChg chg="add del">
+          <ac:chgData name="David Molik" userId="239ea1ff-5141-4dc7-b6c9-b692cae05a8f" providerId="ADAL" clId="{61032604-1D4E-A948-A49D-254BB26CCB5C}" dt="2019-10-31T22:57:56.978" v="839" actId="478"/>
+          <ac:spMkLst>
+            <pc:docMk/>
+            <pc:sldMk cId="1445391729" sldId="260"/>
+            <ac:spMk id="11" creationId="{610FA040-D018-0842-8014-C8CBF9427558}"/>
+          </ac:spMkLst>
+        </pc:spChg>
+        <pc:spChg chg="add mod">
+          <ac:chgData name="David Molik" userId="239ea1ff-5141-4dc7-b6c9-b692cae05a8f" providerId="ADAL" clId="{61032604-1D4E-A948-A49D-254BB26CCB5C}" dt="2019-10-31T23:28:57.964" v="957" actId="1076"/>
+          <ac:spMkLst>
+            <pc:docMk/>
+            <pc:sldMk cId="1445391729" sldId="260"/>
+            <ac:spMk id="12" creationId="{ADD4898A-3E76-464B-A74E-18626091A26F}"/>
           </ac:spMkLst>
         </pc:spChg>
         <pc:picChg chg="add del mod">
@@ -188,12 +354,667 @@
             <ac:picMk id="4" creationId="{C4526B68-DCE3-BD48-B4FA-187D5A491F1F}"/>
           </ac:picMkLst>
         </pc:picChg>
+        <pc:picChg chg="add mod">
+          <ac:chgData name="David Molik" userId="239ea1ff-5141-4dc7-b6c9-b692cae05a8f" providerId="ADAL" clId="{61032604-1D4E-A948-A49D-254BB26CCB5C}" dt="2019-10-31T22:58:23.286" v="844" actId="1076"/>
+          <ac:picMkLst>
+            <pc:docMk/>
+            <pc:sldMk cId="1445391729" sldId="260"/>
+            <ac:picMk id="6" creationId="{751F79B6-A63E-0143-8510-E33FD400A076}"/>
+          </ac:picMkLst>
+        </pc:picChg>
         <pc:picChg chg="add del mod modCrop">
           <ac:chgData name="David Molik" userId="239ea1ff-5141-4dc7-b6c9-b692cae05a8f" providerId="ADAL" clId="{61032604-1D4E-A948-A49D-254BB26CCB5C}" dt="2019-10-30T16:33:03.539" v="8" actId="478"/>
           <ac:picMkLst>
             <pc:docMk/>
             <pc:sldMk cId="1445391729" sldId="260"/>
             <ac:picMk id="9" creationId="{F456EC0C-372E-5E4B-A531-91DCD40F103D}"/>
+          </ac:picMkLst>
+        </pc:picChg>
+      </pc:sldChg>
+      <pc:sldChg chg="addSp delSp modSp add">
+        <pc:chgData name="David Molik" userId="239ea1ff-5141-4dc7-b6c9-b692cae05a8f" providerId="ADAL" clId="{61032604-1D4E-A948-A49D-254BB26CCB5C}" dt="2019-10-31T18:55:55.518" v="25"/>
+        <pc:sldMkLst>
+          <pc:docMk/>
+          <pc:sldMk cId="3247349351" sldId="261"/>
+        </pc:sldMkLst>
+        <pc:spChg chg="mod">
+          <ac:chgData name="David Molik" userId="239ea1ff-5141-4dc7-b6c9-b692cae05a8f" providerId="ADAL" clId="{61032604-1D4E-A948-A49D-254BB26CCB5C}" dt="2019-10-31T18:55:55.518" v="25"/>
+          <ac:spMkLst>
+            <pc:docMk/>
+            <pc:sldMk cId="3247349351" sldId="261"/>
+            <ac:spMk id="2" creationId="{3D1229A9-3B32-EE41-AED8-35C79230EF11}"/>
+          </ac:spMkLst>
+        </pc:spChg>
+        <pc:spChg chg="del">
+          <ac:chgData name="David Molik" userId="239ea1ff-5141-4dc7-b6c9-b692cae05a8f" providerId="ADAL" clId="{61032604-1D4E-A948-A49D-254BB26CCB5C}" dt="2019-10-31T18:55:27.128" v="20" actId="931"/>
+          <ac:spMkLst>
+            <pc:docMk/>
+            <pc:sldMk cId="3247349351" sldId="261"/>
+            <ac:spMk id="3" creationId="{921A89F8-17C2-BB4A-B8C8-A05071E9E2B4}"/>
+          </ac:spMkLst>
+        </pc:spChg>
+        <pc:picChg chg="add mod">
+          <ac:chgData name="David Molik" userId="239ea1ff-5141-4dc7-b6c9-b692cae05a8f" providerId="ADAL" clId="{61032604-1D4E-A948-A49D-254BB26CCB5C}" dt="2019-10-31T18:55:41.210" v="24" actId="14100"/>
+          <ac:picMkLst>
+            <pc:docMk/>
+            <pc:sldMk cId="3247349351" sldId="261"/>
+            <ac:picMk id="5" creationId="{9F638444-9099-C746-BC9F-4C6998359EC5}"/>
+          </ac:picMkLst>
+        </pc:picChg>
+      </pc:sldChg>
+      <pc:sldChg chg="addSp delSp modSp add mod setBg">
+        <pc:chgData name="David Molik" userId="239ea1ff-5141-4dc7-b6c9-b692cae05a8f" providerId="ADAL" clId="{61032604-1D4E-A948-A49D-254BB26CCB5C}" dt="2019-10-31T18:58:32.969" v="38" actId="26606"/>
+        <pc:sldMkLst>
+          <pc:docMk/>
+          <pc:sldMk cId="1609195325" sldId="262"/>
+        </pc:sldMkLst>
+        <pc:spChg chg="del">
+          <ac:chgData name="David Molik" userId="239ea1ff-5141-4dc7-b6c9-b692cae05a8f" providerId="ADAL" clId="{61032604-1D4E-A948-A49D-254BB26CCB5C}" dt="2019-10-31T18:58:20.635" v="34" actId="478"/>
+          <ac:spMkLst>
+            <pc:docMk/>
+            <pc:sldMk cId="1609195325" sldId="262"/>
+            <ac:spMk id="2" creationId="{23ECA1DF-DB4C-384D-ADEC-1431BEABC6A3}"/>
+          </ac:spMkLst>
+        </pc:spChg>
+        <pc:spChg chg="add del mod">
+          <ac:chgData name="David Molik" userId="239ea1ff-5141-4dc7-b6c9-b692cae05a8f" providerId="ADAL" clId="{61032604-1D4E-A948-A49D-254BB26CCB5C}" dt="2019-10-31T18:57:35.291" v="28" actId="931"/>
+          <ac:spMkLst>
+            <pc:docMk/>
+            <pc:sldMk cId="1609195325" sldId="262"/>
+            <ac:spMk id="4" creationId="{BF3AF423-5233-0C46-9A85-C617C7E673A8}"/>
+          </ac:spMkLst>
+        </pc:spChg>
+        <pc:spChg chg="add del mod">
+          <ac:chgData name="David Molik" userId="239ea1ff-5141-4dc7-b6c9-b692cae05a8f" providerId="ADAL" clId="{61032604-1D4E-A948-A49D-254BB26CCB5C}" dt="2019-10-31T18:58:21.939" v="35" actId="478"/>
+          <ac:spMkLst>
+            <pc:docMk/>
+            <pc:sldMk cId="1609195325" sldId="262"/>
+            <ac:spMk id="9" creationId="{2D9CA112-5D0B-AF48-B665-8C894B46CD2F}"/>
+          </ac:spMkLst>
+        </pc:spChg>
+        <pc:picChg chg="del">
+          <ac:chgData name="David Molik" userId="239ea1ff-5141-4dc7-b6c9-b692cae05a8f" providerId="ADAL" clId="{61032604-1D4E-A948-A49D-254BB26CCB5C}" dt="2019-10-31T18:56:23.658" v="27" actId="478"/>
+          <ac:picMkLst>
+            <pc:docMk/>
+            <pc:sldMk cId="1609195325" sldId="262"/>
+            <ac:picMk id="5" creationId="{01703169-8C39-944C-8568-9DB3F8F06022}"/>
+          </ac:picMkLst>
+        </pc:picChg>
+        <pc:picChg chg="add mod">
+          <ac:chgData name="David Molik" userId="239ea1ff-5141-4dc7-b6c9-b692cae05a8f" providerId="ADAL" clId="{61032604-1D4E-A948-A49D-254BB26CCB5C}" dt="2019-10-31T18:58:32.969" v="38" actId="26606"/>
+          <ac:picMkLst>
+            <pc:docMk/>
+            <pc:sldMk cId="1609195325" sldId="262"/>
+            <ac:picMk id="7" creationId="{FD9BD2D1-84E0-F745-B216-42C44953F95D}"/>
+          </ac:picMkLst>
+        </pc:picChg>
+      </pc:sldChg>
+      <pc:sldChg chg="addSp delSp modSp add mod setBg delDesignElem">
+        <pc:chgData name="David Molik" userId="239ea1ff-5141-4dc7-b6c9-b692cae05a8f" providerId="ADAL" clId="{61032604-1D4E-A948-A49D-254BB26CCB5C}" dt="2019-10-31T22:34:41.694" v="501" actId="207"/>
+        <pc:sldMkLst>
+          <pc:docMk/>
+          <pc:sldMk cId="3281563686" sldId="263"/>
+        </pc:sldMkLst>
+        <pc:spChg chg="mod">
+          <ac:chgData name="David Molik" userId="239ea1ff-5141-4dc7-b6c9-b692cae05a8f" providerId="ADAL" clId="{61032604-1D4E-A948-A49D-254BB26CCB5C}" dt="2019-10-31T22:34:41.694" v="501" actId="207"/>
+          <ac:spMkLst>
+            <pc:docMk/>
+            <pc:sldMk cId="3281563686" sldId="263"/>
+            <ac:spMk id="2" creationId="{C2340A01-7FA7-384D-8324-2129F1F225F2}"/>
+          </ac:spMkLst>
+        </pc:spChg>
+        <pc:spChg chg="del mod">
+          <ac:chgData name="David Molik" userId="239ea1ff-5141-4dc7-b6c9-b692cae05a8f" providerId="ADAL" clId="{61032604-1D4E-A948-A49D-254BB26CCB5C}" dt="2019-10-31T22:34:25.634" v="499"/>
+          <ac:spMkLst>
+            <pc:docMk/>
+            <pc:sldMk cId="3281563686" sldId="263"/>
+            <ac:spMk id="3" creationId="{AD922CB9-91C8-8C4C-823E-828F19BA15F2}"/>
+          </ac:spMkLst>
+        </pc:spChg>
+        <pc:spChg chg="add mod">
+          <ac:chgData name="David Molik" userId="239ea1ff-5141-4dc7-b6c9-b692cae05a8f" providerId="ADAL" clId="{61032604-1D4E-A948-A49D-254BB26CCB5C}" dt="2019-10-31T22:34:25.634" v="499"/>
+          <ac:spMkLst>
+            <pc:docMk/>
+            <pc:sldMk cId="3281563686" sldId="263"/>
+            <ac:spMk id="4" creationId="{C3AA0EDD-B70C-AF48-8C32-C01E793234D4}"/>
+          </ac:spMkLst>
+        </pc:spChg>
+        <pc:spChg chg="add del">
+          <ac:chgData name="David Molik" userId="239ea1ff-5141-4dc7-b6c9-b692cae05a8f" providerId="ADAL" clId="{61032604-1D4E-A948-A49D-254BB26CCB5C}" dt="2019-10-31T22:33:38.973" v="492" actId="26606"/>
+          <ac:spMkLst>
+            <pc:docMk/>
+            <pc:sldMk cId="3281563686" sldId="263"/>
+            <ac:spMk id="8" creationId="{25168E7B-6D42-4B3A-B7A1-17D4C49EC903}"/>
+          </ac:spMkLst>
+        </pc:spChg>
+        <pc:spChg chg="add del">
+          <ac:chgData name="David Molik" userId="239ea1ff-5141-4dc7-b6c9-b692cae05a8f" providerId="ADAL" clId="{61032604-1D4E-A948-A49D-254BB26CCB5C}" dt="2019-10-31T22:34:25.634" v="499"/>
+          <ac:spMkLst>
+            <pc:docMk/>
+            <pc:sldMk cId="3281563686" sldId="263"/>
+            <ac:spMk id="12" creationId="{86197D16-FE75-4A0E-A0C9-28C0F04A43DF}"/>
+          </ac:spMkLst>
+        </pc:spChg>
+        <pc:picChg chg="add del">
+          <ac:chgData name="David Molik" userId="239ea1ff-5141-4dc7-b6c9-b692cae05a8f" providerId="ADAL" clId="{61032604-1D4E-A948-A49D-254BB26CCB5C}" dt="2019-10-31T22:33:38.973" v="492" actId="26606"/>
+          <ac:picMkLst>
+            <pc:docMk/>
+            <pc:sldMk cId="3281563686" sldId="263"/>
+            <ac:picMk id="10" creationId="{98A030C2-9F23-4593-9F99-7B73C232A4C9}"/>
+          </ac:picMkLst>
+        </pc:picChg>
+        <pc:picChg chg="add del">
+          <ac:chgData name="David Molik" userId="239ea1ff-5141-4dc7-b6c9-b692cae05a8f" providerId="ADAL" clId="{61032604-1D4E-A948-A49D-254BB26CCB5C}" dt="2019-10-31T22:34:25.634" v="499"/>
+          <ac:picMkLst>
+            <pc:docMk/>
+            <pc:sldMk cId="3281563686" sldId="263"/>
+            <ac:picMk id="13" creationId="{FA8FCEC6-4B30-4FF2-8B32-504BEAEA3A16}"/>
+          </ac:picMkLst>
+        </pc:picChg>
+      </pc:sldChg>
+      <pc:sldChg chg="modSp add del">
+        <pc:chgData name="David Molik" userId="239ea1ff-5141-4dc7-b6c9-b692cae05a8f" providerId="ADAL" clId="{61032604-1D4E-A948-A49D-254BB26CCB5C}" dt="2019-10-31T19:09:24.054" v="195" actId="2696"/>
+        <pc:sldMkLst>
+          <pc:docMk/>
+          <pc:sldMk cId="3692595630" sldId="264"/>
+        </pc:sldMkLst>
+        <pc:spChg chg="mod">
+          <ac:chgData name="David Molik" userId="239ea1ff-5141-4dc7-b6c9-b692cae05a8f" providerId="ADAL" clId="{61032604-1D4E-A948-A49D-254BB26CCB5C}" dt="2019-10-31T19:07:03.865" v="53" actId="20577"/>
+          <ac:spMkLst>
+            <pc:docMk/>
+            <pc:sldMk cId="3692595630" sldId="264"/>
+            <ac:spMk id="2" creationId="{C2340A01-7FA7-384D-8324-2129F1F225F2}"/>
+          </ac:spMkLst>
+        </pc:spChg>
+      </pc:sldChg>
+      <pc:sldChg chg="modSp add">
+        <pc:chgData name="David Molik" userId="239ea1ff-5141-4dc7-b6c9-b692cae05a8f" providerId="ADAL" clId="{61032604-1D4E-A948-A49D-254BB26CCB5C}" dt="2019-10-31T19:07:26.385" v="87" actId="20577"/>
+        <pc:sldMkLst>
+          <pc:docMk/>
+          <pc:sldMk cId="1827495624" sldId="265"/>
+        </pc:sldMkLst>
+        <pc:spChg chg="mod">
+          <ac:chgData name="David Molik" userId="239ea1ff-5141-4dc7-b6c9-b692cae05a8f" providerId="ADAL" clId="{61032604-1D4E-A948-A49D-254BB26CCB5C}" dt="2019-10-31T19:07:26.385" v="87" actId="20577"/>
+          <ac:spMkLst>
+            <pc:docMk/>
+            <pc:sldMk cId="1827495624" sldId="265"/>
+            <ac:spMk id="2" creationId="{C2340A01-7FA7-384D-8324-2129F1F225F2}"/>
+          </ac:spMkLst>
+        </pc:spChg>
+      </pc:sldChg>
+      <pc:sldChg chg="modSp add">
+        <pc:chgData name="David Molik" userId="239ea1ff-5141-4dc7-b6c9-b692cae05a8f" providerId="ADAL" clId="{61032604-1D4E-A948-A49D-254BB26CCB5C}" dt="2019-10-31T19:08:10.852" v="152" actId="313"/>
+        <pc:sldMkLst>
+          <pc:docMk/>
+          <pc:sldMk cId="365843437" sldId="266"/>
+        </pc:sldMkLst>
+        <pc:spChg chg="mod">
+          <ac:chgData name="David Molik" userId="239ea1ff-5141-4dc7-b6c9-b692cae05a8f" providerId="ADAL" clId="{61032604-1D4E-A948-A49D-254BB26CCB5C}" dt="2019-10-31T19:08:10.852" v="152" actId="313"/>
+          <ac:spMkLst>
+            <pc:docMk/>
+            <pc:sldMk cId="365843437" sldId="266"/>
+            <ac:spMk id="2" creationId="{C2340A01-7FA7-384D-8324-2129F1F225F2}"/>
+          </ac:spMkLst>
+        </pc:spChg>
+      </pc:sldChg>
+      <pc:sldChg chg="modSp add">
+        <pc:chgData name="David Molik" userId="239ea1ff-5141-4dc7-b6c9-b692cae05a8f" providerId="ADAL" clId="{61032604-1D4E-A948-A49D-254BB26CCB5C}" dt="2019-10-31T19:08:23.962" v="194" actId="20577"/>
+        <pc:sldMkLst>
+          <pc:docMk/>
+          <pc:sldMk cId="1125824702" sldId="267"/>
+        </pc:sldMkLst>
+        <pc:spChg chg="mod">
+          <ac:chgData name="David Molik" userId="239ea1ff-5141-4dc7-b6c9-b692cae05a8f" providerId="ADAL" clId="{61032604-1D4E-A948-A49D-254BB26CCB5C}" dt="2019-10-31T19:08:23.962" v="194" actId="20577"/>
+          <ac:spMkLst>
+            <pc:docMk/>
+            <pc:sldMk cId="1125824702" sldId="267"/>
+            <ac:spMk id="2" creationId="{C2340A01-7FA7-384D-8324-2129F1F225F2}"/>
+          </ac:spMkLst>
+        </pc:spChg>
+      </pc:sldChg>
+      <pc:sldChg chg="addSp modSp add">
+        <pc:chgData name="David Molik" userId="239ea1ff-5141-4dc7-b6c9-b692cae05a8f" providerId="ADAL" clId="{61032604-1D4E-A948-A49D-254BB26CCB5C}" dt="2019-10-31T22:39:39.263" v="790" actId="20577"/>
+        <pc:sldMkLst>
+          <pc:docMk/>
+          <pc:sldMk cId="70538485" sldId="268"/>
+        </pc:sldMkLst>
+        <pc:spChg chg="mod">
+          <ac:chgData name="David Molik" userId="239ea1ff-5141-4dc7-b6c9-b692cae05a8f" providerId="ADAL" clId="{61032604-1D4E-A948-A49D-254BB26CCB5C}" dt="2019-10-31T22:24:56.909" v="329"/>
+          <ac:spMkLst>
+            <pc:docMk/>
+            <pc:sldMk cId="70538485" sldId="268"/>
+            <ac:spMk id="2" creationId="{E29F04AD-457B-DF4A-AE7F-850DD32135DD}"/>
+          </ac:spMkLst>
+        </pc:spChg>
+        <pc:spChg chg="mod">
+          <ac:chgData name="David Molik" userId="239ea1ff-5141-4dc7-b6c9-b692cae05a8f" providerId="ADAL" clId="{61032604-1D4E-A948-A49D-254BB26CCB5C}" dt="2019-10-31T22:24:50.373" v="328" actId="114"/>
+          <ac:spMkLst>
+            <pc:docMk/>
+            <pc:sldMk cId="70538485" sldId="268"/>
+            <ac:spMk id="3" creationId="{228E0D32-A346-C94D-9AAB-2FCC78D60640}"/>
+          </ac:spMkLst>
+        </pc:spChg>
+        <pc:spChg chg="add mod">
+          <ac:chgData name="David Molik" userId="239ea1ff-5141-4dc7-b6c9-b692cae05a8f" providerId="ADAL" clId="{61032604-1D4E-A948-A49D-254BB26CCB5C}" dt="2019-10-31T22:39:39.263" v="790" actId="20577"/>
+          <ac:spMkLst>
+            <pc:docMk/>
+            <pc:sldMk cId="70538485" sldId="268"/>
+            <ac:spMk id="4" creationId="{01F088AC-9E08-AD4E-B9AE-15C7BC4FB617}"/>
+          </ac:spMkLst>
+        </pc:spChg>
+      </pc:sldChg>
+      <pc:sldChg chg="addSp modSp add mod setBg">
+        <pc:chgData name="David Molik" userId="239ea1ff-5141-4dc7-b6c9-b692cae05a8f" providerId="ADAL" clId="{61032604-1D4E-A948-A49D-254BB26CCB5C}" dt="2019-10-31T22:35:01.913" v="502" actId="20577"/>
+        <pc:sldMkLst>
+          <pc:docMk/>
+          <pc:sldMk cId="360909964" sldId="269"/>
+        </pc:sldMkLst>
+        <pc:spChg chg="mod">
+          <ac:chgData name="David Molik" userId="239ea1ff-5141-4dc7-b6c9-b692cae05a8f" providerId="ADAL" clId="{61032604-1D4E-A948-A49D-254BB26CCB5C}" dt="2019-10-31T22:33:30.616" v="490" actId="26606"/>
+          <ac:spMkLst>
+            <pc:docMk/>
+            <pc:sldMk cId="360909964" sldId="269"/>
+            <ac:spMk id="2" creationId="{C2340A01-7FA7-384D-8324-2129F1F225F2}"/>
+          </ac:spMkLst>
+        </pc:spChg>
+        <pc:spChg chg="mod">
+          <ac:chgData name="David Molik" userId="239ea1ff-5141-4dc7-b6c9-b692cae05a8f" providerId="ADAL" clId="{61032604-1D4E-A948-A49D-254BB26CCB5C}" dt="2019-10-31T22:35:01.913" v="502" actId="20577"/>
+          <ac:spMkLst>
+            <pc:docMk/>
+            <pc:sldMk cId="360909964" sldId="269"/>
+            <ac:spMk id="3" creationId="{AD922CB9-91C8-8C4C-823E-828F19BA15F2}"/>
+          </ac:spMkLst>
+        </pc:spChg>
+        <pc:spChg chg="add">
+          <ac:chgData name="David Molik" userId="239ea1ff-5141-4dc7-b6c9-b692cae05a8f" providerId="ADAL" clId="{61032604-1D4E-A948-A49D-254BB26CCB5C}" dt="2019-10-31T22:33:30.616" v="490" actId="26606"/>
+          <ac:spMkLst>
+            <pc:docMk/>
+            <pc:sldMk cId="360909964" sldId="269"/>
+            <ac:spMk id="8" creationId="{23962611-DFD5-4092-AAFD-559E3DFCE2C9}"/>
+          </ac:spMkLst>
+        </pc:spChg>
+        <pc:picChg chg="add">
+          <ac:chgData name="David Molik" userId="239ea1ff-5141-4dc7-b6c9-b692cae05a8f" providerId="ADAL" clId="{61032604-1D4E-A948-A49D-254BB26CCB5C}" dt="2019-10-31T22:33:30.616" v="490" actId="26606"/>
+          <ac:picMkLst>
+            <pc:docMk/>
+            <pc:sldMk cId="360909964" sldId="269"/>
+            <ac:picMk id="10" creationId="{2270F1FA-0425-408F-9861-80BF5AFB276D}"/>
+          </ac:picMkLst>
+        </pc:picChg>
+      </pc:sldChg>
+      <pc:sldChg chg="addSp modSp add mod ord setBg">
+        <pc:chgData name="David Molik" userId="239ea1ff-5141-4dc7-b6c9-b692cae05a8f" providerId="ADAL" clId="{61032604-1D4E-A948-A49D-254BB26CCB5C}" dt="2019-10-31T22:33:08.394" v="448" actId="20577"/>
+        <pc:sldMkLst>
+          <pc:docMk/>
+          <pc:sldMk cId="3004442009" sldId="270"/>
+        </pc:sldMkLst>
+        <pc:spChg chg="add mod">
+          <ac:chgData name="David Molik" userId="239ea1ff-5141-4dc7-b6c9-b692cae05a8f" providerId="ADAL" clId="{61032604-1D4E-A948-A49D-254BB26CCB5C}" dt="2019-10-31T22:33:08.394" v="448" actId="20577"/>
+          <ac:spMkLst>
+            <pc:docMk/>
+            <pc:sldMk cId="3004442009" sldId="270"/>
+            <ac:spMk id="6" creationId="{C2578587-969B-0C43-BA90-4A78F776B849}"/>
+          </ac:spMkLst>
+        </pc:spChg>
+        <pc:spChg chg="add">
+          <ac:chgData name="David Molik" userId="239ea1ff-5141-4dc7-b6c9-b692cae05a8f" providerId="ADAL" clId="{61032604-1D4E-A948-A49D-254BB26CCB5C}" dt="2019-10-31T22:32:45.489" v="423" actId="26606"/>
+          <ac:spMkLst>
+            <pc:docMk/>
+            <pc:sldMk cId="3004442009" sldId="270"/>
+            <ac:spMk id="11" creationId="{C9F26692-F12A-4F9E-9C6D-FABE9A277FD3}"/>
+          </ac:spMkLst>
+        </pc:spChg>
+        <pc:spChg chg="add">
+          <ac:chgData name="David Molik" userId="239ea1ff-5141-4dc7-b6c9-b692cae05a8f" providerId="ADAL" clId="{61032604-1D4E-A948-A49D-254BB26CCB5C}" dt="2019-10-31T22:32:45.489" v="423" actId="26606"/>
+          <ac:spMkLst>
+            <pc:docMk/>
+            <pc:sldMk cId="3004442009" sldId="270"/>
+            <ac:spMk id="15" creationId="{6BFB173A-5EF2-43F4-B3BB-6EA1975FAB85}"/>
+          </ac:spMkLst>
+        </pc:spChg>
+        <pc:spChg chg="add">
+          <ac:chgData name="David Molik" userId="239ea1ff-5141-4dc7-b6c9-b692cae05a8f" providerId="ADAL" clId="{61032604-1D4E-A948-A49D-254BB26CCB5C}" dt="2019-10-31T22:32:45.489" v="423" actId="26606"/>
+          <ac:spMkLst>
+            <pc:docMk/>
+            <pc:sldMk cId="3004442009" sldId="270"/>
+            <ac:spMk id="17" creationId="{726FC37F-1DE8-4A19-A1DE-0A2176ED8DD0}"/>
+          </ac:spMkLst>
+        </pc:spChg>
+        <pc:picChg chg="add mod ord">
+          <ac:chgData name="David Molik" userId="239ea1ff-5141-4dc7-b6c9-b692cae05a8f" providerId="ADAL" clId="{61032604-1D4E-A948-A49D-254BB26CCB5C}" dt="2019-10-31T22:32:45.489" v="423" actId="26606"/>
+          <ac:picMkLst>
+            <pc:docMk/>
+            <pc:sldMk cId="3004442009" sldId="270"/>
+            <ac:picMk id="3" creationId="{2E2F2880-12D1-EE43-9D34-336D68D7F2C5}"/>
+          </ac:picMkLst>
+        </pc:picChg>
+        <pc:picChg chg="add mod ord">
+          <ac:chgData name="David Molik" userId="239ea1ff-5141-4dc7-b6c9-b692cae05a8f" providerId="ADAL" clId="{61032604-1D4E-A948-A49D-254BB26CCB5C}" dt="2019-10-31T22:32:45.489" v="423" actId="26606"/>
+          <ac:picMkLst>
+            <pc:docMk/>
+            <pc:sldMk cId="3004442009" sldId="270"/>
+            <ac:picMk id="5" creationId="{8D439D1E-4E0B-8247-AAE9-39E89C069836}"/>
+          </ac:picMkLst>
+        </pc:picChg>
+        <pc:picChg chg="add">
+          <ac:chgData name="David Molik" userId="239ea1ff-5141-4dc7-b6c9-b692cae05a8f" providerId="ADAL" clId="{61032604-1D4E-A948-A49D-254BB26CCB5C}" dt="2019-10-31T22:32:45.489" v="423" actId="26606"/>
+          <ac:picMkLst>
+            <pc:docMk/>
+            <pc:sldMk cId="3004442009" sldId="270"/>
+            <ac:picMk id="13" creationId="{19BDF44E-531A-4177-A2D6-2D2310D05830}"/>
+          </ac:picMkLst>
+        </pc:picChg>
+      </pc:sldChg>
+      <pc:sldChg chg="addSp delSp modSp add mod setBg">
+        <pc:chgData name="David Molik" userId="239ea1ff-5141-4dc7-b6c9-b692cae05a8f" providerId="ADAL" clId="{61032604-1D4E-A948-A49D-254BB26CCB5C}" dt="2019-10-31T22:33:23.500" v="489" actId="20577"/>
+        <pc:sldMkLst>
+          <pc:docMk/>
+          <pc:sldMk cId="566553792" sldId="271"/>
+        </pc:sldMkLst>
+        <pc:spChg chg="mod">
+          <ac:chgData name="David Molik" userId="239ea1ff-5141-4dc7-b6c9-b692cae05a8f" providerId="ADAL" clId="{61032604-1D4E-A948-A49D-254BB26CCB5C}" dt="2019-10-31T22:33:23.500" v="489" actId="20577"/>
+          <ac:spMkLst>
+            <pc:docMk/>
+            <pc:sldMk cId="566553792" sldId="271"/>
+            <ac:spMk id="6" creationId="{C2578587-969B-0C43-BA90-4A78F776B849}"/>
+          </ac:spMkLst>
+        </pc:spChg>
+        <pc:spChg chg="add">
+          <ac:chgData name="David Molik" userId="239ea1ff-5141-4dc7-b6c9-b692cae05a8f" providerId="ADAL" clId="{61032604-1D4E-A948-A49D-254BB26CCB5C}" dt="2019-10-31T22:32:54.022" v="424" actId="26606"/>
+          <ac:spMkLst>
+            <pc:docMk/>
+            <pc:sldMk cId="566553792" sldId="271"/>
+            <ac:spMk id="15" creationId="{C6B8CC7F-3622-46E3-9272-E1956397D21B}"/>
+          </ac:spMkLst>
+        </pc:spChg>
+        <pc:spChg chg="add">
+          <ac:chgData name="David Molik" userId="239ea1ff-5141-4dc7-b6c9-b692cae05a8f" providerId="ADAL" clId="{61032604-1D4E-A948-A49D-254BB26CCB5C}" dt="2019-10-31T22:32:54.022" v="424" actId="26606"/>
+          <ac:spMkLst>
+            <pc:docMk/>
+            <pc:sldMk cId="566553792" sldId="271"/>
+            <ac:spMk id="17" creationId="{F3FE55B4-2EE5-4A4A-AD80-1A14F660FEF5}"/>
+          </ac:spMkLst>
+        </pc:spChg>
+        <pc:spChg chg="add">
+          <ac:chgData name="David Molik" userId="239ea1ff-5141-4dc7-b6c9-b692cae05a8f" providerId="ADAL" clId="{61032604-1D4E-A948-A49D-254BB26CCB5C}" dt="2019-10-31T22:32:54.022" v="424" actId="26606"/>
+          <ac:spMkLst>
+            <pc:docMk/>
+            <pc:sldMk cId="566553792" sldId="271"/>
+            <ac:spMk id="21" creationId="{F62B8A8C-A996-46DA-AB61-1A4DD707348F}"/>
+          </ac:spMkLst>
+        </pc:spChg>
+        <pc:spChg chg="add">
+          <ac:chgData name="David Molik" userId="239ea1ff-5141-4dc7-b6c9-b692cae05a8f" providerId="ADAL" clId="{61032604-1D4E-A948-A49D-254BB26CCB5C}" dt="2019-10-31T22:32:54.022" v="424" actId="26606"/>
+          <ac:spMkLst>
+            <pc:docMk/>
+            <pc:sldMk cId="566553792" sldId="271"/>
+            <ac:spMk id="23" creationId="{F429BE5F-6DE0-4144-A557-3BE62DC2D816}"/>
+          </ac:spMkLst>
+        </pc:spChg>
+        <pc:spChg chg="add">
+          <ac:chgData name="David Molik" userId="239ea1ff-5141-4dc7-b6c9-b692cae05a8f" providerId="ADAL" clId="{61032604-1D4E-A948-A49D-254BB26CCB5C}" dt="2019-10-31T22:32:54.022" v="424" actId="26606"/>
+          <ac:spMkLst>
+            <pc:docMk/>
+            <pc:sldMk cId="566553792" sldId="271"/>
+            <ac:spMk id="25" creationId="{CE1EFC02-FB03-4241-83C8-4FBA4CAD6570}"/>
+          </ac:spMkLst>
+        </pc:spChg>
+        <pc:picChg chg="del">
+          <ac:chgData name="David Molik" userId="239ea1ff-5141-4dc7-b6c9-b692cae05a8f" providerId="ADAL" clId="{61032604-1D4E-A948-A49D-254BB26CCB5C}" dt="2019-10-31T22:29:17.673" v="412" actId="478"/>
+          <ac:picMkLst>
+            <pc:docMk/>
+            <pc:sldMk cId="566553792" sldId="271"/>
+            <ac:picMk id="3" creationId="{2E2F2880-12D1-EE43-9D34-336D68D7F2C5}"/>
+          </ac:picMkLst>
+        </pc:picChg>
+        <pc:picChg chg="add mod">
+          <ac:chgData name="David Molik" userId="239ea1ff-5141-4dc7-b6c9-b692cae05a8f" providerId="ADAL" clId="{61032604-1D4E-A948-A49D-254BB26CCB5C}" dt="2019-10-31T22:32:54.022" v="424" actId="26606"/>
+          <ac:picMkLst>
+            <pc:docMk/>
+            <pc:sldMk cId="566553792" sldId="271"/>
+            <ac:picMk id="4" creationId="{EC23AD9A-EAE3-6949-B37E-59838A89A2A4}"/>
+          </ac:picMkLst>
+        </pc:picChg>
+        <pc:picChg chg="del">
+          <ac:chgData name="David Molik" userId="239ea1ff-5141-4dc7-b6c9-b692cae05a8f" providerId="ADAL" clId="{61032604-1D4E-A948-A49D-254BB26CCB5C}" dt="2019-10-31T22:29:17.232" v="411" actId="478"/>
+          <ac:picMkLst>
+            <pc:docMk/>
+            <pc:sldMk cId="566553792" sldId="271"/>
+            <ac:picMk id="5" creationId="{8D439D1E-4E0B-8247-AAE9-39E89C069836}"/>
+          </ac:picMkLst>
+        </pc:picChg>
+        <pc:picChg chg="add mod">
+          <ac:chgData name="David Molik" userId="239ea1ff-5141-4dc7-b6c9-b692cae05a8f" providerId="ADAL" clId="{61032604-1D4E-A948-A49D-254BB26CCB5C}" dt="2019-10-31T22:32:54.022" v="424" actId="26606"/>
+          <ac:picMkLst>
+            <pc:docMk/>
+            <pc:sldMk cId="566553792" sldId="271"/>
+            <ac:picMk id="8" creationId="{E1D37B90-EF0D-5849-A70C-DA472BEAA95B}"/>
+          </ac:picMkLst>
+        </pc:picChg>
+        <pc:picChg chg="add mod ord">
+          <ac:chgData name="David Molik" userId="239ea1ff-5141-4dc7-b6c9-b692cae05a8f" providerId="ADAL" clId="{61032604-1D4E-A948-A49D-254BB26CCB5C}" dt="2019-10-31T22:32:54.022" v="424" actId="26606"/>
+          <ac:picMkLst>
+            <pc:docMk/>
+            <pc:sldMk cId="566553792" sldId="271"/>
+            <ac:picMk id="10" creationId="{EC30BDB9-5E37-C148-957A-E398183E8E4F}"/>
+          </ac:picMkLst>
+        </pc:picChg>
+        <pc:picChg chg="add">
+          <ac:chgData name="David Molik" userId="239ea1ff-5141-4dc7-b6c9-b692cae05a8f" providerId="ADAL" clId="{61032604-1D4E-A948-A49D-254BB26CCB5C}" dt="2019-10-31T22:32:54.022" v="424" actId="26606"/>
+          <ac:picMkLst>
+            <pc:docMk/>
+            <pc:sldMk cId="566553792" sldId="271"/>
+            <ac:picMk id="19" creationId="{7267E9C1-58F1-46EE-9BBE-108764BF9E2F}"/>
+          </ac:picMkLst>
+        </pc:picChg>
+      </pc:sldChg>
+      <pc:sldChg chg="modSp add setBg">
+        <pc:chgData name="David Molik" userId="239ea1ff-5141-4dc7-b6c9-b692cae05a8f" providerId="ADAL" clId="{61032604-1D4E-A948-A49D-254BB26CCB5C}" dt="2019-10-31T22:35:53.585" v="632" actId="20577"/>
+        <pc:sldMkLst>
+          <pc:docMk/>
+          <pc:sldMk cId="3838139533" sldId="272"/>
+        </pc:sldMkLst>
+        <pc:spChg chg="mod">
+          <ac:chgData name="David Molik" userId="239ea1ff-5141-4dc7-b6c9-b692cae05a8f" providerId="ADAL" clId="{61032604-1D4E-A948-A49D-254BB26CCB5C}" dt="2019-10-31T22:35:45.335" v="614" actId="20577"/>
+          <ac:spMkLst>
+            <pc:docMk/>
+            <pc:sldMk cId="3838139533" sldId="272"/>
+            <ac:spMk id="2" creationId="{C2340A01-7FA7-384D-8324-2129F1F225F2}"/>
+          </ac:spMkLst>
+        </pc:spChg>
+        <pc:spChg chg="mod">
+          <ac:chgData name="David Molik" userId="239ea1ff-5141-4dc7-b6c9-b692cae05a8f" providerId="ADAL" clId="{61032604-1D4E-A948-A49D-254BB26CCB5C}" dt="2019-10-31T22:35:53.585" v="632" actId="20577"/>
+          <ac:spMkLst>
+            <pc:docMk/>
+            <pc:sldMk cId="3838139533" sldId="272"/>
+            <ac:spMk id="4" creationId="{C3AA0EDD-B70C-AF48-8C32-C01E793234D4}"/>
+          </ac:spMkLst>
+        </pc:spChg>
+      </pc:sldChg>
+      <pc:sldChg chg="addSp delSp modSp add">
+        <pc:chgData name="David Molik" userId="239ea1ff-5141-4dc7-b6c9-b692cae05a8f" providerId="ADAL" clId="{61032604-1D4E-A948-A49D-254BB26CCB5C}" dt="2019-10-31T22:49:18.944" v="798" actId="1076"/>
+        <pc:sldMkLst>
+          <pc:docMk/>
+          <pc:sldMk cId="2412565186" sldId="273"/>
+        </pc:sldMkLst>
+        <pc:spChg chg="add del mod">
+          <ac:chgData name="David Molik" userId="239ea1ff-5141-4dc7-b6c9-b692cae05a8f" providerId="ADAL" clId="{61032604-1D4E-A948-A49D-254BB26CCB5C}" dt="2019-10-31T22:48:33.249" v="793" actId="931"/>
+          <ac:spMkLst>
+            <pc:docMk/>
+            <pc:sldMk cId="2412565186" sldId="273"/>
+            <ac:spMk id="4" creationId="{ACE8D08A-70E2-4B43-8BC4-7E942A6C5D65}"/>
+          </ac:spMkLst>
+        </pc:spChg>
+        <pc:spChg chg="add del mod">
+          <ac:chgData name="David Molik" userId="239ea1ff-5141-4dc7-b6c9-b692cae05a8f" providerId="ADAL" clId="{61032604-1D4E-A948-A49D-254BB26CCB5C}" dt="2019-10-31T22:49:08.166" v="795" actId="931"/>
+          <ac:spMkLst>
+            <pc:docMk/>
+            <pc:sldMk cId="2412565186" sldId="273"/>
+            <ac:spMk id="9" creationId="{151E6263-6ECB-5B4D-B731-ED1E529347C3}"/>
+          </ac:spMkLst>
+        </pc:spChg>
+        <pc:picChg chg="del">
+          <ac:chgData name="David Molik" userId="239ea1ff-5141-4dc7-b6c9-b692cae05a8f" providerId="ADAL" clId="{61032604-1D4E-A948-A49D-254BB26CCB5C}" dt="2019-10-31T22:48:22.937" v="792" actId="478"/>
+          <ac:picMkLst>
+            <pc:docMk/>
+            <pc:sldMk cId="2412565186" sldId="273"/>
+            <ac:picMk id="5" creationId="{8A51ACB5-4889-E64C-A4EC-2AC685F8EE4F}"/>
+          </ac:picMkLst>
+        </pc:picChg>
+        <pc:picChg chg="add del mod">
+          <ac:chgData name="David Molik" userId="239ea1ff-5141-4dc7-b6c9-b692cae05a8f" providerId="ADAL" clId="{61032604-1D4E-A948-A49D-254BB26CCB5C}" dt="2019-10-31T22:48:35.599" v="794" actId="478"/>
+          <ac:picMkLst>
+            <pc:docMk/>
+            <pc:sldMk cId="2412565186" sldId="273"/>
+            <ac:picMk id="7" creationId="{855917A1-CD32-5C42-8E6A-FED526BA59F9}"/>
+          </ac:picMkLst>
+        </pc:picChg>
+        <pc:picChg chg="add mod">
+          <ac:chgData name="David Molik" userId="239ea1ff-5141-4dc7-b6c9-b692cae05a8f" providerId="ADAL" clId="{61032604-1D4E-A948-A49D-254BB26CCB5C}" dt="2019-10-31T22:49:18.944" v="798" actId="1076"/>
+          <ac:picMkLst>
+            <pc:docMk/>
+            <pc:sldMk cId="2412565186" sldId="273"/>
+            <ac:picMk id="11" creationId="{3DB74B38-9FC5-EA41-9BF7-A188A8C059C3}"/>
+          </ac:picMkLst>
+        </pc:picChg>
+      </pc:sldChg>
+      <pc:sldChg chg="addSp delSp modSp add">
+        <pc:chgData name="David Molik" userId="239ea1ff-5141-4dc7-b6c9-b692cae05a8f" providerId="ADAL" clId="{61032604-1D4E-A948-A49D-254BB26CCB5C}" dt="2019-10-31T23:24:56.946" v="899" actId="931"/>
+        <pc:sldMkLst>
+          <pc:docMk/>
+          <pc:sldMk cId="3322716574" sldId="274"/>
+        </pc:sldMkLst>
+        <pc:spChg chg="add del mod">
+          <ac:chgData name="David Molik" userId="239ea1ff-5141-4dc7-b6c9-b692cae05a8f" providerId="ADAL" clId="{61032604-1D4E-A948-A49D-254BB26CCB5C}" dt="2019-10-31T23:24:56.946" v="899" actId="931"/>
+          <ac:spMkLst>
+            <pc:docMk/>
+            <pc:sldMk cId="3322716574" sldId="274"/>
+            <ac:spMk id="4" creationId="{577E012B-C313-F94C-8047-DE5EA8CD06F4}"/>
+          </ac:spMkLst>
+        </pc:spChg>
+        <pc:spChg chg="del">
+          <ac:chgData name="David Molik" userId="239ea1ff-5141-4dc7-b6c9-b692cae05a8f" providerId="ADAL" clId="{61032604-1D4E-A948-A49D-254BB26CCB5C}" dt="2019-10-31T23:24:32.395" v="898" actId="478"/>
+          <ac:spMkLst>
+            <pc:docMk/>
+            <pc:sldMk cId="3322716574" sldId="274"/>
+            <ac:spMk id="10" creationId="{DE8FD374-AC8C-7B4D-B73C-40EF4080EA4B}"/>
+          </ac:spMkLst>
+        </pc:spChg>
+        <pc:spChg chg="del">
+          <ac:chgData name="David Molik" userId="239ea1ff-5141-4dc7-b6c9-b692cae05a8f" providerId="ADAL" clId="{61032604-1D4E-A948-A49D-254BB26CCB5C}" dt="2019-10-31T23:24:28.395" v="897" actId="478"/>
+          <ac:spMkLst>
+            <pc:docMk/>
+            <pc:sldMk cId="3322716574" sldId="274"/>
+            <ac:spMk id="12" creationId="{ADD4898A-3E76-464B-A74E-18626091A26F}"/>
+          </ac:spMkLst>
+        </pc:spChg>
+        <pc:picChg chg="del">
+          <ac:chgData name="David Molik" userId="239ea1ff-5141-4dc7-b6c9-b692cae05a8f" providerId="ADAL" clId="{61032604-1D4E-A948-A49D-254BB26CCB5C}" dt="2019-10-31T23:24:25.775" v="896" actId="478"/>
+          <ac:picMkLst>
+            <pc:docMk/>
+            <pc:sldMk cId="3322716574" sldId="274"/>
+            <ac:picMk id="6" creationId="{751F79B6-A63E-0143-8510-E33FD400A076}"/>
+          </ac:picMkLst>
+        </pc:picChg>
+        <pc:picChg chg="add mod">
+          <ac:chgData name="David Molik" userId="239ea1ff-5141-4dc7-b6c9-b692cae05a8f" providerId="ADAL" clId="{61032604-1D4E-A948-A49D-254BB26CCB5C}" dt="2019-10-31T23:24:56.946" v="899" actId="931"/>
+          <ac:picMkLst>
+            <pc:docMk/>
+            <pc:sldMk cId="3322716574" sldId="274"/>
+            <ac:picMk id="8" creationId="{9C39119E-3C41-1B45-9374-37C9343D93FF}"/>
+          </ac:picMkLst>
+        </pc:picChg>
+      </pc:sldChg>
+      <pc:sldChg chg="addSp delSp modSp add del">
+        <pc:chgData name="David Molik" userId="239ea1ff-5141-4dc7-b6c9-b692cae05a8f" providerId="ADAL" clId="{61032604-1D4E-A948-A49D-254BB26CCB5C}" dt="2019-10-31T23:29:13.491" v="960" actId="2696"/>
+        <pc:sldMkLst>
+          <pc:docMk/>
+          <pc:sldMk cId="1424627573" sldId="275"/>
+        </pc:sldMkLst>
+        <pc:spChg chg="add mod">
+          <ac:chgData name="David Molik" userId="239ea1ff-5141-4dc7-b6c9-b692cae05a8f" providerId="ADAL" clId="{61032604-1D4E-A948-A49D-254BB26CCB5C}" dt="2019-10-31T23:29:11.675" v="959" actId="478"/>
+          <ac:spMkLst>
+            <pc:docMk/>
+            <pc:sldMk cId="1424627573" sldId="275"/>
+            <ac:spMk id="4" creationId="{DF95A724-ABFC-CB40-A094-BB52D47A417B}"/>
+          </ac:spMkLst>
+        </pc:spChg>
+        <pc:picChg chg="del">
+          <ac:chgData name="David Molik" userId="239ea1ff-5141-4dc7-b6c9-b692cae05a8f" providerId="ADAL" clId="{61032604-1D4E-A948-A49D-254BB26CCB5C}" dt="2019-10-31T23:29:11.675" v="959" actId="478"/>
+          <ac:picMkLst>
+            <pc:docMk/>
+            <pc:sldMk cId="1424627573" sldId="275"/>
+            <ac:picMk id="8" creationId="{9C39119E-3C41-1B45-9374-37C9343D93FF}"/>
+          </ac:picMkLst>
+        </pc:picChg>
+      </pc:sldChg>
+      <pc:sldChg chg="addSp delSp modSp add">
+        <pc:chgData name="David Molik" userId="239ea1ff-5141-4dc7-b6c9-b692cae05a8f" providerId="ADAL" clId="{61032604-1D4E-A948-A49D-254BB26CCB5C}" dt="2019-10-31T23:29:53.165" v="993" actId="20577"/>
+        <pc:sldMkLst>
+          <pc:docMk/>
+          <pc:sldMk cId="3086216691" sldId="275"/>
+        </pc:sldMkLst>
+        <pc:spChg chg="mod">
+          <ac:chgData name="David Molik" userId="239ea1ff-5141-4dc7-b6c9-b692cae05a8f" providerId="ADAL" clId="{61032604-1D4E-A948-A49D-254BB26CCB5C}" dt="2019-10-31T23:29:53.165" v="993" actId="20577"/>
+          <ac:spMkLst>
+            <pc:docMk/>
+            <pc:sldMk cId="3086216691" sldId="275"/>
+            <ac:spMk id="2" creationId="{2481D407-2A07-7C4F-8388-2F17EE993C7D}"/>
+          </ac:spMkLst>
+        </pc:spChg>
+        <pc:spChg chg="add del mod">
+          <ac:chgData name="David Molik" userId="239ea1ff-5141-4dc7-b6c9-b692cae05a8f" providerId="ADAL" clId="{61032604-1D4E-A948-A49D-254BB26CCB5C}" dt="2019-10-31T23:29:40.608" v="974" actId="931"/>
+          <ac:spMkLst>
+            <pc:docMk/>
+            <pc:sldMk cId="3086216691" sldId="275"/>
+            <ac:spMk id="4" creationId="{C1B4C20C-D1A0-4F43-987C-F96DC54D6210}"/>
+          </ac:spMkLst>
+        </pc:spChg>
+        <pc:picChg chg="add mod">
+          <ac:chgData name="David Molik" userId="239ea1ff-5141-4dc7-b6c9-b692cae05a8f" providerId="ADAL" clId="{61032604-1D4E-A948-A49D-254BB26CCB5C}" dt="2019-10-31T23:29:40.608" v="974" actId="931"/>
+          <ac:picMkLst>
+            <pc:docMk/>
+            <pc:sldMk cId="3086216691" sldId="275"/>
+            <ac:picMk id="6" creationId="{2D38DCA7-36DB-A34F-887B-5ED58145EFEB}"/>
+          </ac:picMkLst>
+        </pc:picChg>
+        <pc:picChg chg="del">
+          <ac:chgData name="David Molik" userId="239ea1ff-5141-4dc7-b6c9-b692cae05a8f" providerId="ADAL" clId="{61032604-1D4E-A948-A49D-254BB26CCB5C}" dt="2019-10-31T23:29:33.855" v="973" actId="478"/>
+          <ac:picMkLst>
+            <pc:docMk/>
+            <pc:sldMk cId="3086216691" sldId="275"/>
+            <ac:picMk id="9" creationId="{85CA1A65-F1AF-AB4E-94CF-7B35D28B4D90}"/>
+          </ac:picMkLst>
+        </pc:picChg>
+      </pc:sldChg>
+      <pc:sldChg chg="addSp delSp modSp add">
+        <pc:chgData name="David Molik" userId="239ea1ff-5141-4dc7-b6c9-b692cae05a8f" providerId="ADAL" clId="{61032604-1D4E-A948-A49D-254BB26CCB5C}" dt="2019-10-31T23:49:34.992" v="1110" actId="313"/>
+        <pc:sldMkLst>
+          <pc:docMk/>
+          <pc:sldMk cId="866420851" sldId="276"/>
+        </pc:sldMkLst>
+        <pc:spChg chg="add del mod">
+          <ac:chgData name="David Molik" userId="239ea1ff-5141-4dc7-b6c9-b692cae05a8f" providerId="ADAL" clId="{61032604-1D4E-A948-A49D-254BB26CCB5C}" dt="2019-10-31T23:49:06.678" v="1002"/>
+          <ac:spMkLst>
+            <pc:docMk/>
+            <pc:sldMk cId="866420851" sldId="276"/>
+            <ac:spMk id="5" creationId="{486081C2-E5AB-9846-9E1D-9AA7FA7ED9A6}"/>
+          </ac:spMkLst>
+        </pc:spChg>
+        <pc:spChg chg="add mod">
+          <ac:chgData name="David Molik" userId="239ea1ff-5141-4dc7-b6c9-b692cae05a8f" providerId="ADAL" clId="{61032604-1D4E-A948-A49D-254BB26CCB5C}" dt="2019-10-31T23:49:34.992" v="1110" actId="313"/>
+          <ac:spMkLst>
+            <pc:docMk/>
+            <pc:sldMk cId="866420851" sldId="276"/>
+            <ac:spMk id="6" creationId="{35441D2F-B307-5640-BE36-76B257B11140}"/>
+          </ac:spMkLst>
+        </pc:spChg>
+        <pc:picChg chg="del">
+          <ac:chgData name="David Molik" userId="239ea1ff-5141-4dc7-b6c9-b692cae05a8f" providerId="ADAL" clId="{61032604-1D4E-A948-A49D-254BB26CCB5C}" dt="2019-10-31T23:48:58.128" v="1001" actId="478"/>
+          <ac:picMkLst>
+            <pc:docMk/>
+            <pc:sldMk cId="866420851" sldId="276"/>
+            <ac:picMk id="4" creationId="{61D00FC5-F91A-8247-BA79-1EC2AE9292E6}"/>
           </ac:picMkLst>
         </pc:picChg>
       </pc:sldChg>
@@ -635,6 +1456,90 @@
 </p:notes>
 </file>
 
+<file path=ppt/notesSlides/notesSlide10.xml><?xml version="1.0" encoding="utf-8"?>
+<p:notes xmlns:a="http://schemas.openxmlformats.org/drawingml/2006/main" xmlns:r="http://schemas.openxmlformats.org/officeDocument/2006/relationships" xmlns:p="http://schemas.openxmlformats.org/presentationml/2006/main">
+  <p:cSld>
+    <p:spTree>
+      <p:nvGrpSpPr>
+        <p:cNvPr id="1" name=""/>
+        <p:cNvGrpSpPr/>
+        <p:nvPr/>
+      </p:nvGrpSpPr>
+      <p:grpSpPr>
+        <a:xfrm>
+          <a:off x="0" y="0"/>
+          <a:ext cx="0" cy="0"/>
+          <a:chOff x="0" y="0"/>
+          <a:chExt cx="0" cy="0"/>
+        </a:xfrm>
+      </p:grpSpPr>
+      <p:sp>
+        <p:nvSpPr>
+          <p:cNvPr id="2" name="Slide Image Placeholder 1"/>
+          <p:cNvSpPr>
+            <a:spLocks noGrp="1" noRot="1" noChangeAspect="1"/>
+          </p:cNvSpPr>
+          <p:nvPr>
+            <p:ph type="sldImg"/>
+          </p:nvPr>
+        </p:nvSpPr>
+        <p:spPr/>
+      </p:sp>
+      <p:sp>
+        <p:nvSpPr>
+          <p:cNvPr id="3" name="Notes Placeholder 2"/>
+          <p:cNvSpPr>
+            <a:spLocks noGrp="1"/>
+          </p:cNvSpPr>
+          <p:nvPr>
+            <p:ph type="body" idx="1"/>
+          </p:nvPr>
+        </p:nvSpPr>
+        <p:spPr/>
+        <p:txBody>
+          <a:bodyPr/>
+          <a:lstStyle/>
+          <a:p>
+            <a:endParaRPr lang="en-US"/>
+          </a:p>
+        </p:txBody>
+      </p:sp>
+      <p:sp>
+        <p:nvSpPr>
+          <p:cNvPr id="4" name="Slide Number Placeholder 3"/>
+          <p:cNvSpPr>
+            <a:spLocks noGrp="1"/>
+          </p:cNvSpPr>
+          <p:nvPr>
+            <p:ph type="sldNum" sz="quarter" idx="5"/>
+          </p:nvPr>
+        </p:nvSpPr>
+        <p:spPr/>
+        <p:txBody>
+          <a:bodyPr/>
+          <a:lstStyle/>
+          <a:p>
+            <a:fld id="{070EA13B-924D-8B4F-AC65-6271B0D44D1E}" type="slidenum">
+              <a:rPr lang="en-US" smtClean="0"/>
+              <a:t>20</a:t>
+            </a:fld>
+            <a:endParaRPr lang="en-US"/>
+          </a:p>
+        </p:txBody>
+      </p:sp>
+    </p:spTree>
+    <p:extLst>
+      <p:ext uri="{BB962C8B-B14F-4D97-AF65-F5344CB8AC3E}">
+        <p14:creationId xmlns:p14="http://schemas.microsoft.com/office/powerpoint/2010/main" val="1244638771"/>
+      </p:ext>
+    </p:extLst>
+  </p:cSld>
+  <p:clrMapOvr>
+    <a:masterClrMapping/>
+  </p:clrMapOvr>
+</p:notes>
+</file>
+
 <file path=ppt/notesSlides/notesSlide2.xml><?xml version="1.0" encoding="utf-8"?>
 <p:notes xmlns:a="http://schemas.openxmlformats.org/drawingml/2006/main" xmlns:r="http://schemas.openxmlformats.org/officeDocument/2006/relationships" xmlns:p="http://schemas.openxmlformats.org/presentationml/2006/main">
   <p:cSld>
@@ -679,7 +1584,7 @@
           <a:bodyPr/>
           <a:lstStyle/>
           <a:p>
-            <a:endParaRPr lang="en-US"/>
+            <a:endParaRPr lang="en-US" dirty="0"/>
           </a:p>
         </p:txBody>
       </p:sp>
@@ -700,7 +1605,7 @@
           <a:p>
             <a:fld id="{070EA13B-924D-8B4F-AC65-6271B0D44D1E}" type="slidenum">
               <a:rPr lang="en-US" smtClean="0"/>
-              <a:t>2</a:t>
+              <a:t>7</a:t>
             </a:fld>
             <a:endParaRPr lang="en-US"/>
           </a:p>
@@ -709,7 +1614,7 @@
     </p:spTree>
     <p:extLst>
       <p:ext uri="{BB962C8B-B14F-4D97-AF65-F5344CB8AC3E}">
-        <p14:creationId xmlns:p14="http://schemas.microsoft.com/office/powerpoint/2010/main" val="1042228906"/>
+        <p14:creationId xmlns:p14="http://schemas.microsoft.com/office/powerpoint/2010/main" val="851019041"/>
       </p:ext>
     </p:extLst>
   </p:cSld>
@@ -763,7 +1668,7 @@
           <a:bodyPr/>
           <a:lstStyle/>
           <a:p>
-            <a:endParaRPr lang="en-US"/>
+            <a:endParaRPr lang="en-US" dirty="0"/>
           </a:p>
         </p:txBody>
       </p:sp>
@@ -784,7 +1689,7 @@
           <a:p>
             <a:fld id="{070EA13B-924D-8B4F-AC65-6271B0D44D1E}" type="slidenum">
               <a:rPr lang="en-US" smtClean="0"/>
-              <a:t>3</a:t>
+              <a:t>8</a:t>
             </a:fld>
             <a:endParaRPr lang="en-US"/>
           </a:p>
@@ -793,7 +1698,7 @@
     </p:spTree>
     <p:extLst>
       <p:ext uri="{BB962C8B-B14F-4D97-AF65-F5344CB8AC3E}">
-        <p14:creationId xmlns:p14="http://schemas.microsoft.com/office/powerpoint/2010/main" val="956585131"/>
+        <p14:creationId xmlns:p14="http://schemas.microsoft.com/office/powerpoint/2010/main" val="1042228906"/>
       </p:ext>
     </p:extLst>
   </p:cSld>
@@ -868,7 +1773,7 @@
           <a:p>
             <a:fld id="{070EA13B-924D-8B4F-AC65-6271B0D44D1E}" type="slidenum">
               <a:rPr lang="en-US" smtClean="0"/>
-              <a:t>4</a:t>
+              <a:t>12</a:t>
             </a:fld>
             <a:endParaRPr lang="en-US"/>
           </a:p>
@@ -877,7 +1782,7 @@
     </p:spTree>
     <p:extLst>
       <p:ext uri="{BB962C8B-B14F-4D97-AF65-F5344CB8AC3E}">
-        <p14:creationId xmlns:p14="http://schemas.microsoft.com/office/powerpoint/2010/main" val="4076276789"/>
+        <p14:creationId xmlns:p14="http://schemas.microsoft.com/office/powerpoint/2010/main" val="956585131"/>
       </p:ext>
     </p:extLst>
   </p:cSld>
@@ -952,7 +1857,343 @@
           <a:p>
             <a:fld id="{070EA13B-924D-8B4F-AC65-6271B0D44D1E}" type="slidenum">
               <a:rPr lang="en-US" smtClean="0"/>
-              <a:t>5</a:t>
+              <a:t>13</a:t>
+            </a:fld>
+            <a:endParaRPr lang="en-US"/>
+          </a:p>
+        </p:txBody>
+      </p:sp>
+    </p:spTree>
+    <p:extLst>
+      <p:ext uri="{BB962C8B-B14F-4D97-AF65-F5344CB8AC3E}">
+        <p14:creationId xmlns:p14="http://schemas.microsoft.com/office/powerpoint/2010/main" val="3932757348"/>
+      </p:ext>
+    </p:extLst>
+  </p:cSld>
+  <p:clrMapOvr>
+    <a:masterClrMapping/>
+  </p:clrMapOvr>
+</p:notes>
+</file>
+
+<file path=ppt/notesSlides/notesSlide6.xml><?xml version="1.0" encoding="utf-8"?>
+<p:notes xmlns:a="http://schemas.openxmlformats.org/drawingml/2006/main" xmlns:r="http://schemas.openxmlformats.org/officeDocument/2006/relationships" xmlns:p="http://schemas.openxmlformats.org/presentationml/2006/main">
+  <p:cSld>
+    <p:spTree>
+      <p:nvGrpSpPr>
+        <p:cNvPr id="1" name=""/>
+        <p:cNvGrpSpPr/>
+        <p:nvPr/>
+      </p:nvGrpSpPr>
+      <p:grpSpPr>
+        <a:xfrm>
+          <a:off x="0" y="0"/>
+          <a:ext cx="0" cy="0"/>
+          <a:chOff x="0" y="0"/>
+          <a:chExt cx="0" cy="0"/>
+        </a:xfrm>
+      </p:grpSpPr>
+      <p:sp>
+        <p:nvSpPr>
+          <p:cNvPr id="2" name="Slide Image Placeholder 1"/>
+          <p:cNvSpPr>
+            <a:spLocks noGrp="1" noRot="1" noChangeAspect="1"/>
+          </p:cNvSpPr>
+          <p:nvPr>
+            <p:ph type="sldImg"/>
+          </p:nvPr>
+        </p:nvSpPr>
+        <p:spPr/>
+      </p:sp>
+      <p:sp>
+        <p:nvSpPr>
+          <p:cNvPr id="3" name="Notes Placeholder 2"/>
+          <p:cNvSpPr>
+            <a:spLocks noGrp="1"/>
+          </p:cNvSpPr>
+          <p:nvPr>
+            <p:ph type="body" idx="1"/>
+          </p:nvPr>
+        </p:nvSpPr>
+        <p:spPr/>
+        <p:txBody>
+          <a:bodyPr/>
+          <a:lstStyle/>
+          <a:p>
+            <a:endParaRPr lang="en-US"/>
+          </a:p>
+        </p:txBody>
+      </p:sp>
+      <p:sp>
+        <p:nvSpPr>
+          <p:cNvPr id="4" name="Slide Number Placeholder 3"/>
+          <p:cNvSpPr>
+            <a:spLocks noGrp="1"/>
+          </p:cNvSpPr>
+          <p:nvPr>
+            <p:ph type="sldNum" sz="quarter" idx="5"/>
+          </p:nvPr>
+        </p:nvSpPr>
+        <p:spPr/>
+        <p:txBody>
+          <a:bodyPr/>
+          <a:lstStyle/>
+          <a:p>
+            <a:fld id="{070EA13B-924D-8B4F-AC65-6271B0D44D1E}" type="slidenum">
+              <a:rPr lang="en-US" smtClean="0"/>
+              <a:t>14</a:t>
+            </a:fld>
+            <a:endParaRPr lang="en-US"/>
+          </a:p>
+        </p:txBody>
+      </p:sp>
+    </p:spTree>
+    <p:extLst>
+      <p:ext uri="{BB962C8B-B14F-4D97-AF65-F5344CB8AC3E}">
+        <p14:creationId xmlns:p14="http://schemas.microsoft.com/office/powerpoint/2010/main" val="1656166719"/>
+      </p:ext>
+    </p:extLst>
+  </p:cSld>
+  <p:clrMapOvr>
+    <a:masterClrMapping/>
+  </p:clrMapOvr>
+</p:notes>
+</file>
+
+<file path=ppt/notesSlides/notesSlide7.xml><?xml version="1.0" encoding="utf-8"?>
+<p:notes xmlns:a="http://schemas.openxmlformats.org/drawingml/2006/main" xmlns:r="http://schemas.openxmlformats.org/officeDocument/2006/relationships" xmlns:p="http://schemas.openxmlformats.org/presentationml/2006/main">
+  <p:cSld>
+    <p:spTree>
+      <p:nvGrpSpPr>
+        <p:cNvPr id="1" name=""/>
+        <p:cNvGrpSpPr/>
+        <p:nvPr/>
+      </p:nvGrpSpPr>
+      <p:grpSpPr>
+        <a:xfrm>
+          <a:off x="0" y="0"/>
+          <a:ext cx="0" cy="0"/>
+          <a:chOff x="0" y="0"/>
+          <a:chExt cx="0" cy="0"/>
+        </a:xfrm>
+      </p:grpSpPr>
+      <p:sp>
+        <p:nvSpPr>
+          <p:cNvPr id="2" name="Slide Image Placeholder 1"/>
+          <p:cNvSpPr>
+            <a:spLocks noGrp="1" noRot="1" noChangeAspect="1"/>
+          </p:cNvSpPr>
+          <p:nvPr>
+            <p:ph type="sldImg"/>
+          </p:nvPr>
+        </p:nvSpPr>
+        <p:spPr/>
+      </p:sp>
+      <p:sp>
+        <p:nvSpPr>
+          <p:cNvPr id="3" name="Notes Placeholder 2"/>
+          <p:cNvSpPr>
+            <a:spLocks noGrp="1"/>
+          </p:cNvSpPr>
+          <p:nvPr>
+            <p:ph type="body" idx="1"/>
+          </p:nvPr>
+        </p:nvSpPr>
+        <p:spPr/>
+        <p:txBody>
+          <a:bodyPr/>
+          <a:lstStyle/>
+          <a:p>
+            <a:endParaRPr lang="en-US"/>
+          </a:p>
+        </p:txBody>
+      </p:sp>
+      <p:sp>
+        <p:nvSpPr>
+          <p:cNvPr id="4" name="Slide Number Placeholder 3"/>
+          <p:cNvSpPr>
+            <a:spLocks noGrp="1"/>
+          </p:cNvSpPr>
+          <p:nvPr>
+            <p:ph type="sldNum" sz="quarter" idx="5"/>
+          </p:nvPr>
+        </p:nvSpPr>
+        <p:spPr/>
+        <p:txBody>
+          <a:bodyPr/>
+          <a:lstStyle/>
+          <a:p>
+            <a:fld id="{070EA13B-924D-8B4F-AC65-6271B0D44D1E}" type="slidenum">
+              <a:rPr lang="en-US" smtClean="0"/>
+              <a:t>16</a:t>
+            </a:fld>
+            <a:endParaRPr lang="en-US"/>
+          </a:p>
+        </p:txBody>
+      </p:sp>
+    </p:spTree>
+    <p:extLst>
+      <p:ext uri="{BB962C8B-B14F-4D97-AF65-F5344CB8AC3E}">
+        <p14:creationId xmlns:p14="http://schemas.microsoft.com/office/powerpoint/2010/main" val="4076276789"/>
+      </p:ext>
+    </p:extLst>
+  </p:cSld>
+  <p:clrMapOvr>
+    <a:masterClrMapping/>
+  </p:clrMapOvr>
+</p:notes>
+</file>
+
+<file path=ppt/notesSlides/notesSlide8.xml><?xml version="1.0" encoding="utf-8"?>
+<p:notes xmlns:a="http://schemas.openxmlformats.org/drawingml/2006/main" xmlns:r="http://schemas.openxmlformats.org/officeDocument/2006/relationships" xmlns:p="http://schemas.openxmlformats.org/presentationml/2006/main">
+  <p:cSld>
+    <p:spTree>
+      <p:nvGrpSpPr>
+        <p:cNvPr id="1" name=""/>
+        <p:cNvGrpSpPr/>
+        <p:nvPr/>
+      </p:nvGrpSpPr>
+      <p:grpSpPr>
+        <a:xfrm>
+          <a:off x="0" y="0"/>
+          <a:ext cx="0" cy="0"/>
+          <a:chOff x="0" y="0"/>
+          <a:chExt cx="0" cy="0"/>
+        </a:xfrm>
+      </p:grpSpPr>
+      <p:sp>
+        <p:nvSpPr>
+          <p:cNvPr id="2" name="Slide Image Placeholder 1"/>
+          <p:cNvSpPr>
+            <a:spLocks noGrp="1" noRot="1" noChangeAspect="1"/>
+          </p:cNvSpPr>
+          <p:nvPr>
+            <p:ph type="sldImg"/>
+          </p:nvPr>
+        </p:nvSpPr>
+        <p:spPr/>
+      </p:sp>
+      <p:sp>
+        <p:nvSpPr>
+          <p:cNvPr id="3" name="Notes Placeholder 2"/>
+          <p:cNvSpPr>
+            <a:spLocks noGrp="1"/>
+          </p:cNvSpPr>
+          <p:nvPr>
+            <p:ph type="body" idx="1"/>
+          </p:nvPr>
+        </p:nvSpPr>
+        <p:spPr/>
+        <p:txBody>
+          <a:bodyPr/>
+          <a:lstStyle/>
+          <a:p>
+            <a:endParaRPr lang="en-US"/>
+          </a:p>
+        </p:txBody>
+      </p:sp>
+      <p:sp>
+        <p:nvSpPr>
+          <p:cNvPr id="4" name="Slide Number Placeholder 3"/>
+          <p:cNvSpPr>
+            <a:spLocks noGrp="1"/>
+          </p:cNvSpPr>
+          <p:nvPr>
+            <p:ph type="sldNum" sz="quarter" idx="5"/>
+          </p:nvPr>
+        </p:nvSpPr>
+        <p:spPr/>
+        <p:txBody>
+          <a:bodyPr/>
+          <a:lstStyle/>
+          <a:p>
+            <a:fld id="{070EA13B-924D-8B4F-AC65-6271B0D44D1E}" type="slidenum">
+              <a:rPr lang="en-US" smtClean="0"/>
+              <a:t>17</a:t>
+            </a:fld>
+            <a:endParaRPr lang="en-US"/>
+          </a:p>
+        </p:txBody>
+      </p:sp>
+    </p:spTree>
+    <p:extLst>
+      <p:ext uri="{BB962C8B-B14F-4D97-AF65-F5344CB8AC3E}">
+        <p14:creationId xmlns:p14="http://schemas.microsoft.com/office/powerpoint/2010/main" val="3294802911"/>
+      </p:ext>
+    </p:extLst>
+  </p:cSld>
+  <p:clrMapOvr>
+    <a:masterClrMapping/>
+  </p:clrMapOvr>
+</p:notes>
+</file>
+
+<file path=ppt/notesSlides/notesSlide9.xml><?xml version="1.0" encoding="utf-8"?>
+<p:notes xmlns:a="http://schemas.openxmlformats.org/drawingml/2006/main" xmlns:r="http://schemas.openxmlformats.org/officeDocument/2006/relationships" xmlns:p="http://schemas.openxmlformats.org/presentationml/2006/main">
+  <p:cSld>
+    <p:spTree>
+      <p:nvGrpSpPr>
+        <p:cNvPr id="1" name=""/>
+        <p:cNvGrpSpPr/>
+        <p:nvPr/>
+      </p:nvGrpSpPr>
+      <p:grpSpPr>
+        <a:xfrm>
+          <a:off x="0" y="0"/>
+          <a:ext cx="0" cy="0"/>
+          <a:chOff x="0" y="0"/>
+          <a:chExt cx="0" cy="0"/>
+        </a:xfrm>
+      </p:grpSpPr>
+      <p:sp>
+        <p:nvSpPr>
+          <p:cNvPr id="2" name="Slide Image Placeholder 1"/>
+          <p:cNvSpPr>
+            <a:spLocks noGrp="1" noRot="1" noChangeAspect="1"/>
+          </p:cNvSpPr>
+          <p:nvPr>
+            <p:ph type="sldImg"/>
+          </p:nvPr>
+        </p:nvSpPr>
+        <p:spPr/>
+      </p:sp>
+      <p:sp>
+        <p:nvSpPr>
+          <p:cNvPr id="3" name="Notes Placeholder 2"/>
+          <p:cNvSpPr>
+            <a:spLocks noGrp="1"/>
+          </p:cNvSpPr>
+          <p:nvPr>
+            <p:ph type="body" idx="1"/>
+          </p:nvPr>
+        </p:nvSpPr>
+        <p:spPr/>
+        <p:txBody>
+          <a:bodyPr/>
+          <a:lstStyle/>
+          <a:p>
+            <a:endParaRPr lang="en-US"/>
+          </a:p>
+        </p:txBody>
+      </p:sp>
+      <p:sp>
+        <p:nvSpPr>
+          <p:cNvPr id="4" name="Slide Number Placeholder 3"/>
+          <p:cNvSpPr>
+            <a:spLocks noGrp="1"/>
+          </p:cNvSpPr>
+          <p:nvPr>
+            <p:ph type="sldNum" sz="quarter" idx="5"/>
+          </p:nvPr>
+        </p:nvSpPr>
+        <p:spPr/>
+        <p:txBody>
+          <a:bodyPr/>
+          <a:lstStyle/>
+          <a:p>
+            <a:fld id="{070EA13B-924D-8B4F-AC65-6271B0D44D1E}" type="slidenum">
+              <a:rPr lang="en-US" smtClean="0"/>
+              <a:t>19</a:t>
             </a:fld>
             <a:endParaRPr lang="en-US"/>
           </a:p>
@@ -4684,7 +5925,7 @@
 </p:sld>
 </file>
 
-<file path=ppt/slides/slide2.xml><?xml version="1.0" encoding="utf-8"?>
+<file path=ppt/slides/slide10.xml><?xml version="1.0" encoding="utf-8"?>
 <p:sld xmlns:a="http://schemas.openxmlformats.org/drawingml/2006/main" xmlns:r="http://schemas.openxmlformats.org/officeDocument/2006/relationships" xmlns:p="http://schemas.openxmlformats.org/presentationml/2006/main">
   <p:cSld>
     <p:spTree>
@@ -4706,7 +5947,7 @@
           <p:cNvPr id="2" name="Title 1">
             <a:extLst>
               <a:ext uri="{FF2B5EF4-FFF2-40B4-BE49-F238E27FC236}">
-                <a16:creationId xmlns:a16="http://schemas.microsoft.com/office/drawing/2014/main" id="{23ECA1DF-DB4C-384D-ADEC-1431BEABC6A3}"/>
+                <a16:creationId xmlns:a16="http://schemas.microsoft.com/office/drawing/2014/main" id="{E29F04AD-457B-DF4A-AE7F-850DD32135DD}"/>
               </a:ext>
             </a:extLst>
           </p:cNvPr>
@@ -4734,30 +5975,1690 @@
           <p:cNvPr id="3" name="Content Placeholder 2">
             <a:extLst>
               <a:ext uri="{FF2B5EF4-FFF2-40B4-BE49-F238E27FC236}">
-                <a16:creationId xmlns:a16="http://schemas.microsoft.com/office/drawing/2014/main" id="{B6E3E084-CF66-EF46-98CB-F29A6AB09B37}"/>
-              </a:ext>
-            </a:extLst>
-          </p:cNvPr>
-          <p:cNvSpPr>
-            <a:spLocks noGrp="1"/>
-          </p:cNvSpPr>
-          <p:nvPr>
-            <p:ph idx="1"/>
+                <a16:creationId xmlns:a16="http://schemas.microsoft.com/office/drawing/2014/main" id="{228E0D32-A346-C94D-9AAB-2FCC78D60640}"/>
+              </a:ext>
+            </a:extLst>
+          </p:cNvPr>
+          <p:cNvSpPr>
+            <a:spLocks noGrp="1"/>
+          </p:cNvSpPr>
+          <p:nvPr>
+            <p:ph sz="half" idx="1"/>
           </p:nvPr>
         </p:nvSpPr>
         <p:spPr/>
         <p:txBody>
+          <a:bodyPr>
+            <a:normAutofit fontScale="55000" lnSpcReduction="20000"/>
+          </a:bodyPr>
+          <a:lstStyle/>
+          <a:p>
+            <a:r>
+              <a:rPr lang="en-US" i="1" dirty="0">
+                <a:latin typeface="Droid Sans Mono" panose="020B0609030804020204" pitchFamily="49" charset="0"/>
+                <a:ea typeface="Droid Sans Mono" panose="020B0609030804020204" pitchFamily="49" charset="0"/>
+                <a:cs typeface="Droid Sans Mono" panose="020B0609030804020204" pitchFamily="49" charset="0"/>
+              </a:rPr>
+              <a:t>Drosophila melanogaster 22144</a:t>
+            </a:r>
+          </a:p>
+          <a:p>
+            <a:r>
+              <a:rPr lang="en-US" i="1" dirty="0">
+                <a:latin typeface="Droid Sans Mono" panose="020B0609030804020204" pitchFamily="49" charset="0"/>
+                <a:ea typeface="Droid Sans Mono" panose="020B0609030804020204" pitchFamily="49" charset="0"/>
+                <a:cs typeface="Droid Sans Mono" panose="020B0609030804020204" pitchFamily="49" charset="0"/>
+              </a:rPr>
+              <a:t>Aedes aegypti 4597</a:t>
+            </a:r>
+          </a:p>
+          <a:p>
+            <a:r>
+              <a:rPr lang="en-US" i="1" dirty="0" err="1">
+                <a:latin typeface="Droid Sans Mono" panose="020B0609030804020204" pitchFamily="49" charset="0"/>
+                <a:ea typeface="Droid Sans Mono" panose="020B0609030804020204" pitchFamily="49" charset="0"/>
+                <a:cs typeface="Droid Sans Mono" panose="020B0609030804020204" pitchFamily="49" charset="0"/>
+              </a:rPr>
+              <a:t>Apis</a:t>
+            </a:r>
+            <a:r>
+              <a:rPr lang="en-US" i="1" dirty="0">
+                <a:latin typeface="Droid Sans Mono" panose="020B0609030804020204" pitchFamily="49" charset="0"/>
+                <a:ea typeface="Droid Sans Mono" panose="020B0609030804020204" pitchFamily="49" charset="0"/>
+                <a:cs typeface="Droid Sans Mono" panose="020B0609030804020204" pitchFamily="49" charset="0"/>
+              </a:rPr>
+              <a:t> mellifera 2924</a:t>
+            </a:r>
+          </a:p>
+          <a:p>
+            <a:r>
+              <a:rPr lang="en-US" i="1" dirty="0">
+                <a:latin typeface="Droid Sans Mono" panose="020B0609030804020204" pitchFamily="49" charset="0"/>
+                <a:ea typeface="Droid Sans Mono" panose="020B0609030804020204" pitchFamily="49" charset="0"/>
+                <a:cs typeface="Droid Sans Mono" panose="020B0609030804020204" pitchFamily="49" charset="0"/>
+              </a:rPr>
+              <a:t>Bombyx mori 2899</a:t>
+            </a:r>
+          </a:p>
+          <a:p>
+            <a:r>
+              <a:rPr lang="en-US" i="1" dirty="0">
+                <a:latin typeface="Droid Sans Mono" panose="020B0609030804020204" pitchFamily="49" charset="0"/>
+                <a:ea typeface="Droid Sans Mono" panose="020B0609030804020204" pitchFamily="49" charset="0"/>
+                <a:cs typeface="Droid Sans Mono" panose="020B0609030804020204" pitchFamily="49" charset="0"/>
+              </a:rPr>
+              <a:t>Anopheles gambiae 2152</a:t>
+            </a:r>
+          </a:p>
+          <a:p>
+            <a:r>
+              <a:rPr lang="en-US" i="1" dirty="0">
+                <a:latin typeface="Droid Sans Mono" panose="020B0609030804020204" pitchFamily="49" charset="0"/>
+                <a:ea typeface="Droid Sans Mono" panose="020B0609030804020204" pitchFamily="49" charset="0"/>
+                <a:cs typeface="Droid Sans Mono" panose="020B0609030804020204" pitchFamily="49" charset="0"/>
+              </a:rPr>
+              <a:t>Aedes albopictus 1996</a:t>
+            </a:r>
+          </a:p>
+          <a:p>
+            <a:r>
+              <a:rPr lang="en-US" i="1" dirty="0">
+                <a:latin typeface="Droid Sans Mono" panose="020B0609030804020204" pitchFamily="49" charset="0"/>
+                <a:ea typeface="Droid Sans Mono" panose="020B0609030804020204" pitchFamily="49" charset="0"/>
+                <a:cs typeface="Droid Sans Mono" panose="020B0609030804020204" pitchFamily="49" charset="0"/>
+              </a:rPr>
+              <a:t>Culex </a:t>
+            </a:r>
+            <a:r>
+              <a:rPr lang="en-US" i="1" dirty="0" err="1">
+                <a:latin typeface="Droid Sans Mono" panose="020B0609030804020204" pitchFamily="49" charset="0"/>
+                <a:ea typeface="Droid Sans Mono" panose="020B0609030804020204" pitchFamily="49" charset="0"/>
+                <a:cs typeface="Droid Sans Mono" panose="020B0609030804020204" pitchFamily="49" charset="0"/>
+              </a:rPr>
+              <a:t>quinquefasciatus</a:t>
+            </a:r>
+            <a:r>
+              <a:rPr lang="en-US" i="1" dirty="0">
+                <a:latin typeface="Droid Sans Mono" panose="020B0609030804020204" pitchFamily="49" charset="0"/>
+                <a:ea typeface="Droid Sans Mono" panose="020B0609030804020204" pitchFamily="49" charset="0"/>
+                <a:cs typeface="Droid Sans Mono" panose="020B0609030804020204" pitchFamily="49" charset="0"/>
+              </a:rPr>
+              <a:t> 1390</a:t>
+            </a:r>
+          </a:p>
+          <a:p>
+            <a:r>
+              <a:rPr lang="en-US" i="1" dirty="0">
+                <a:latin typeface="Droid Sans Mono" panose="020B0609030804020204" pitchFamily="49" charset="0"/>
+                <a:ea typeface="Droid Sans Mono" panose="020B0609030804020204" pitchFamily="49" charset="0"/>
+                <a:cs typeface="Droid Sans Mono" panose="020B0609030804020204" pitchFamily="49" charset="0"/>
+              </a:rPr>
+              <a:t>Pemphigus vulgaris 1379</a:t>
+            </a:r>
+          </a:p>
+          <a:p>
+            <a:r>
+              <a:rPr lang="en-US" i="1" dirty="0">
+                <a:latin typeface="Droid Sans Mono" panose="020B0609030804020204" pitchFamily="49" charset="0"/>
+                <a:ea typeface="Droid Sans Mono" panose="020B0609030804020204" pitchFamily="49" charset="0"/>
+                <a:cs typeface="Droid Sans Mono" panose="020B0609030804020204" pitchFamily="49" charset="0"/>
+              </a:rPr>
+              <a:t>Culex </a:t>
+            </a:r>
+            <a:r>
+              <a:rPr lang="en-US" i="1" dirty="0" err="1">
+                <a:latin typeface="Droid Sans Mono" panose="020B0609030804020204" pitchFamily="49" charset="0"/>
+                <a:ea typeface="Droid Sans Mono" panose="020B0609030804020204" pitchFamily="49" charset="0"/>
+                <a:cs typeface="Droid Sans Mono" panose="020B0609030804020204" pitchFamily="49" charset="0"/>
+              </a:rPr>
+              <a:t>pipiens</a:t>
+            </a:r>
+            <a:r>
+              <a:rPr lang="en-US" i="1" dirty="0">
+                <a:latin typeface="Droid Sans Mono" panose="020B0609030804020204" pitchFamily="49" charset="0"/>
+                <a:ea typeface="Droid Sans Mono" panose="020B0609030804020204" pitchFamily="49" charset="0"/>
+                <a:cs typeface="Droid Sans Mono" panose="020B0609030804020204" pitchFamily="49" charset="0"/>
+              </a:rPr>
+              <a:t> 1148</a:t>
+            </a:r>
+          </a:p>
+          <a:p>
+            <a:r>
+              <a:rPr lang="en-US" i="1" dirty="0">
+                <a:latin typeface="Droid Sans Mono" panose="020B0609030804020204" pitchFamily="49" charset="0"/>
+                <a:ea typeface="Droid Sans Mono" panose="020B0609030804020204" pitchFamily="49" charset="0"/>
+                <a:cs typeface="Droid Sans Mono" panose="020B0609030804020204" pitchFamily="49" charset="0"/>
+              </a:rPr>
+              <a:t>Galleria </a:t>
+            </a:r>
+            <a:r>
+              <a:rPr lang="en-US" i="1" dirty="0" err="1">
+                <a:latin typeface="Droid Sans Mono" panose="020B0609030804020204" pitchFamily="49" charset="0"/>
+                <a:ea typeface="Droid Sans Mono" panose="020B0609030804020204" pitchFamily="49" charset="0"/>
+                <a:cs typeface="Droid Sans Mono" panose="020B0609030804020204" pitchFamily="49" charset="0"/>
+              </a:rPr>
+              <a:t>mellonella</a:t>
+            </a:r>
+            <a:r>
+              <a:rPr lang="en-US" i="1" dirty="0">
+                <a:latin typeface="Droid Sans Mono" panose="020B0609030804020204" pitchFamily="49" charset="0"/>
+                <a:ea typeface="Droid Sans Mono" panose="020B0609030804020204" pitchFamily="49" charset="0"/>
+                <a:cs typeface="Droid Sans Mono" panose="020B0609030804020204" pitchFamily="49" charset="0"/>
+              </a:rPr>
+              <a:t> 1094</a:t>
+            </a:r>
+          </a:p>
+          <a:p>
+            <a:r>
+              <a:rPr lang="en-US" i="1" dirty="0" err="1">
+                <a:latin typeface="Droid Sans Mono" panose="020B0609030804020204" pitchFamily="49" charset="0"/>
+                <a:ea typeface="Droid Sans Mono" panose="020B0609030804020204" pitchFamily="49" charset="0"/>
+                <a:cs typeface="Droid Sans Mono" panose="020B0609030804020204" pitchFamily="49" charset="0"/>
+              </a:rPr>
+              <a:t>Helicoverpa</a:t>
+            </a:r>
+            <a:r>
+              <a:rPr lang="en-US" i="1" dirty="0">
+                <a:latin typeface="Droid Sans Mono" panose="020B0609030804020204" pitchFamily="49" charset="0"/>
+                <a:ea typeface="Droid Sans Mono" panose="020B0609030804020204" pitchFamily="49" charset="0"/>
+                <a:cs typeface="Droid Sans Mono" panose="020B0609030804020204" pitchFamily="49" charset="0"/>
+              </a:rPr>
+              <a:t> </a:t>
+            </a:r>
+            <a:r>
+              <a:rPr lang="en-US" i="1" dirty="0" err="1">
+                <a:latin typeface="Droid Sans Mono" panose="020B0609030804020204" pitchFamily="49" charset="0"/>
+                <a:ea typeface="Droid Sans Mono" panose="020B0609030804020204" pitchFamily="49" charset="0"/>
+                <a:cs typeface="Droid Sans Mono" panose="020B0609030804020204" pitchFamily="49" charset="0"/>
+              </a:rPr>
+              <a:t>armigera</a:t>
+            </a:r>
+            <a:r>
+              <a:rPr lang="en-US" i="1" dirty="0">
+                <a:latin typeface="Droid Sans Mono" panose="020B0609030804020204" pitchFamily="49" charset="0"/>
+                <a:ea typeface="Droid Sans Mono" panose="020B0609030804020204" pitchFamily="49" charset="0"/>
+                <a:cs typeface="Droid Sans Mono" panose="020B0609030804020204" pitchFamily="49" charset="0"/>
+              </a:rPr>
+              <a:t> 1052</a:t>
+            </a:r>
+          </a:p>
+          <a:p>
+            <a:r>
+              <a:rPr lang="en-US" i="1" dirty="0" err="1">
+                <a:latin typeface="Droid Sans Mono" panose="020B0609030804020204" pitchFamily="49" charset="0"/>
+                <a:ea typeface="Droid Sans Mono" panose="020B0609030804020204" pitchFamily="49" charset="0"/>
+                <a:cs typeface="Droid Sans Mono" panose="020B0609030804020204" pitchFamily="49" charset="0"/>
+              </a:rPr>
+              <a:t>Tribolium</a:t>
+            </a:r>
+            <a:r>
+              <a:rPr lang="en-US" i="1" dirty="0">
+                <a:latin typeface="Droid Sans Mono" panose="020B0609030804020204" pitchFamily="49" charset="0"/>
+                <a:ea typeface="Droid Sans Mono" panose="020B0609030804020204" pitchFamily="49" charset="0"/>
+                <a:cs typeface="Droid Sans Mono" panose="020B0609030804020204" pitchFamily="49" charset="0"/>
+              </a:rPr>
+              <a:t> </a:t>
+            </a:r>
+            <a:r>
+              <a:rPr lang="en-US" i="1" dirty="0" err="1">
+                <a:latin typeface="Droid Sans Mono" panose="020B0609030804020204" pitchFamily="49" charset="0"/>
+                <a:ea typeface="Droid Sans Mono" panose="020B0609030804020204" pitchFamily="49" charset="0"/>
+                <a:cs typeface="Droid Sans Mono" panose="020B0609030804020204" pitchFamily="49" charset="0"/>
+              </a:rPr>
+              <a:t>castaneum</a:t>
+            </a:r>
+            <a:r>
+              <a:rPr lang="en-US" i="1" dirty="0">
+                <a:latin typeface="Droid Sans Mono" panose="020B0609030804020204" pitchFamily="49" charset="0"/>
+                <a:ea typeface="Droid Sans Mono" panose="020B0609030804020204" pitchFamily="49" charset="0"/>
+                <a:cs typeface="Droid Sans Mono" panose="020B0609030804020204" pitchFamily="49" charset="0"/>
+              </a:rPr>
+              <a:t> 968</a:t>
+            </a:r>
+          </a:p>
+          <a:p>
+            <a:r>
+              <a:rPr lang="en-US" i="1" dirty="0" err="1">
+                <a:latin typeface="Droid Sans Mono" panose="020B0609030804020204" pitchFamily="49" charset="0"/>
+                <a:ea typeface="Droid Sans Mono" panose="020B0609030804020204" pitchFamily="49" charset="0"/>
+                <a:cs typeface="Droid Sans Mono" panose="020B0609030804020204" pitchFamily="49" charset="0"/>
+              </a:rPr>
+              <a:t>Bemisia</a:t>
+            </a:r>
+            <a:r>
+              <a:rPr lang="en-US" i="1" dirty="0">
+                <a:latin typeface="Droid Sans Mono" panose="020B0609030804020204" pitchFamily="49" charset="0"/>
+                <a:ea typeface="Droid Sans Mono" panose="020B0609030804020204" pitchFamily="49" charset="0"/>
+                <a:cs typeface="Droid Sans Mono" panose="020B0609030804020204" pitchFamily="49" charset="0"/>
+              </a:rPr>
+              <a:t> </a:t>
+            </a:r>
+            <a:r>
+              <a:rPr lang="en-US" i="1" dirty="0" err="1">
+                <a:latin typeface="Droid Sans Mono" panose="020B0609030804020204" pitchFamily="49" charset="0"/>
+                <a:ea typeface="Droid Sans Mono" panose="020B0609030804020204" pitchFamily="49" charset="0"/>
+                <a:cs typeface="Droid Sans Mono" panose="020B0609030804020204" pitchFamily="49" charset="0"/>
+              </a:rPr>
+              <a:t>tabaci</a:t>
+            </a:r>
+            <a:r>
+              <a:rPr lang="en-US" i="1" dirty="0">
+                <a:latin typeface="Droid Sans Mono" panose="020B0609030804020204" pitchFamily="49" charset="0"/>
+                <a:ea typeface="Droid Sans Mono" panose="020B0609030804020204" pitchFamily="49" charset="0"/>
+                <a:cs typeface="Droid Sans Mono" panose="020B0609030804020204" pitchFamily="49" charset="0"/>
+              </a:rPr>
+              <a:t> 959</a:t>
+            </a:r>
+          </a:p>
+          <a:p>
+            <a:r>
+              <a:rPr lang="en-US" i="1" dirty="0" err="1">
+                <a:latin typeface="Droid Sans Mono" panose="020B0609030804020204" pitchFamily="49" charset="0"/>
+                <a:ea typeface="Droid Sans Mono" panose="020B0609030804020204" pitchFamily="49" charset="0"/>
+                <a:cs typeface="Droid Sans Mono" panose="020B0609030804020204" pitchFamily="49" charset="0"/>
+              </a:rPr>
+              <a:t>Spodoptera</a:t>
+            </a:r>
+            <a:r>
+              <a:rPr lang="en-US" i="1" dirty="0">
+                <a:latin typeface="Droid Sans Mono" panose="020B0609030804020204" pitchFamily="49" charset="0"/>
+                <a:ea typeface="Droid Sans Mono" panose="020B0609030804020204" pitchFamily="49" charset="0"/>
+                <a:cs typeface="Droid Sans Mono" panose="020B0609030804020204" pitchFamily="49" charset="0"/>
+              </a:rPr>
+              <a:t> </a:t>
+            </a:r>
+            <a:r>
+              <a:rPr lang="en-US" i="1" dirty="0" err="1">
+                <a:latin typeface="Droid Sans Mono" panose="020B0609030804020204" pitchFamily="49" charset="0"/>
+                <a:ea typeface="Droid Sans Mono" panose="020B0609030804020204" pitchFamily="49" charset="0"/>
+                <a:cs typeface="Droid Sans Mono" panose="020B0609030804020204" pitchFamily="49" charset="0"/>
+              </a:rPr>
+              <a:t>frugiperda</a:t>
+            </a:r>
+            <a:r>
+              <a:rPr lang="en-US" i="1" dirty="0">
+                <a:latin typeface="Droid Sans Mono" panose="020B0609030804020204" pitchFamily="49" charset="0"/>
+                <a:ea typeface="Droid Sans Mono" panose="020B0609030804020204" pitchFamily="49" charset="0"/>
+                <a:cs typeface="Droid Sans Mono" panose="020B0609030804020204" pitchFamily="49" charset="0"/>
+              </a:rPr>
+              <a:t> 882</a:t>
+            </a:r>
+          </a:p>
+          <a:p>
+            <a:r>
+              <a:rPr lang="en-US" i="1" dirty="0">
+                <a:latin typeface="Droid Sans Mono" panose="020B0609030804020204" pitchFamily="49" charset="0"/>
+                <a:ea typeface="Droid Sans Mono" panose="020B0609030804020204" pitchFamily="49" charset="0"/>
+                <a:cs typeface="Droid Sans Mono" panose="020B0609030804020204" pitchFamily="49" charset="0"/>
+              </a:rPr>
+              <a:t>Manduca </a:t>
+            </a:r>
+            <a:r>
+              <a:rPr lang="en-US" i="1" dirty="0" err="1">
+                <a:latin typeface="Droid Sans Mono" panose="020B0609030804020204" pitchFamily="49" charset="0"/>
+                <a:ea typeface="Droid Sans Mono" panose="020B0609030804020204" pitchFamily="49" charset="0"/>
+                <a:cs typeface="Droid Sans Mono" panose="020B0609030804020204" pitchFamily="49" charset="0"/>
+              </a:rPr>
+              <a:t>sexta</a:t>
+            </a:r>
+            <a:r>
+              <a:rPr lang="en-US" i="1" dirty="0">
+                <a:latin typeface="Droid Sans Mono" panose="020B0609030804020204" pitchFamily="49" charset="0"/>
+                <a:ea typeface="Droid Sans Mono" panose="020B0609030804020204" pitchFamily="49" charset="0"/>
+                <a:cs typeface="Droid Sans Mono" panose="020B0609030804020204" pitchFamily="49" charset="0"/>
+              </a:rPr>
+              <a:t> 798</a:t>
+            </a:r>
+          </a:p>
+        </p:txBody>
+      </p:sp>
+      <p:sp>
+        <p:nvSpPr>
+          <p:cNvPr id="4" name="Content Placeholder 3">
+            <a:extLst>
+              <a:ext uri="{FF2B5EF4-FFF2-40B4-BE49-F238E27FC236}">
+                <a16:creationId xmlns:a16="http://schemas.microsoft.com/office/drawing/2014/main" id="{01F088AC-9E08-AD4E-B9AE-15C7BC4FB617}"/>
+              </a:ext>
+            </a:extLst>
+          </p:cNvPr>
+          <p:cNvSpPr>
+            <a:spLocks noGrp="1"/>
+          </p:cNvSpPr>
+          <p:nvPr>
+            <p:ph sz="half" idx="2"/>
+          </p:nvPr>
+        </p:nvSpPr>
+        <p:spPr/>
+        <p:txBody>
           <a:bodyPr/>
           <a:lstStyle/>
           <a:p>
-            <a:endParaRPr lang="en-US"/>
+            <a:r>
+              <a:rPr lang="en-US" i="1" dirty="0">
+                <a:ea typeface="Droid Sans Mono" panose="020B0609030804020204" pitchFamily="49" charset="0"/>
+                <a:cs typeface="Droid Sans Mono" panose="020B0609030804020204" pitchFamily="49" charset="0"/>
+              </a:rPr>
+              <a:t>D. melanogaster </a:t>
+            </a:r>
+            <a:r>
+              <a:rPr lang="en-US" dirty="0">
+                <a:ea typeface="Droid Sans Mono" panose="020B0609030804020204" pitchFamily="49" charset="0"/>
+                <a:cs typeface="Droid Sans Mono" panose="020B0609030804020204" pitchFamily="49" charset="0"/>
+              </a:rPr>
+              <a:t>accounts for %20 of all Insect publications from 2008-2018</a:t>
+            </a:r>
+          </a:p>
+          <a:p>
+            <a:r>
+              <a:rPr lang="en-US" dirty="0"/>
+              <a:t>Top 13 hits account for %50 of all publications</a:t>
+            </a:r>
           </a:p>
         </p:txBody>
       </p:sp>
     </p:spTree>
     <p:extLst>
       <p:ext uri="{BB962C8B-B14F-4D97-AF65-F5344CB8AC3E}">
-        <p14:creationId xmlns:p14="http://schemas.microsoft.com/office/powerpoint/2010/main" val="3132599919"/>
+        <p14:creationId xmlns:p14="http://schemas.microsoft.com/office/powerpoint/2010/main" val="70538485"/>
+      </p:ext>
+    </p:extLst>
+  </p:cSld>
+  <p:clrMapOvr>
+    <a:masterClrMapping/>
+  </p:clrMapOvr>
+</p:sld>
+</file>
+
+<file path=ppt/slides/slide11.xml><?xml version="1.0" encoding="utf-8"?>
+<p:sld xmlns:a="http://schemas.openxmlformats.org/drawingml/2006/main" xmlns:r="http://schemas.openxmlformats.org/officeDocument/2006/relationships" xmlns:p="http://schemas.openxmlformats.org/presentationml/2006/main">
+  <p:cSld>
+    <p:spTree>
+      <p:nvGrpSpPr>
+        <p:cNvPr id="1" name=""/>
+        <p:cNvGrpSpPr/>
+        <p:nvPr/>
+      </p:nvGrpSpPr>
+      <p:grpSpPr>
+        <a:xfrm>
+          <a:off x="0" y="0"/>
+          <a:ext cx="0" cy="0"/>
+          <a:chOff x="0" y="0"/>
+          <a:chExt cx="0" cy="0"/>
+        </a:xfrm>
+      </p:grpSpPr>
+      <p:sp>
+        <p:nvSpPr>
+          <p:cNvPr id="2" name="Title 1">
+            <a:extLst>
+              <a:ext uri="{FF2B5EF4-FFF2-40B4-BE49-F238E27FC236}">
+                <a16:creationId xmlns:a16="http://schemas.microsoft.com/office/drawing/2014/main" id="{C2340A01-7FA7-384D-8324-2129F1F225F2}"/>
+              </a:ext>
+            </a:extLst>
+          </p:cNvPr>
+          <p:cNvSpPr>
+            <a:spLocks noGrp="1"/>
+          </p:cNvSpPr>
+          <p:nvPr>
+            <p:ph type="title"/>
+          </p:nvPr>
+        </p:nvSpPr>
+        <p:spPr/>
+        <p:txBody>
+          <a:bodyPr/>
+          <a:lstStyle/>
+          <a:p>
+            <a:r>
+              <a:rPr lang="en-US" dirty="0"/>
+              <a:t>Which Genomes Do We Have?</a:t>
+            </a:r>
+          </a:p>
+        </p:txBody>
+      </p:sp>
+      <p:sp>
+        <p:nvSpPr>
+          <p:cNvPr id="3" name="Text Placeholder 2">
+            <a:extLst>
+              <a:ext uri="{FF2B5EF4-FFF2-40B4-BE49-F238E27FC236}">
+                <a16:creationId xmlns:a16="http://schemas.microsoft.com/office/drawing/2014/main" id="{AD922CB9-91C8-8C4C-823E-828F19BA15F2}"/>
+              </a:ext>
+            </a:extLst>
+          </p:cNvPr>
+          <p:cNvSpPr>
+            <a:spLocks noGrp="1"/>
+          </p:cNvSpPr>
+          <p:nvPr>
+            <p:ph type="body" idx="1"/>
+          </p:nvPr>
+        </p:nvSpPr>
+        <p:spPr/>
+        <p:txBody>
+          <a:bodyPr/>
+          <a:lstStyle/>
+          <a:p>
+            <a:endParaRPr lang="en-US"/>
+          </a:p>
+        </p:txBody>
+      </p:sp>
+    </p:spTree>
+    <p:extLst>
+      <p:ext uri="{BB962C8B-B14F-4D97-AF65-F5344CB8AC3E}">
+        <p14:creationId xmlns:p14="http://schemas.microsoft.com/office/powerpoint/2010/main" val="1827495624"/>
+      </p:ext>
+    </p:extLst>
+  </p:cSld>
+  <p:clrMapOvr>
+    <a:masterClrMapping/>
+  </p:clrMapOvr>
+</p:sld>
+</file>
+
+<file path=ppt/slides/slide12.xml><?xml version="1.0" encoding="utf-8"?>
+<p:sld xmlns:a="http://schemas.openxmlformats.org/drawingml/2006/main" xmlns:r="http://schemas.openxmlformats.org/officeDocument/2006/relationships" xmlns:p="http://schemas.openxmlformats.org/presentationml/2006/main">
+  <p:cSld>
+    <p:spTree>
+      <p:nvGrpSpPr>
+        <p:cNvPr id="1" name=""/>
+        <p:cNvGrpSpPr/>
+        <p:nvPr/>
+      </p:nvGrpSpPr>
+      <p:grpSpPr>
+        <a:xfrm>
+          <a:off x="0" y="0"/>
+          <a:ext cx="0" cy="0"/>
+          <a:chOff x="0" y="0"/>
+          <a:chExt cx="0" cy="0"/>
+        </a:xfrm>
+      </p:grpSpPr>
+      <p:sp>
+        <p:nvSpPr>
+          <p:cNvPr id="2" name="Title 1">
+            <a:extLst>
+              <a:ext uri="{FF2B5EF4-FFF2-40B4-BE49-F238E27FC236}">
+                <a16:creationId xmlns:a16="http://schemas.microsoft.com/office/drawing/2014/main" id="{2481D407-2A07-7C4F-8388-2F17EE993C7D}"/>
+              </a:ext>
+            </a:extLst>
+          </p:cNvPr>
+          <p:cNvSpPr>
+            <a:spLocks noGrp="1"/>
+          </p:cNvSpPr>
+          <p:nvPr>
+            <p:ph type="title"/>
+          </p:nvPr>
+        </p:nvSpPr>
+        <p:spPr/>
+        <p:txBody>
+          <a:bodyPr/>
+          <a:lstStyle/>
+          <a:p>
+            <a:r>
+              <a:rPr lang="en-US" dirty="0"/>
+              <a:t>Which Genomes/Assemblies Do</a:t>
+            </a:r>
+            <a:r>
+              <a:rPr lang="en-US" baseline="0" dirty="0"/>
+              <a:t> We Have?</a:t>
+            </a:r>
+            <a:endParaRPr lang="en-US" dirty="0"/>
+          </a:p>
+        </p:txBody>
+      </p:sp>
+      <p:pic>
+        <p:nvPicPr>
+          <p:cNvPr id="9" name="Content Placeholder 8">
+            <a:extLst>
+              <a:ext uri="{FF2B5EF4-FFF2-40B4-BE49-F238E27FC236}">
+                <a16:creationId xmlns:a16="http://schemas.microsoft.com/office/drawing/2014/main" id="{85CA1A65-F1AF-AB4E-94CF-7B35D28B4D90}"/>
+              </a:ext>
+            </a:extLst>
+          </p:cNvPr>
+          <p:cNvPicPr>
+            <a:picLocks noGrp="1" noChangeAspect="1"/>
+          </p:cNvPicPr>
+          <p:nvPr>
+            <p:ph idx="1"/>
+          </p:nvPr>
+        </p:nvPicPr>
+        <p:blipFill>
+          <a:blip r:embed="rId3"/>
+          <a:stretch>
+            <a:fillRect/>
+          </a:stretch>
+        </p:blipFill>
+        <p:spPr>
+          <a:xfrm>
+            <a:off x="838200" y="1898174"/>
+            <a:ext cx="10515600" cy="4206240"/>
+          </a:xfrm>
+        </p:spPr>
+      </p:pic>
+    </p:spTree>
+    <p:extLst>
+      <p:ext uri="{BB962C8B-B14F-4D97-AF65-F5344CB8AC3E}">
+        <p14:creationId xmlns:p14="http://schemas.microsoft.com/office/powerpoint/2010/main" val="2426237733"/>
+      </p:ext>
+    </p:extLst>
+  </p:cSld>
+  <p:clrMapOvr>
+    <a:masterClrMapping/>
+  </p:clrMapOvr>
+</p:sld>
+</file>
+
+<file path=ppt/slides/slide13.xml><?xml version="1.0" encoding="utf-8"?>
+<p:sld xmlns:a="http://schemas.openxmlformats.org/drawingml/2006/main" xmlns:r="http://schemas.openxmlformats.org/officeDocument/2006/relationships" xmlns:p="http://schemas.openxmlformats.org/presentationml/2006/main">
+  <p:cSld>
+    <p:spTree>
+      <p:nvGrpSpPr>
+        <p:cNvPr id="1" name=""/>
+        <p:cNvGrpSpPr/>
+        <p:nvPr/>
+      </p:nvGrpSpPr>
+      <p:grpSpPr>
+        <a:xfrm>
+          <a:off x="0" y="0"/>
+          <a:ext cx="0" cy="0"/>
+          <a:chOff x="0" y="0"/>
+          <a:chExt cx="0" cy="0"/>
+        </a:xfrm>
+      </p:grpSpPr>
+      <p:sp>
+        <p:nvSpPr>
+          <p:cNvPr id="2" name="Title 1">
+            <a:extLst>
+              <a:ext uri="{FF2B5EF4-FFF2-40B4-BE49-F238E27FC236}">
+                <a16:creationId xmlns:a16="http://schemas.microsoft.com/office/drawing/2014/main" id="{2481D407-2A07-7C4F-8388-2F17EE993C7D}"/>
+              </a:ext>
+            </a:extLst>
+          </p:cNvPr>
+          <p:cNvSpPr>
+            <a:spLocks noGrp="1"/>
+          </p:cNvSpPr>
+          <p:nvPr>
+            <p:ph type="title"/>
+          </p:nvPr>
+        </p:nvSpPr>
+        <p:spPr/>
+        <p:txBody>
+          <a:bodyPr/>
+          <a:lstStyle/>
+          <a:p>
+            <a:r>
+              <a:rPr lang="en-US" dirty="0"/>
+              <a:t>Which Genomes Do</a:t>
+            </a:r>
+            <a:r>
+              <a:rPr lang="en-US" baseline="0" dirty="0"/>
+              <a:t> We Have? (Just </a:t>
+            </a:r>
+            <a:r>
+              <a:rPr lang="en-US" baseline="0" dirty="0" err="1"/>
+              <a:t>Diptera</a:t>
+            </a:r>
+            <a:r>
+              <a:rPr lang="en-US" baseline="0" dirty="0"/>
+              <a:t>)</a:t>
+            </a:r>
+            <a:endParaRPr lang="en-US" dirty="0"/>
+          </a:p>
+        </p:txBody>
+      </p:sp>
+      <p:pic>
+        <p:nvPicPr>
+          <p:cNvPr id="6" name="Content Placeholder 5">
+            <a:extLst>
+              <a:ext uri="{FF2B5EF4-FFF2-40B4-BE49-F238E27FC236}">
+                <a16:creationId xmlns:a16="http://schemas.microsoft.com/office/drawing/2014/main" id="{2D38DCA7-36DB-A34F-887B-5ED58145EFEB}"/>
+              </a:ext>
+            </a:extLst>
+          </p:cNvPr>
+          <p:cNvPicPr>
+            <a:picLocks noGrp="1" noChangeAspect="1"/>
+          </p:cNvPicPr>
+          <p:nvPr>
+            <p:ph idx="1"/>
+          </p:nvPr>
+        </p:nvPicPr>
+        <p:blipFill>
+          <a:blip r:embed="rId3"/>
+          <a:stretch>
+            <a:fillRect/>
+          </a:stretch>
+        </p:blipFill>
+        <p:spPr>
+          <a:xfrm>
+            <a:off x="838200" y="1898174"/>
+            <a:ext cx="10515600" cy="4206240"/>
+          </a:xfrm>
+        </p:spPr>
+      </p:pic>
+    </p:spTree>
+    <p:extLst>
+      <p:ext uri="{BB962C8B-B14F-4D97-AF65-F5344CB8AC3E}">
+        <p14:creationId xmlns:p14="http://schemas.microsoft.com/office/powerpoint/2010/main" val="3086216691"/>
+      </p:ext>
+    </p:extLst>
+  </p:cSld>
+  <p:clrMapOvr>
+    <a:masterClrMapping/>
+  </p:clrMapOvr>
+</p:sld>
+</file>
+
+<file path=ppt/slides/slide14.xml><?xml version="1.0" encoding="utf-8"?>
+<p:sld xmlns:a="http://schemas.openxmlformats.org/drawingml/2006/main" xmlns:r="http://schemas.openxmlformats.org/officeDocument/2006/relationships" xmlns:p="http://schemas.openxmlformats.org/presentationml/2006/main">
+  <p:cSld>
+    <p:spTree>
+      <p:nvGrpSpPr>
+        <p:cNvPr id="1" name=""/>
+        <p:cNvGrpSpPr/>
+        <p:nvPr/>
+      </p:nvGrpSpPr>
+      <p:grpSpPr>
+        <a:xfrm>
+          <a:off x="0" y="0"/>
+          <a:ext cx="0" cy="0"/>
+          <a:chOff x="0" y="0"/>
+          <a:chExt cx="0" cy="0"/>
+        </a:xfrm>
+      </p:grpSpPr>
+      <p:sp>
+        <p:nvSpPr>
+          <p:cNvPr id="2" name="Title 1">
+            <a:extLst>
+              <a:ext uri="{FF2B5EF4-FFF2-40B4-BE49-F238E27FC236}">
+                <a16:creationId xmlns:a16="http://schemas.microsoft.com/office/drawing/2014/main" id="{2481D407-2A07-7C4F-8388-2F17EE993C7D}"/>
+              </a:ext>
+            </a:extLst>
+          </p:cNvPr>
+          <p:cNvSpPr>
+            <a:spLocks noGrp="1"/>
+          </p:cNvSpPr>
+          <p:nvPr>
+            <p:ph type="title"/>
+          </p:nvPr>
+        </p:nvSpPr>
+        <p:spPr/>
+        <p:txBody>
+          <a:bodyPr/>
+          <a:lstStyle/>
+          <a:p>
+            <a:r>
+              <a:rPr lang="en-US" dirty="0"/>
+              <a:t>Which Genomes Do</a:t>
+            </a:r>
+            <a:r>
+              <a:rPr lang="en-US" baseline="0" dirty="0"/>
+              <a:t> We Have?</a:t>
+            </a:r>
+            <a:endParaRPr lang="en-US" dirty="0"/>
+          </a:p>
+        </p:txBody>
+      </p:sp>
+      <p:pic>
+        <p:nvPicPr>
+          <p:cNvPr id="11" name="Content Placeholder 10">
+            <a:extLst>
+              <a:ext uri="{FF2B5EF4-FFF2-40B4-BE49-F238E27FC236}">
+                <a16:creationId xmlns:a16="http://schemas.microsoft.com/office/drawing/2014/main" id="{3DB74B38-9FC5-EA41-9BF7-A188A8C059C3}"/>
+              </a:ext>
+            </a:extLst>
+          </p:cNvPr>
+          <p:cNvPicPr>
+            <a:picLocks noGrp="1" noChangeAspect="1"/>
+          </p:cNvPicPr>
+          <p:nvPr>
+            <p:ph idx="1"/>
+          </p:nvPr>
+        </p:nvPicPr>
+        <p:blipFill>
+          <a:blip r:embed="rId3"/>
+          <a:stretch>
+            <a:fillRect/>
+          </a:stretch>
+        </p:blipFill>
+        <p:spPr>
+          <a:xfrm>
+            <a:off x="1929245" y="1478841"/>
+            <a:ext cx="8333509" cy="5184055"/>
+          </a:xfrm>
+        </p:spPr>
+      </p:pic>
+    </p:spTree>
+    <p:extLst>
+      <p:ext uri="{BB962C8B-B14F-4D97-AF65-F5344CB8AC3E}">
+        <p14:creationId xmlns:p14="http://schemas.microsoft.com/office/powerpoint/2010/main" val="2412565186"/>
+      </p:ext>
+    </p:extLst>
+  </p:cSld>
+  <p:clrMapOvr>
+    <a:masterClrMapping/>
+  </p:clrMapOvr>
+</p:sld>
+</file>
+
+<file path=ppt/slides/slide15.xml><?xml version="1.0" encoding="utf-8"?>
+<p:sld xmlns:a="http://schemas.openxmlformats.org/drawingml/2006/main" xmlns:r="http://schemas.openxmlformats.org/officeDocument/2006/relationships" xmlns:p="http://schemas.openxmlformats.org/presentationml/2006/main">
+  <p:cSld>
+    <p:spTree>
+      <p:nvGrpSpPr>
+        <p:cNvPr id="1" name=""/>
+        <p:cNvGrpSpPr/>
+        <p:nvPr/>
+      </p:nvGrpSpPr>
+      <p:grpSpPr>
+        <a:xfrm>
+          <a:off x="0" y="0"/>
+          <a:ext cx="0" cy="0"/>
+          <a:chOff x="0" y="0"/>
+          <a:chExt cx="0" cy="0"/>
+        </a:xfrm>
+      </p:grpSpPr>
+      <p:sp>
+        <p:nvSpPr>
+          <p:cNvPr id="2" name="Title 1">
+            <a:extLst>
+              <a:ext uri="{FF2B5EF4-FFF2-40B4-BE49-F238E27FC236}">
+                <a16:creationId xmlns:a16="http://schemas.microsoft.com/office/drawing/2014/main" id="{C2340A01-7FA7-384D-8324-2129F1F225F2}"/>
+              </a:ext>
+            </a:extLst>
+          </p:cNvPr>
+          <p:cNvSpPr>
+            <a:spLocks noGrp="1"/>
+          </p:cNvSpPr>
+          <p:nvPr>
+            <p:ph type="title"/>
+          </p:nvPr>
+        </p:nvSpPr>
+        <p:spPr/>
+        <p:txBody>
+          <a:bodyPr/>
+          <a:lstStyle/>
+          <a:p>
+            <a:r>
+              <a:rPr lang="en-US" dirty="0"/>
+              <a:t>Which (Arthropod) Species Do We Prioritize?</a:t>
+            </a:r>
+          </a:p>
+        </p:txBody>
+      </p:sp>
+      <p:sp>
+        <p:nvSpPr>
+          <p:cNvPr id="3" name="Text Placeholder 2">
+            <a:extLst>
+              <a:ext uri="{FF2B5EF4-FFF2-40B4-BE49-F238E27FC236}">
+                <a16:creationId xmlns:a16="http://schemas.microsoft.com/office/drawing/2014/main" id="{AD922CB9-91C8-8C4C-823E-828F19BA15F2}"/>
+              </a:ext>
+            </a:extLst>
+          </p:cNvPr>
+          <p:cNvSpPr>
+            <a:spLocks noGrp="1"/>
+          </p:cNvSpPr>
+          <p:nvPr>
+            <p:ph type="body" idx="1"/>
+          </p:nvPr>
+        </p:nvSpPr>
+        <p:spPr/>
+        <p:txBody>
+          <a:bodyPr/>
+          <a:lstStyle/>
+          <a:p>
+            <a:endParaRPr lang="en-US"/>
+          </a:p>
+        </p:txBody>
+      </p:sp>
+    </p:spTree>
+    <p:extLst>
+      <p:ext uri="{BB962C8B-B14F-4D97-AF65-F5344CB8AC3E}">
+        <p14:creationId xmlns:p14="http://schemas.microsoft.com/office/powerpoint/2010/main" val="365843437"/>
+      </p:ext>
+    </p:extLst>
+  </p:cSld>
+  <p:clrMapOvr>
+    <a:masterClrMapping/>
+  </p:clrMapOvr>
+</p:sld>
+</file>
+
+<file path=ppt/slides/slide16.xml><?xml version="1.0" encoding="utf-8"?>
+<p:sld xmlns:a="http://schemas.openxmlformats.org/drawingml/2006/main" xmlns:r="http://schemas.openxmlformats.org/officeDocument/2006/relationships" xmlns:p="http://schemas.openxmlformats.org/presentationml/2006/main">
+  <p:cSld>
+    <p:spTree>
+      <p:nvGrpSpPr>
+        <p:cNvPr id="1" name=""/>
+        <p:cNvGrpSpPr/>
+        <p:nvPr/>
+      </p:nvGrpSpPr>
+      <p:grpSpPr>
+        <a:xfrm>
+          <a:off x="0" y="0"/>
+          <a:ext cx="0" cy="0"/>
+          <a:chOff x="0" y="0"/>
+          <a:chExt cx="0" cy="0"/>
+        </a:xfrm>
+      </p:grpSpPr>
+      <p:sp>
+        <p:nvSpPr>
+          <p:cNvPr id="2" name="Title 1">
+            <a:extLst>
+              <a:ext uri="{FF2B5EF4-FFF2-40B4-BE49-F238E27FC236}">
+                <a16:creationId xmlns:a16="http://schemas.microsoft.com/office/drawing/2014/main" id="{6FCEDDC2-C504-D749-95DA-E75117A94ACB}"/>
+              </a:ext>
+            </a:extLst>
+          </p:cNvPr>
+          <p:cNvSpPr>
+            <a:spLocks noGrp="1"/>
+          </p:cNvSpPr>
+          <p:nvPr>
+            <p:ph type="title"/>
+          </p:nvPr>
+        </p:nvSpPr>
+        <p:spPr/>
+        <p:txBody>
+          <a:bodyPr/>
+          <a:lstStyle/>
+          <a:p>
+            <a:r>
+              <a:rPr lang="en-US" dirty="0"/>
+              <a:t>Which (Arthropod</a:t>
+            </a:r>
+            <a:r>
+              <a:rPr lang="en-US" baseline="0" dirty="0"/>
+              <a:t>) Species Do We Prioritize?</a:t>
+            </a:r>
+            <a:endParaRPr lang="en-US" dirty="0"/>
+          </a:p>
+        </p:txBody>
+      </p:sp>
+      <p:pic>
+        <p:nvPicPr>
+          <p:cNvPr id="4" name="Content Placeholder 3">
+            <a:extLst>
+              <a:ext uri="{FF2B5EF4-FFF2-40B4-BE49-F238E27FC236}">
+                <a16:creationId xmlns:a16="http://schemas.microsoft.com/office/drawing/2014/main" id="{61D00FC5-F91A-8247-BA79-1EC2AE9292E6}"/>
+              </a:ext>
+            </a:extLst>
+          </p:cNvPr>
+          <p:cNvPicPr>
+            <a:picLocks noGrp="1" noChangeAspect="1"/>
+          </p:cNvPicPr>
+          <p:nvPr>
+            <p:ph idx="1"/>
+          </p:nvPr>
+        </p:nvPicPr>
+        <p:blipFill>
+          <a:blip r:embed="rId3"/>
+          <a:stretch>
+            <a:fillRect/>
+          </a:stretch>
+        </p:blipFill>
+        <p:spPr>
+          <a:xfrm>
+            <a:off x="2227494" y="1690688"/>
+            <a:ext cx="7737011" cy="4812990"/>
+          </a:xfrm>
+        </p:spPr>
+      </p:pic>
+    </p:spTree>
+    <p:extLst>
+      <p:ext uri="{BB962C8B-B14F-4D97-AF65-F5344CB8AC3E}">
+        <p14:creationId xmlns:p14="http://schemas.microsoft.com/office/powerpoint/2010/main" val="2338880115"/>
+      </p:ext>
+    </p:extLst>
+  </p:cSld>
+  <p:clrMapOvr>
+    <a:masterClrMapping/>
+  </p:clrMapOvr>
+</p:sld>
+</file>
+
+<file path=ppt/slides/slide17.xml><?xml version="1.0" encoding="utf-8"?>
+<p:sld xmlns:a="http://schemas.openxmlformats.org/drawingml/2006/main" xmlns:r="http://schemas.openxmlformats.org/officeDocument/2006/relationships" xmlns:p="http://schemas.openxmlformats.org/presentationml/2006/main">
+  <p:cSld>
+    <p:spTree>
+      <p:nvGrpSpPr>
+        <p:cNvPr id="1" name=""/>
+        <p:cNvGrpSpPr/>
+        <p:nvPr/>
+      </p:nvGrpSpPr>
+      <p:grpSpPr>
+        <a:xfrm>
+          <a:off x="0" y="0"/>
+          <a:ext cx="0" cy="0"/>
+          <a:chOff x="0" y="0"/>
+          <a:chExt cx="0" cy="0"/>
+        </a:xfrm>
+      </p:grpSpPr>
+      <p:sp>
+        <p:nvSpPr>
+          <p:cNvPr id="2" name="Title 1">
+            <a:extLst>
+              <a:ext uri="{FF2B5EF4-FFF2-40B4-BE49-F238E27FC236}">
+                <a16:creationId xmlns:a16="http://schemas.microsoft.com/office/drawing/2014/main" id="{6FCEDDC2-C504-D749-95DA-E75117A94ACB}"/>
+              </a:ext>
+            </a:extLst>
+          </p:cNvPr>
+          <p:cNvSpPr>
+            <a:spLocks noGrp="1"/>
+          </p:cNvSpPr>
+          <p:nvPr>
+            <p:ph type="title"/>
+          </p:nvPr>
+        </p:nvSpPr>
+        <p:spPr/>
+        <p:txBody>
+          <a:bodyPr/>
+          <a:lstStyle/>
+          <a:p>
+            <a:r>
+              <a:rPr lang="en-US" dirty="0"/>
+              <a:t>Which (Arthropod</a:t>
+            </a:r>
+            <a:r>
+              <a:rPr lang="en-US" baseline="0" dirty="0"/>
+              <a:t>) Species Do We Prioritize?</a:t>
+            </a:r>
+            <a:endParaRPr lang="en-US" dirty="0"/>
+          </a:p>
+        </p:txBody>
+      </p:sp>
+      <p:sp>
+        <p:nvSpPr>
+          <p:cNvPr id="6" name="Text Placeholder 5">
+            <a:extLst>
+              <a:ext uri="{FF2B5EF4-FFF2-40B4-BE49-F238E27FC236}">
+                <a16:creationId xmlns:a16="http://schemas.microsoft.com/office/drawing/2014/main" id="{35441D2F-B307-5640-BE36-76B257B11140}"/>
+              </a:ext>
+            </a:extLst>
+          </p:cNvPr>
+          <p:cNvSpPr>
+            <a:spLocks noGrp="1"/>
+          </p:cNvSpPr>
+          <p:nvPr>
+            <p:ph type="body" idx="1"/>
+          </p:nvPr>
+        </p:nvSpPr>
+        <p:spPr/>
+        <p:txBody>
+          <a:bodyPr/>
+          <a:lstStyle/>
+          <a:p>
+            <a:r>
+              <a:rPr lang="en-US" dirty="0"/>
+              <a:t>That being said, putting the caveat of type of work being done on arthropod…</a:t>
+            </a:r>
+          </a:p>
+        </p:txBody>
+      </p:sp>
+    </p:spTree>
+    <p:extLst>
+      <p:ext uri="{BB962C8B-B14F-4D97-AF65-F5344CB8AC3E}">
+        <p14:creationId xmlns:p14="http://schemas.microsoft.com/office/powerpoint/2010/main" val="866420851"/>
+      </p:ext>
+    </p:extLst>
+  </p:cSld>
+  <p:clrMapOvr>
+    <a:masterClrMapping/>
+  </p:clrMapOvr>
+</p:sld>
+</file>
+
+<file path=ppt/slides/slide18.xml><?xml version="1.0" encoding="utf-8"?>
+<p:sld xmlns:a="http://schemas.openxmlformats.org/drawingml/2006/main" xmlns:r="http://schemas.openxmlformats.org/officeDocument/2006/relationships" xmlns:p="http://schemas.openxmlformats.org/presentationml/2006/main">
+  <p:cSld>
+    <p:spTree>
+      <p:nvGrpSpPr>
+        <p:cNvPr id="1" name=""/>
+        <p:cNvGrpSpPr/>
+        <p:nvPr/>
+      </p:nvGrpSpPr>
+      <p:grpSpPr>
+        <a:xfrm>
+          <a:off x="0" y="0"/>
+          <a:ext cx="0" cy="0"/>
+          <a:chOff x="0" y="0"/>
+          <a:chExt cx="0" cy="0"/>
+        </a:xfrm>
+      </p:grpSpPr>
+      <p:sp>
+        <p:nvSpPr>
+          <p:cNvPr id="2" name="Title 1">
+            <a:extLst>
+              <a:ext uri="{FF2B5EF4-FFF2-40B4-BE49-F238E27FC236}">
+                <a16:creationId xmlns:a16="http://schemas.microsoft.com/office/drawing/2014/main" id="{C2340A01-7FA7-384D-8324-2129F1F225F2}"/>
+              </a:ext>
+            </a:extLst>
+          </p:cNvPr>
+          <p:cNvSpPr>
+            <a:spLocks noGrp="1"/>
+          </p:cNvSpPr>
+          <p:nvPr>
+            <p:ph type="title"/>
+          </p:nvPr>
+        </p:nvSpPr>
+        <p:spPr/>
+        <p:txBody>
+          <a:bodyPr/>
+          <a:lstStyle/>
+          <a:p>
+            <a:r>
+              <a:rPr lang="en-US" dirty="0"/>
+              <a:t>What is the Quality of Current Genomes?</a:t>
+            </a:r>
+          </a:p>
+        </p:txBody>
+      </p:sp>
+      <p:sp>
+        <p:nvSpPr>
+          <p:cNvPr id="3" name="Text Placeholder 2">
+            <a:extLst>
+              <a:ext uri="{FF2B5EF4-FFF2-40B4-BE49-F238E27FC236}">
+                <a16:creationId xmlns:a16="http://schemas.microsoft.com/office/drawing/2014/main" id="{AD922CB9-91C8-8C4C-823E-828F19BA15F2}"/>
+              </a:ext>
+            </a:extLst>
+          </p:cNvPr>
+          <p:cNvSpPr>
+            <a:spLocks noGrp="1"/>
+          </p:cNvSpPr>
+          <p:nvPr>
+            <p:ph type="body" idx="1"/>
+          </p:nvPr>
+        </p:nvSpPr>
+        <p:spPr/>
+        <p:txBody>
+          <a:bodyPr/>
+          <a:lstStyle/>
+          <a:p>
+            <a:endParaRPr lang="en-US"/>
+          </a:p>
+        </p:txBody>
+      </p:sp>
+    </p:spTree>
+    <p:extLst>
+      <p:ext uri="{BB962C8B-B14F-4D97-AF65-F5344CB8AC3E}">
+        <p14:creationId xmlns:p14="http://schemas.microsoft.com/office/powerpoint/2010/main" val="1125824702"/>
+      </p:ext>
+    </p:extLst>
+  </p:cSld>
+  <p:clrMapOvr>
+    <a:masterClrMapping/>
+  </p:clrMapOvr>
+</p:sld>
+</file>
+
+<file path=ppt/slides/slide19.xml><?xml version="1.0" encoding="utf-8"?>
+<p:sld xmlns:a="http://schemas.openxmlformats.org/drawingml/2006/main" xmlns:r="http://schemas.openxmlformats.org/officeDocument/2006/relationships" xmlns:p="http://schemas.openxmlformats.org/presentationml/2006/main">
+  <p:cSld>
+    <p:spTree>
+      <p:nvGrpSpPr>
+        <p:cNvPr id="1" name=""/>
+        <p:cNvGrpSpPr/>
+        <p:nvPr/>
+      </p:nvGrpSpPr>
+      <p:grpSpPr>
+        <a:xfrm>
+          <a:off x="0" y="0"/>
+          <a:ext cx="0" cy="0"/>
+          <a:chOff x="0" y="0"/>
+          <a:chExt cx="0" cy="0"/>
+        </a:xfrm>
+      </p:grpSpPr>
+      <p:pic>
+        <p:nvPicPr>
+          <p:cNvPr id="6" name="Content Placeholder 5">
+            <a:extLst>
+              <a:ext uri="{FF2B5EF4-FFF2-40B4-BE49-F238E27FC236}">
+                <a16:creationId xmlns:a16="http://schemas.microsoft.com/office/drawing/2014/main" id="{751F79B6-A63E-0143-8510-E33FD400A076}"/>
+              </a:ext>
+            </a:extLst>
+          </p:cNvPr>
+          <p:cNvPicPr>
+            <a:picLocks noGrp="1" noChangeAspect="1"/>
+          </p:cNvPicPr>
+          <p:nvPr>
+            <p:ph idx="1"/>
+          </p:nvPr>
+        </p:nvPicPr>
+        <p:blipFill>
+          <a:blip r:embed="rId3"/>
+          <a:stretch>
+            <a:fillRect/>
+          </a:stretch>
+        </p:blipFill>
+        <p:spPr>
+          <a:xfrm>
+            <a:off x="2423926" y="1875658"/>
+            <a:ext cx="6203776" cy="4432246"/>
+          </a:xfrm>
+        </p:spPr>
+      </p:pic>
+      <p:sp>
+        <p:nvSpPr>
+          <p:cNvPr id="2" name="Title 1">
+            <a:extLst>
+              <a:ext uri="{FF2B5EF4-FFF2-40B4-BE49-F238E27FC236}">
+                <a16:creationId xmlns:a16="http://schemas.microsoft.com/office/drawing/2014/main" id="{BAF5837E-5373-FB41-91BA-B9D5F1D8F131}"/>
+              </a:ext>
+            </a:extLst>
+          </p:cNvPr>
+          <p:cNvSpPr>
+            <a:spLocks noGrp="1"/>
+          </p:cNvSpPr>
+          <p:nvPr>
+            <p:ph type="title"/>
+          </p:nvPr>
+        </p:nvSpPr>
+        <p:spPr/>
+        <p:txBody>
+          <a:bodyPr/>
+          <a:lstStyle/>
+          <a:p>
+            <a:r>
+              <a:rPr lang="en-US" dirty="0"/>
+              <a:t>What</a:t>
+            </a:r>
+            <a:r>
+              <a:rPr lang="en-US" baseline="0" dirty="0"/>
+              <a:t> is the Quality of Current Genomes?</a:t>
+            </a:r>
+            <a:endParaRPr lang="en-US" dirty="0"/>
+          </a:p>
+        </p:txBody>
+      </p:sp>
+      <p:sp>
+        <p:nvSpPr>
+          <p:cNvPr id="7" name="TextBox 6">
+            <a:extLst>
+              <a:ext uri="{FF2B5EF4-FFF2-40B4-BE49-F238E27FC236}">
+                <a16:creationId xmlns:a16="http://schemas.microsoft.com/office/drawing/2014/main" id="{0BB884D4-ABBA-1944-A6F1-209197370AB7}"/>
+              </a:ext>
+            </a:extLst>
+          </p:cNvPr>
+          <p:cNvSpPr txBox="1"/>
+          <p:nvPr/>
+        </p:nvSpPr>
+        <p:spPr>
+          <a:xfrm rot="16200000">
+            <a:off x="1507810" y="3577857"/>
+            <a:ext cx="1462901" cy="369332"/>
+          </a:xfrm>
+          <a:prstGeom prst="rect">
+            <a:avLst/>
+          </a:prstGeom>
+          <a:solidFill>
+            <a:schemeClr val="bg1"/>
+          </a:solidFill>
+        </p:spPr>
+        <p:txBody>
+          <a:bodyPr wrap="none" rtlCol="0">
+            <a:spAutoFit/>
+          </a:bodyPr>
+          <a:lstStyle/>
+          <a:p>
+            <a:r>
+              <a:rPr lang="en-US" dirty="0"/>
+              <a:t>Scaffold n50</a:t>
+            </a:r>
+          </a:p>
+        </p:txBody>
+      </p:sp>
+      <p:sp>
+        <p:nvSpPr>
+          <p:cNvPr id="10" name="TextBox 9">
+            <a:extLst>
+              <a:ext uri="{FF2B5EF4-FFF2-40B4-BE49-F238E27FC236}">
+                <a16:creationId xmlns:a16="http://schemas.microsoft.com/office/drawing/2014/main" id="{DE8FD374-AC8C-7B4D-B73C-40EF4080EA4B}"/>
+              </a:ext>
+            </a:extLst>
+          </p:cNvPr>
+          <p:cNvSpPr txBox="1"/>
+          <p:nvPr/>
+        </p:nvSpPr>
+        <p:spPr>
+          <a:xfrm>
+            <a:off x="4960696" y="6216429"/>
+            <a:ext cx="1300356" cy="369332"/>
+          </a:xfrm>
+          <a:prstGeom prst="rect">
+            <a:avLst/>
+          </a:prstGeom>
+          <a:solidFill>
+            <a:schemeClr val="bg1"/>
+          </a:solidFill>
+        </p:spPr>
+        <p:txBody>
+          <a:bodyPr wrap="none" rtlCol="0">
+            <a:spAutoFit/>
+          </a:bodyPr>
+          <a:lstStyle/>
+          <a:p>
+            <a:r>
+              <a:rPr lang="en-US" dirty="0"/>
+              <a:t>Contig n50</a:t>
+            </a:r>
+          </a:p>
+        </p:txBody>
+      </p:sp>
+      <p:sp>
+        <p:nvSpPr>
+          <p:cNvPr id="12" name="TextBox 11">
+            <a:extLst>
+              <a:ext uri="{FF2B5EF4-FFF2-40B4-BE49-F238E27FC236}">
+                <a16:creationId xmlns:a16="http://schemas.microsoft.com/office/drawing/2014/main" id="{ADD4898A-3E76-464B-A74E-18626091A26F}"/>
+              </a:ext>
+            </a:extLst>
+          </p:cNvPr>
+          <p:cNvSpPr txBox="1"/>
+          <p:nvPr/>
+        </p:nvSpPr>
+        <p:spPr>
+          <a:xfrm>
+            <a:off x="3011213" y="1590790"/>
+            <a:ext cx="5199321" cy="369332"/>
+          </a:xfrm>
+          <a:prstGeom prst="rect">
+            <a:avLst/>
+          </a:prstGeom>
+          <a:solidFill>
+            <a:schemeClr val="bg1"/>
+          </a:solidFill>
+        </p:spPr>
+        <p:txBody>
+          <a:bodyPr wrap="square" rtlCol="0">
+            <a:spAutoFit/>
+          </a:bodyPr>
+          <a:lstStyle/>
+          <a:p>
+            <a:r>
+              <a:rPr lang="en-US" dirty="0"/>
+              <a:t>NCBI Arthropod Assembly Stats (including 2019)</a:t>
+            </a:r>
+          </a:p>
+        </p:txBody>
+      </p:sp>
+    </p:spTree>
+    <p:extLst>
+      <p:ext uri="{BB962C8B-B14F-4D97-AF65-F5344CB8AC3E}">
+        <p14:creationId xmlns:p14="http://schemas.microsoft.com/office/powerpoint/2010/main" val="1445391729"/>
+      </p:ext>
+    </p:extLst>
+  </p:cSld>
+  <p:clrMapOvr>
+    <a:masterClrMapping/>
+  </p:clrMapOvr>
+</p:sld>
+</file>
+
+<file path=ppt/slides/slide2.xml><?xml version="1.0" encoding="utf-8"?>
+<p:sld xmlns:a="http://schemas.openxmlformats.org/drawingml/2006/main" xmlns:r="http://schemas.openxmlformats.org/officeDocument/2006/relationships" xmlns:p="http://schemas.openxmlformats.org/presentationml/2006/main">
+  <p:cSld>
+    <p:bg>
+      <p:bgPr>
+        <a:solidFill>
+          <a:schemeClr val="bg1"/>
+        </a:solidFill>
+        <a:effectLst/>
+      </p:bgPr>
+    </p:bg>
+    <p:spTree>
+      <p:nvGrpSpPr>
+        <p:cNvPr id="1" name=""/>
+        <p:cNvGrpSpPr/>
+        <p:nvPr/>
+      </p:nvGrpSpPr>
+      <p:grpSpPr>
+        <a:xfrm>
+          <a:off x="0" y="0"/>
+          <a:ext cx="0" cy="0"/>
+          <a:chOff x="0" y="0"/>
+          <a:chExt cx="0" cy="0"/>
+        </a:xfrm>
+      </p:grpSpPr>
+      <p:sp>
+        <p:nvSpPr>
+          <p:cNvPr id="8" name="Rectangle 7">
+            <a:extLst>
+              <a:ext uri="{FF2B5EF4-FFF2-40B4-BE49-F238E27FC236}">
+                <a16:creationId xmlns:a16="http://schemas.microsoft.com/office/drawing/2014/main" id="{23962611-DFD5-4092-AAFD-559E3DFCE2C9}"/>
+              </a:ext>
+              <a:ext uri="{C183D7F6-B498-43B3-948B-1728B52AA6E4}">
+                <adec:decorative xmlns:adec="http://schemas.microsoft.com/office/drawing/2017/decorative" val="1"/>
+              </a:ext>
+            </a:extLst>
+          </p:cNvPr>
+          <p:cNvSpPr>
+            <a:spLocks noGrp="1" noRot="1" noChangeAspect="1" noMove="1" noResize="1" noEditPoints="1" noAdjustHandles="1" noChangeArrowheads="1" noChangeShapeType="1" noTextEdit="1"/>
+          </p:cNvSpPr>
+          <p:nvPr>
+            <p:extLst>
+              <p:ext uri="{386F3935-93C4-4BCD-93E2-E3B085C9AB24}">
+                <p16:designElem xmlns:p16="http://schemas.microsoft.com/office/powerpoint/2015/main" val="1"/>
+              </p:ext>
+            </p:extLst>
+          </p:nvPr>
+        </p:nvSpPr>
+        <p:spPr>
+          <a:xfrm>
+            <a:off x="475488" y="0"/>
+            <a:ext cx="10910292" cy="6858000"/>
+          </a:xfrm>
+          <a:prstGeom prst="rect">
+            <a:avLst/>
+          </a:prstGeom>
+          <a:gradFill>
+            <a:gsLst>
+              <a:gs pos="0">
+                <a:schemeClr val="accent1">
+                  <a:lumMod val="90000"/>
+                </a:schemeClr>
+              </a:gs>
+              <a:gs pos="25000">
+                <a:schemeClr val="accent1">
+                  <a:lumMod val="90000"/>
+                </a:schemeClr>
+              </a:gs>
+              <a:gs pos="94000">
+                <a:schemeClr val="bg2">
+                  <a:lumMod val="25000"/>
+                </a:schemeClr>
+              </a:gs>
+              <a:gs pos="100000">
+                <a:schemeClr val="bg2">
+                  <a:lumMod val="25000"/>
+                </a:schemeClr>
+              </a:gs>
+            </a:gsLst>
+            <a:lin ang="4200000" scaled="0"/>
+          </a:gradFill>
+          <a:ln>
+            <a:noFill/>
+          </a:ln>
+        </p:spPr>
+        <p:style>
+          <a:lnRef idx="2">
+            <a:schemeClr val="accent1">
+              <a:shade val="50000"/>
+            </a:schemeClr>
+          </a:lnRef>
+          <a:fillRef idx="1">
+            <a:schemeClr val="accent1"/>
+          </a:fillRef>
+          <a:effectRef idx="0">
+            <a:schemeClr val="accent1"/>
+          </a:effectRef>
+          <a:fontRef idx="minor">
+            <a:schemeClr val="lt1"/>
+          </a:fontRef>
+        </p:style>
+        <p:txBody>
+          <a:bodyPr rtlCol="0" anchor="ctr"/>
+          <a:lstStyle/>
+          <a:p>
+            <a:pPr algn="ctr"/>
+            <a:endParaRPr lang="en-US"/>
+          </a:p>
+        </p:txBody>
+      </p:sp>
+      <p:pic>
+        <p:nvPicPr>
+          <p:cNvPr id="10" name="Picture 9">
+            <a:extLst>
+              <a:ext uri="{FF2B5EF4-FFF2-40B4-BE49-F238E27FC236}">
+                <a16:creationId xmlns:a16="http://schemas.microsoft.com/office/drawing/2014/main" id="{2270F1FA-0425-408F-9861-80BF5AFB276D}"/>
+              </a:ext>
+              <a:ext uri="{C183D7F6-B498-43B3-948B-1728B52AA6E4}">
+                <adec:decorative xmlns:adec="http://schemas.microsoft.com/office/drawing/2017/decorative" val="1"/>
+              </a:ext>
+            </a:extLst>
+          </p:cNvPr>
+          <p:cNvPicPr>
+            <a:picLocks noGrp="1" noRot="1" noChangeAspect="1" noMove="1" noResize="1" noEditPoints="1" noAdjustHandles="1" noChangeArrowheads="1" noChangeShapeType="1" noCrop="1"/>
+          </p:cNvPicPr>
+          <p:nvPr>
+            <p:extLst>
+              <p:ext uri="{386F3935-93C4-4BCD-93E2-E3B085C9AB24}">
+                <p16:designElem xmlns:p16="http://schemas.microsoft.com/office/powerpoint/2015/main" val="1"/>
+              </p:ext>
+            </p:extLst>
+          </p:nvPr>
+        </p:nvPicPr>
+        <p:blipFill>
+          <a:blip r:embed="rId2">
+            <a:extLst>
+              <a:ext uri="{28A0092B-C50C-407E-A947-70E740481C1C}">
+                <a14:useLocalDpi xmlns:a14="http://schemas.microsoft.com/office/drawing/2010/main" val="0"/>
+              </a:ext>
+            </a:extLst>
+          </a:blip>
+          <a:stretch>
+            <a:fillRect/>
+          </a:stretch>
+        </p:blipFill>
+        <p:spPr>
+          <a:xfrm>
+            <a:off x="0" y="0"/>
+            <a:ext cx="12192000" cy="6858000"/>
+          </a:xfrm>
+          <a:prstGeom prst="rect">
+            <a:avLst/>
+          </a:prstGeom>
+        </p:spPr>
+      </p:pic>
+      <p:sp>
+        <p:nvSpPr>
+          <p:cNvPr id="2" name="Title 1">
+            <a:extLst>
+              <a:ext uri="{FF2B5EF4-FFF2-40B4-BE49-F238E27FC236}">
+                <a16:creationId xmlns:a16="http://schemas.microsoft.com/office/drawing/2014/main" id="{C2340A01-7FA7-384D-8324-2129F1F225F2}"/>
+              </a:ext>
+            </a:extLst>
+          </p:cNvPr>
+          <p:cNvSpPr>
+            <a:spLocks noGrp="1"/>
+          </p:cNvSpPr>
+          <p:nvPr>
+            <p:ph type="title"/>
+          </p:nvPr>
+        </p:nvSpPr>
+        <p:spPr>
+          <a:xfrm>
+            <a:off x="3045368" y="2043663"/>
+            <a:ext cx="6105194" cy="2031055"/>
+          </a:xfrm>
+        </p:spPr>
+        <p:txBody>
+          <a:bodyPr vert="horz" lIns="91440" tIns="45720" rIns="91440" bIns="45720" rtlCol="0" anchor="b">
+            <a:normAutofit/>
+          </a:bodyPr>
+          <a:lstStyle/>
+          <a:p>
+            <a:pPr algn="ctr"/>
+            <a:r>
+              <a:rPr lang="en-US" sz="6000" kern="1200">
+                <a:solidFill>
+                  <a:srgbClr val="FFFFFF"/>
+                </a:solidFill>
+                <a:latin typeface="+mj-lt"/>
+                <a:ea typeface="+mj-ea"/>
+                <a:cs typeface="+mj-cs"/>
+              </a:rPr>
+              <a:t>Background</a:t>
+            </a:r>
+          </a:p>
+        </p:txBody>
+      </p:sp>
+      <p:sp>
+        <p:nvSpPr>
+          <p:cNvPr id="3" name="Text Placeholder 2">
+            <a:extLst>
+              <a:ext uri="{FF2B5EF4-FFF2-40B4-BE49-F238E27FC236}">
+                <a16:creationId xmlns:a16="http://schemas.microsoft.com/office/drawing/2014/main" id="{AD922CB9-91C8-8C4C-823E-828F19BA15F2}"/>
+              </a:ext>
+            </a:extLst>
+          </p:cNvPr>
+          <p:cNvSpPr>
+            <a:spLocks noGrp="1"/>
+          </p:cNvSpPr>
+          <p:nvPr>
+            <p:ph type="body" idx="1"/>
+          </p:nvPr>
+        </p:nvSpPr>
+        <p:spPr>
+          <a:xfrm>
+            <a:off x="3045368" y="4074718"/>
+            <a:ext cx="6105194" cy="682079"/>
+          </a:xfrm>
+        </p:spPr>
+        <p:txBody>
+          <a:bodyPr vert="horz" lIns="91440" tIns="45720" rIns="91440" bIns="45720" rtlCol="0">
+            <a:normAutofit/>
+          </a:bodyPr>
+          <a:lstStyle/>
+          <a:p>
+            <a:pPr algn="ctr"/>
+            <a:endParaRPr lang="en-US" sz="2400" kern="1200" dirty="0">
+              <a:solidFill>
+                <a:srgbClr val="FFFFFF"/>
+              </a:solidFill>
+              <a:latin typeface="+mn-lt"/>
+              <a:ea typeface="+mn-ea"/>
+              <a:cs typeface="+mn-cs"/>
+            </a:endParaRPr>
+          </a:p>
+        </p:txBody>
+      </p:sp>
+    </p:spTree>
+    <p:extLst>
+      <p:ext uri="{BB962C8B-B14F-4D97-AF65-F5344CB8AC3E}">
+        <p14:creationId xmlns:p14="http://schemas.microsoft.com/office/powerpoint/2010/main" val="360909964"/>
+      </p:ext>
+    </p:extLst>
+  </p:cSld>
+  <p:clrMapOvr>
+    <a:masterClrMapping/>
+  </p:clrMapOvr>
+</p:sld>
+</file>
+
+<file path=ppt/slides/slide20.xml><?xml version="1.0" encoding="utf-8"?>
+<p:sld xmlns:a="http://schemas.openxmlformats.org/drawingml/2006/main" xmlns:r="http://schemas.openxmlformats.org/officeDocument/2006/relationships" xmlns:p="http://schemas.openxmlformats.org/presentationml/2006/main">
+  <p:cSld>
+    <p:spTree>
+      <p:nvGrpSpPr>
+        <p:cNvPr id="1" name=""/>
+        <p:cNvGrpSpPr/>
+        <p:nvPr/>
+      </p:nvGrpSpPr>
+      <p:grpSpPr>
+        <a:xfrm>
+          <a:off x="0" y="0"/>
+          <a:ext cx="0" cy="0"/>
+          <a:chOff x="0" y="0"/>
+          <a:chExt cx="0" cy="0"/>
+        </a:xfrm>
+      </p:grpSpPr>
+      <p:sp>
+        <p:nvSpPr>
+          <p:cNvPr id="2" name="Title 1">
+            <a:extLst>
+              <a:ext uri="{FF2B5EF4-FFF2-40B4-BE49-F238E27FC236}">
+                <a16:creationId xmlns:a16="http://schemas.microsoft.com/office/drawing/2014/main" id="{BAF5837E-5373-FB41-91BA-B9D5F1D8F131}"/>
+              </a:ext>
+            </a:extLst>
+          </p:cNvPr>
+          <p:cNvSpPr>
+            <a:spLocks noGrp="1"/>
+          </p:cNvSpPr>
+          <p:nvPr>
+            <p:ph type="title"/>
+          </p:nvPr>
+        </p:nvSpPr>
+        <p:spPr/>
+        <p:txBody>
+          <a:bodyPr/>
+          <a:lstStyle/>
+          <a:p>
+            <a:r>
+              <a:rPr lang="en-US" dirty="0"/>
+              <a:t>What</a:t>
+            </a:r>
+            <a:r>
+              <a:rPr lang="en-US" baseline="0" dirty="0"/>
+              <a:t> is the Quality of Current Genomes?</a:t>
+            </a:r>
+            <a:endParaRPr lang="en-US" dirty="0"/>
+          </a:p>
+        </p:txBody>
+      </p:sp>
+      <p:sp>
+        <p:nvSpPr>
+          <p:cNvPr id="7" name="TextBox 6">
+            <a:extLst>
+              <a:ext uri="{FF2B5EF4-FFF2-40B4-BE49-F238E27FC236}">
+                <a16:creationId xmlns:a16="http://schemas.microsoft.com/office/drawing/2014/main" id="{0BB884D4-ABBA-1944-A6F1-209197370AB7}"/>
+              </a:ext>
+            </a:extLst>
+          </p:cNvPr>
+          <p:cNvSpPr txBox="1"/>
+          <p:nvPr/>
+        </p:nvSpPr>
+        <p:spPr>
+          <a:xfrm rot="16200000">
+            <a:off x="1507810" y="3577857"/>
+            <a:ext cx="1462901" cy="369332"/>
+          </a:xfrm>
+          <a:prstGeom prst="rect">
+            <a:avLst/>
+          </a:prstGeom>
+          <a:solidFill>
+            <a:schemeClr val="bg1"/>
+          </a:solidFill>
+        </p:spPr>
+        <p:txBody>
+          <a:bodyPr wrap="none" rtlCol="0">
+            <a:spAutoFit/>
+          </a:bodyPr>
+          <a:lstStyle/>
+          <a:p>
+            <a:r>
+              <a:rPr lang="en-US" dirty="0"/>
+              <a:t>Scaffold n50</a:t>
+            </a:r>
+          </a:p>
+        </p:txBody>
+      </p:sp>
+      <p:pic>
+        <p:nvPicPr>
+          <p:cNvPr id="8" name="Content Placeholder 7">
+            <a:extLst>
+              <a:ext uri="{FF2B5EF4-FFF2-40B4-BE49-F238E27FC236}">
+                <a16:creationId xmlns:a16="http://schemas.microsoft.com/office/drawing/2014/main" id="{9C39119E-3C41-1B45-9374-37C9343D93FF}"/>
+              </a:ext>
+            </a:extLst>
+          </p:cNvPr>
+          <p:cNvPicPr>
+            <a:picLocks noGrp="1" noChangeAspect="1"/>
+          </p:cNvPicPr>
+          <p:nvPr>
+            <p:ph idx="1"/>
+          </p:nvPr>
+        </p:nvPicPr>
+        <p:blipFill>
+          <a:blip r:embed="rId3"/>
+          <a:stretch>
+            <a:fillRect/>
+          </a:stretch>
+        </p:blipFill>
+        <p:spPr>
+          <a:xfrm>
+            <a:off x="838200" y="2686844"/>
+            <a:ext cx="10515600" cy="2628900"/>
+          </a:xfrm>
+        </p:spPr>
+      </p:pic>
+    </p:spTree>
+    <p:extLst>
+      <p:ext uri="{BB962C8B-B14F-4D97-AF65-F5344CB8AC3E}">
+        <p14:creationId xmlns:p14="http://schemas.microsoft.com/office/powerpoint/2010/main" val="3322716574"/>
       </p:ext>
     </p:extLst>
   </p:cSld>
@@ -4789,7 +7690,7 @@
           <p:cNvPr id="2" name="Title 1">
             <a:extLst>
               <a:ext uri="{FF2B5EF4-FFF2-40B4-BE49-F238E27FC236}">
-                <a16:creationId xmlns:a16="http://schemas.microsoft.com/office/drawing/2014/main" id="{2481D407-2A07-7C4F-8388-2F17EE993C7D}"/>
+                <a16:creationId xmlns:a16="http://schemas.microsoft.com/office/drawing/2014/main" id="{C2340A01-7FA7-384D-8324-2129F1F225F2}"/>
               </a:ext>
             </a:extLst>
           </p:cNvPr>
@@ -4802,50 +7703,54 @@
         </p:nvSpPr>
         <p:spPr/>
         <p:txBody>
+          <a:bodyPr vert="horz" lIns="91440" tIns="45720" rIns="91440" bIns="45720" rtlCol="0" anchor="ctr">
+            <a:normAutofit fontScale="90000"/>
+          </a:bodyPr>
+          <a:lstStyle/>
+          <a:p>
+            <a:r>
+              <a:rPr lang="en-US" sz="6600" kern="1200" dirty="0">
+                <a:latin typeface="+mj-lt"/>
+                <a:ea typeface="+mj-ea"/>
+                <a:cs typeface="+mj-cs"/>
+              </a:rPr>
+              <a:t>Preparing to sequence (make Genome assemblies) all Life.</a:t>
+            </a:r>
+          </a:p>
+        </p:txBody>
+      </p:sp>
+      <p:sp>
+        <p:nvSpPr>
+          <p:cNvPr id="4" name="Text Placeholder 3">
+            <a:extLst>
+              <a:ext uri="{FF2B5EF4-FFF2-40B4-BE49-F238E27FC236}">
+                <a16:creationId xmlns:a16="http://schemas.microsoft.com/office/drawing/2014/main" id="{C3AA0EDD-B70C-AF48-8C32-C01E793234D4}"/>
+              </a:ext>
+            </a:extLst>
+          </p:cNvPr>
+          <p:cNvSpPr>
+            <a:spLocks noGrp="1"/>
+          </p:cNvSpPr>
+          <p:nvPr>
+            <p:ph type="body" idx="1"/>
+          </p:nvPr>
+        </p:nvSpPr>
+        <p:spPr/>
+        <p:txBody>
           <a:bodyPr/>
           <a:lstStyle/>
           <a:p>
             <a:r>
               <a:rPr lang="en-US" dirty="0"/>
-              <a:t>What Genomes Do</a:t>
-            </a:r>
-            <a:r>
-              <a:rPr lang="en-US" baseline="0" dirty="0"/>
-              <a:t> We Have?</a:t>
-            </a:r>
-            <a:endParaRPr lang="en-US" dirty="0"/>
-          </a:p>
-        </p:txBody>
-      </p:sp>
-      <p:sp>
-        <p:nvSpPr>
-          <p:cNvPr id="3" name="Content Placeholder 2">
-            <a:extLst>
-              <a:ext uri="{FF2B5EF4-FFF2-40B4-BE49-F238E27FC236}">
-                <a16:creationId xmlns:a16="http://schemas.microsoft.com/office/drawing/2014/main" id="{7F244FD0-3908-DF42-B0F5-A5AE0D54C808}"/>
-              </a:ext>
-            </a:extLst>
-          </p:cNvPr>
-          <p:cNvSpPr>
-            <a:spLocks noGrp="1"/>
-          </p:cNvSpPr>
-          <p:nvPr>
-            <p:ph idx="1"/>
-          </p:nvPr>
-        </p:nvSpPr>
-        <p:spPr/>
-        <p:txBody>
-          <a:bodyPr/>
-          <a:lstStyle/>
-          <a:p>
-            <a:endParaRPr lang="en-US"/>
+              <a:t>We need to figure out which things to sequence first. </a:t>
+            </a:r>
           </a:p>
         </p:txBody>
       </p:sp>
     </p:spTree>
     <p:extLst>
       <p:ext uri="{BB962C8B-B14F-4D97-AF65-F5344CB8AC3E}">
-        <p14:creationId xmlns:p14="http://schemas.microsoft.com/office/powerpoint/2010/main" val="2426237733"/>
+        <p14:creationId xmlns:p14="http://schemas.microsoft.com/office/powerpoint/2010/main" val="3838139533"/>
       </p:ext>
     </p:extLst>
   </p:cSld>
@@ -4856,6 +7761,1748 @@
 </file>
 
 <file path=ppt/slides/slide4.xml><?xml version="1.0" encoding="utf-8"?>
+<p:sld xmlns:a="http://schemas.openxmlformats.org/drawingml/2006/main" xmlns:r="http://schemas.openxmlformats.org/officeDocument/2006/relationships" xmlns:p="http://schemas.openxmlformats.org/presentationml/2006/main">
+  <p:cSld>
+    <p:bg>
+      <p:bgPr>
+        <a:solidFill>
+          <a:schemeClr val="bg1"/>
+        </a:solidFill>
+        <a:effectLst/>
+      </p:bgPr>
+    </p:bg>
+    <p:spTree>
+      <p:nvGrpSpPr>
+        <p:cNvPr id="1" name=""/>
+        <p:cNvGrpSpPr/>
+        <p:nvPr/>
+      </p:nvGrpSpPr>
+      <p:grpSpPr>
+        <a:xfrm>
+          <a:off x="0" y="0"/>
+          <a:ext cx="0" cy="0"/>
+          <a:chOff x="0" y="0"/>
+          <a:chExt cx="0" cy="0"/>
+        </a:xfrm>
+      </p:grpSpPr>
+      <p:sp>
+        <p:nvSpPr>
+          <p:cNvPr id="11" name="Rectangle 10">
+            <a:extLst>
+              <a:ext uri="{FF2B5EF4-FFF2-40B4-BE49-F238E27FC236}">
+                <a16:creationId xmlns:a16="http://schemas.microsoft.com/office/drawing/2014/main" id="{C9F26692-F12A-4F9E-9C6D-FABE9A277FD3}"/>
+              </a:ext>
+              <a:ext uri="{C183D7F6-B498-43B3-948B-1728B52AA6E4}">
+                <adec:decorative xmlns:adec="http://schemas.microsoft.com/office/drawing/2017/decorative" val="1"/>
+              </a:ext>
+            </a:extLst>
+          </p:cNvPr>
+          <p:cNvSpPr>
+            <a:spLocks noGrp="1" noRot="1" noChangeAspect="1" noMove="1" noResize="1" noEditPoints="1" noAdjustHandles="1" noChangeArrowheads="1" noChangeShapeType="1" noTextEdit="1"/>
+          </p:cNvSpPr>
+          <p:nvPr>
+            <p:extLst>
+              <p:ext uri="{386F3935-93C4-4BCD-93E2-E3B085C9AB24}">
+                <p16:designElem xmlns:p16="http://schemas.microsoft.com/office/powerpoint/2015/main" val="1"/>
+              </p:ext>
+            </p:extLst>
+          </p:nvPr>
+        </p:nvSpPr>
+        <p:spPr>
+          <a:xfrm>
+            <a:off x="5708905" y="3726"/>
+            <a:ext cx="6483095" cy="6858000"/>
+          </a:xfrm>
+          <a:prstGeom prst="rect">
+            <a:avLst/>
+          </a:prstGeom>
+          <a:gradFill>
+            <a:gsLst>
+              <a:gs pos="0">
+                <a:schemeClr val="accent1">
+                  <a:lumMod val="100000"/>
+                  <a:alpha val="82000"/>
+                </a:schemeClr>
+              </a:gs>
+              <a:gs pos="25000">
+                <a:schemeClr val="accent1">
+                  <a:alpha val="60000"/>
+                </a:schemeClr>
+              </a:gs>
+              <a:gs pos="94000">
+                <a:schemeClr val="bg2">
+                  <a:lumMod val="75000"/>
+                </a:schemeClr>
+              </a:gs>
+              <a:gs pos="100000">
+                <a:schemeClr val="bg2">
+                  <a:lumMod val="75000"/>
+                </a:schemeClr>
+              </a:gs>
+            </a:gsLst>
+            <a:lin ang="4200000" scaled="0"/>
+          </a:gradFill>
+          <a:ln>
+            <a:noFill/>
+          </a:ln>
+        </p:spPr>
+        <p:style>
+          <a:lnRef idx="2">
+            <a:schemeClr val="accent1">
+              <a:shade val="50000"/>
+            </a:schemeClr>
+          </a:lnRef>
+          <a:fillRef idx="1">
+            <a:schemeClr val="accent1"/>
+          </a:fillRef>
+          <a:effectRef idx="0">
+            <a:schemeClr val="accent1"/>
+          </a:effectRef>
+          <a:fontRef idx="minor">
+            <a:schemeClr val="lt1"/>
+          </a:fontRef>
+        </p:style>
+        <p:txBody>
+          <a:bodyPr rtlCol="0" anchor="ctr"/>
+          <a:lstStyle/>
+          <a:p>
+            <a:pPr algn="ctr"/>
+            <a:endParaRPr lang="en-US"/>
+          </a:p>
+        </p:txBody>
+      </p:sp>
+      <p:pic>
+        <p:nvPicPr>
+          <p:cNvPr id="13" name="Picture 12">
+            <a:extLst>
+              <a:ext uri="{FF2B5EF4-FFF2-40B4-BE49-F238E27FC236}">
+                <a16:creationId xmlns:a16="http://schemas.microsoft.com/office/drawing/2014/main" id="{19BDF44E-531A-4177-A2D6-2D2310D05830}"/>
+              </a:ext>
+              <a:ext uri="{C183D7F6-B498-43B3-948B-1728B52AA6E4}">
+                <adec:decorative xmlns:adec="http://schemas.microsoft.com/office/drawing/2017/decorative" val="1"/>
+              </a:ext>
+            </a:extLst>
+          </p:cNvPr>
+          <p:cNvPicPr>
+            <a:picLocks noGrp="1" noRot="1" noChangeAspect="1" noMove="1" noResize="1" noEditPoints="1" noAdjustHandles="1" noChangeArrowheads="1" noChangeShapeType="1" noCrop="1"/>
+          </p:cNvPicPr>
+          <p:nvPr>
+            <p:extLst>
+              <p:ext uri="{386F3935-93C4-4BCD-93E2-E3B085C9AB24}">
+                <p16:designElem xmlns:p16="http://schemas.microsoft.com/office/powerpoint/2015/main" val="1"/>
+              </p:ext>
+            </p:extLst>
+          </p:nvPr>
+        </p:nvPicPr>
+        <p:blipFill>
+          <a:blip r:embed="rId2">
+            <a:extLst>
+              <a:ext uri="{28A0092B-C50C-407E-A947-70E740481C1C}">
+                <a14:useLocalDpi xmlns:a14="http://schemas.microsoft.com/office/drawing/2010/main" val="0"/>
+              </a:ext>
+            </a:extLst>
+          </a:blip>
+          <a:stretch>
+            <a:fillRect/>
+          </a:stretch>
+        </p:blipFill>
+        <p:spPr>
+          <a:xfrm flipH="1">
+            <a:off x="0" y="0"/>
+            <a:ext cx="12192000" cy="6858000"/>
+          </a:xfrm>
+          <a:prstGeom prst="rect">
+            <a:avLst/>
+          </a:prstGeom>
+        </p:spPr>
+      </p:pic>
+      <p:sp>
+        <p:nvSpPr>
+          <p:cNvPr id="6" name="Title 1">
+            <a:extLst>
+              <a:ext uri="{FF2B5EF4-FFF2-40B4-BE49-F238E27FC236}">
+                <a16:creationId xmlns:a16="http://schemas.microsoft.com/office/drawing/2014/main" id="{C2578587-969B-0C43-BA90-4A78F776B849}"/>
+              </a:ext>
+            </a:extLst>
+          </p:cNvPr>
+          <p:cNvSpPr txBox="1">
+            <a:spLocks/>
+          </p:cNvSpPr>
+          <p:nvPr/>
+        </p:nvSpPr>
+        <p:spPr>
+          <a:xfrm>
+            <a:off x="815806" y="3777859"/>
+            <a:ext cx="5946579" cy="1514185"/>
+          </a:xfrm>
+          <a:prstGeom prst="rect">
+            <a:avLst/>
+          </a:prstGeom>
+        </p:spPr>
+        <p:txBody>
+          <a:bodyPr vert="horz" lIns="91440" tIns="45720" rIns="91440" bIns="45720" rtlCol="0" anchor="t">
+            <a:normAutofit/>
+          </a:bodyPr>
+          <a:lstStyle>
+            <a:lvl1pPr algn="l" defTabSz="914400" rtl="0" eaLnBrk="1" latinLnBrk="0" hangingPunct="1">
+              <a:lnSpc>
+                <a:spcPct val="90000"/>
+              </a:lnSpc>
+              <a:spcBef>
+                <a:spcPct val="0"/>
+              </a:spcBef>
+              <a:buNone/>
+              <a:defRPr sz="4400" kern="1200">
+                <a:solidFill>
+                  <a:schemeClr val="tx1"/>
+                </a:solidFill>
+                <a:latin typeface="+mj-lt"/>
+                <a:ea typeface="+mj-ea"/>
+                <a:cs typeface="+mj-cs"/>
+              </a:defRPr>
+            </a:lvl1pPr>
+          </a:lstStyle>
+          <a:p>
+            <a:pPr>
+              <a:spcAft>
+                <a:spcPts val="600"/>
+              </a:spcAft>
+            </a:pPr>
+            <a:r>
+              <a:rPr lang="en-US" sz="4000" kern="1200" dirty="0">
+                <a:solidFill>
+                  <a:srgbClr val="000000"/>
+                </a:solidFill>
+                <a:latin typeface="+mj-lt"/>
+                <a:ea typeface="+mj-ea"/>
+                <a:cs typeface="+mj-cs"/>
+              </a:rPr>
+              <a:t>Selecting Data. Species Lists</a:t>
+            </a:r>
+          </a:p>
+          <a:p>
+            <a:pPr>
+              <a:spcAft>
+                <a:spcPts val="600"/>
+              </a:spcAft>
+            </a:pPr>
+            <a:endParaRPr lang="en-US" sz="4000" kern="1200" dirty="0">
+              <a:solidFill>
+                <a:srgbClr val="000000"/>
+              </a:solidFill>
+              <a:latin typeface="+mj-lt"/>
+              <a:ea typeface="+mj-ea"/>
+              <a:cs typeface="+mj-cs"/>
+            </a:endParaRPr>
+          </a:p>
+          <a:p>
+            <a:pPr>
+              <a:spcAft>
+                <a:spcPts val="600"/>
+              </a:spcAft>
+            </a:pPr>
+            <a:endParaRPr lang="en-US" sz="4000" kern="1200" dirty="0">
+              <a:solidFill>
+                <a:srgbClr val="000000"/>
+              </a:solidFill>
+              <a:latin typeface="+mj-lt"/>
+              <a:ea typeface="+mj-ea"/>
+              <a:cs typeface="+mj-cs"/>
+            </a:endParaRPr>
+          </a:p>
+        </p:txBody>
+      </p:sp>
+      <p:sp>
+        <p:nvSpPr>
+          <p:cNvPr id="15" name="Freeform: Shape 14">
+            <a:extLst>
+              <a:ext uri="{FF2B5EF4-FFF2-40B4-BE49-F238E27FC236}">
+                <a16:creationId xmlns:a16="http://schemas.microsoft.com/office/drawing/2014/main" id="{6BFB173A-5EF2-43F4-B3BB-6EA1975FAB85}"/>
+              </a:ext>
+              <a:ext uri="{C183D7F6-B498-43B3-948B-1728B52AA6E4}">
+                <adec:decorative xmlns:adec="http://schemas.microsoft.com/office/drawing/2017/decorative" val="1"/>
+              </a:ext>
+            </a:extLst>
+          </p:cNvPr>
+          <p:cNvSpPr>
+            <a:spLocks noGrp="1" noRot="1" noChangeAspect="1" noMove="1" noResize="1" noEditPoints="1" noAdjustHandles="1" noChangeArrowheads="1" noChangeShapeType="1" noTextEdit="1"/>
+          </p:cNvSpPr>
+          <p:nvPr>
+            <p:extLst>
+              <p:ext uri="{386F3935-93C4-4BCD-93E2-E3B085C9AB24}">
+                <p16:designElem xmlns:p16="http://schemas.microsoft.com/office/powerpoint/2015/main" val="1"/>
+              </p:ext>
+            </p:extLst>
+          </p:nvPr>
+        </p:nvSpPr>
+        <p:spPr>
+          <a:xfrm>
+            <a:off x="6533377" y="0"/>
+            <a:ext cx="3801784" cy="2254263"/>
+          </a:xfrm>
+          <a:custGeom>
+            <a:avLst/>
+            <a:gdLst>
+              <a:gd name="connsiteX0" fmla="*/ 34084 w 3801784"/>
+              <a:gd name="connsiteY0" fmla="*/ 0 h 2254263"/>
+              <a:gd name="connsiteX1" fmla="*/ 3767702 w 3801784"/>
+              <a:gd name="connsiteY1" fmla="*/ 0 h 2254263"/>
+              <a:gd name="connsiteX2" fmla="*/ 3791970 w 3801784"/>
+              <a:gd name="connsiteY2" fmla="*/ 159016 h 2254263"/>
+              <a:gd name="connsiteX3" fmla="*/ 3801784 w 3801784"/>
+              <a:gd name="connsiteY3" fmla="*/ 353371 h 2254263"/>
+              <a:gd name="connsiteX4" fmla="*/ 1900892 w 3801784"/>
+              <a:gd name="connsiteY4" fmla="*/ 2254263 h 2254263"/>
+              <a:gd name="connsiteX5" fmla="*/ 0 w 3801784"/>
+              <a:gd name="connsiteY5" fmla="*/ 353371 h 2254263"/>
+              <a:gd name="connsiteX6" fmla="*/ 9815 w 3801784"/>
+              <a:gd name="connsiteY6" fmla="*/ 159016 h 2254263"/>
+            </a:gdLst>
+            <a:ahLst/>
+            <a:cxnLst>
+              <a:cxn ang="0">
+                <a:pos x="connsiteX0" y="connsiteY0"/>
+              </a:cxn>
+              <a:cxn ang="0">
+                <a:pos x="connsiteX1" y="connsiteY1"/>
+              </a:cxn>
+              <a:cxn ang="0">
+                <a:pos x="connsiteX2" y="connsiteY2"/>
+              </a:cxn>
+              <a:cxn ang="0">
+                <a:pos x="connsiteX3" y="connsiteY3"/>
+              </a:cxn>
+              <a:cxn ang="0">
+                <a:pos x="connsiteX4" y="connsiteY4"/>
+              </a:cxn>
+              <a:cxn ang="0">
+                <a:pos x="connsiteX5" y="connsiteY5"/>
+              </a:cxn>
+              <a:cxn ang="0">
+                <a:pos x="connsiteX6" y="connsiteY6"/>
+              </a:cxn>
+            </a:cxnLst>
+            <a:rect l="l" t="t" r="r" b="b"/>
+            <a:pathLst>
+              <a:path w="3801784" h="2254263">
+                <a:moveTo>
+                  <a:pt x="34084" y="0"/>
+                </a:moveTo>
+                <a:lnTo>
+                  <a:pt x="3767702" y="0"/>
+                </a:lnTo>
+                <a:lnTo>
+                  <a:pt x="3791970" y="159016"/>
+                </a:lnTo>
+                <a:cubicBezTo>
+                  <a:pt x="3798459" y="222918"/>
+                  <a:pt x="3801784" y="287757"/>
+                  <a:pt x="3801784" y="353371"/>
+                </a:cubicBezTo>
+                <a:cubicBezTo>
+                  <a:pt x="3801784" y="1403205"/>
+                  <a:pt x="2950726" y="2254263"/>
+                  <a:pt x="1900892" y="2254263"/>
+                </a:cubicBezTo>
+                <a:cubicBezTo>
+                  <a:pt x="851058" y="2254263"/>
+                  <a:pt x="0" y="1403205"/>
+                  <a:pt x="0" y="353371"/>
+                </a:cubicBezTo>
+                <a:cubicBezTo>
+                  <a:pt x="0" y="287757"/>
+                  <a:pt x="3325" y="222918"/>
+                  <a:pt x="9815" y="159016"/>
+                </a:cubicBezTo>
+                <a:close/>
+              </a:path>
+            </a:pathLst>
+          </a:custGeom>
+          <a:solidFill>
+            <a:srgbClr val="FFFFFF"/>
+          </a:solidFill>
+          <a:ln>
+            <a:gradFill>
+              <a:gsLst>
+                <a:gs pos="0">
+                  <a:schemeClr val="accent1">
+                    <a:lumMod val="40000"/>
+                    <a:lumOff val="60000"/>
+                  </a:schemeClr>
+                </a:gs>
+                <a:gs pos="23000">
+                  <a:schemeClr val="accent1">
+                    <a:lumMod val="45000"/>
+                    <a:lumOff val="55000"/>
+                  </a:schemeClr>
+                </a:gs>
+                <a:gs pos="83000">
+                  <a:schemeClr val="bg2">
+                    <a:lumMod val="75000"/>
+                  </a:schemeClr>
+                </a:gs>
+                <a:gs pos="100000">
+                  <a:schemeClr val="bg2">
+                    <a:lumMod val="75000"/>
+                  </a:schemeClr>
+                </a:gs>
+              </a:gsLst>
+              <a:lin ang="5400000" scaled="1"/>
+            </a:gradFill>
+          </a:ln>
+        </p:spPr>
+        <p:style>
+          <a:lnRef idx="2">
+            <a:schemeClr val="accent1">
+              <a:shade val="50000"/>
+            </a:schemeClr>
+          </a:lnRef>
+          <a:fillRef idx="1">
+            <a:schemeClr val="accent1"/>
+          </a:fillRef>
+          <a:effectRef idx="0">
+            <a:schemeClr val="accent1"/>
+          </a:effectRef>
+          <a:fontRef idx="minor">
+            <a:schemeClr val="lt1"/>
+          </a:fontRef>
+        </p:style>
+        <p:txBody>
+          <a:bodyPr wrap="square" rtlCol="0" anchor="ctr">
+            <a:noAutofit/>
+          </a:bodyPr>
+          <a:lstStyle/>
+          <a:p>
+            <a:pPr algn="ctr"/>
+            <a:endParaRPr lang="en-US"/>
+          </a:p>
+        </p:txBody>
+      </p:sp>
+      <p:pic>
+        <p:nvPicPr>
+          <p:cNvPr id="5" name="Picture 4">
+            <a:extLst>
+              <a:ext uri="{FF2B5EF4-FFF2-40B4-BE49-F238E27FC236}">
+                <a16:creationId xmlns:a16="http://schemas.microsoft.com/office/drawing/2014/main" id="{8D439D1E-4E0B-8247-AAE9-39E89C069836}"/>
+              </a:ext>
+            </a:extLst>
+          </p:cNvPr>
+          <p:cNvPicPr>
+            <a:picLocks noChangeAspect="1"/>
+          </p:cNvPicPr>
+          <p:nvPr/>
+        </p:nvPicPr>
+        <p:blipFill>
+          <a:blip r:embed="rId3"/>
+          <a:stretch>
+            <a:fillRect/>
+          </a:stretch>
+        </p:blipFill>
+        <p:spPr>
+          <a:xfrm>
+            <a:off x="7245111" y="626129"/>
+            <a:ext cx="2378315" cy="646902"/>
+          </a:xfrm>
+          <a:prstGeom prst="rect">
+            <a:avLst/>
+          </a:prstGeom>
+        </p:spPr>
+      </p:pic>
+      <p:sp>
+        <p:nvSpPr>
+          <p:cNvPr id="17" name="Freeform 67">
+            <a:extLst>
+              <a:ext uri="{FF2B5EF4-FFF2-40B4-BE49-F238E27FC236}">
+                <a16:creationId xmlns:a16="http://schemas.microsoft.com/office/drawing/2014/main" id="{726FC37F-1DE8-4A19-A1DE-0A2176ED8DD0}"/>
+              </a:ext>
+              <a:ext uri="{C183D7F6-B498-43B3-948B-1728B52AA6E4}">
+                <adec:decorative xmlns:adec="http://schemas.microsoft.com/office/drawing/2017/decorative" val="1"/>
+              </a:ext>
+            </a:extLst>
+          </p:cNvPr>
+          <p:cNvSpPr>
+            <a:spLocks noGrp="1" noRot="1" noChangeAspect="1" noMove="1" noResize="1" noEditPoints="1" noAdjustHandles="1" noChangeArrowheads="1" noChangeShapeType="1" noTextEdit="1"/>
+          </p:cNvSpPr>
+          <p:nvPr>
+            <p:extLst>
+              <p:ext uri="{386F3935-93C4-4BCD-93E2-E3B085C9AB24}">
+                <p16:designElem xmlns:p16="http://schemas.microsoft.com/office/powerpoint/2015/main" val="1"/>
+              </p:ext>
+            </p:extLst>
+          </p:nvPr>
+        </p:nvSpPr>
+        <p:spPr>
+          <a:xfrm>
+            <a:off x="7486728" y="3030547"/>
+            <a:ext cx="4705272" cy="3827453"/>
+          </a:xfrm>
+          <a:custGeom>
+            <a:avLst/>
+            <a:gdLst>
+              <a:gd name="connsiteX0" fmla="*/ 2718646 w 4647408"/>
+              <a:gd name="connsiteY0" fmla="*/ 0 h 3780384"/>
+              <a:gd name="connsiteX1" fmla="*/ 4641019 w 4647408"/>
+              <a:gd name="connsiteY1" fmla="*/ 796273 h 3780384"/>
+              <a:gd name="connsiteX2" fmla="*/ 4647408 w 4647408"/>
+              <a:gd name="connsiteY2" fmla="*/ 803303 h 3780384"/>
+              <a:gd name="connsiteX3" fmla="*/ 4647408 w 4647408"/>
+              <a:gd name="connsiteY3" fmla="*/ 3780384 h 3780384"/>
+              <a:gd name="connsiteX4" fmla="*/ 215340 w 4647408"/>
+              <a:gd name="connsiteY4" fmla="*/ 3780384 h 3780384"/>
+              <a:gd name="connsiteX5" fmla="*/ 213645 w 4647408"/>
+              <a:gd name="connsiteY5" fmla="*/ 3776866 h 3780384"/>
+              <a:gd name="connsiteX6" fmla="*/ 0 w 4647408"/>
+              <a:gd name="connsiteY6" fmla="*/ 2718646 h 3780384"/>
+              <a:gd name="connsiteX7" fmla="*/ 2718646 w 4647408"/>
+              <a:gd name="connsiteY7" fmla="*/ 0 h 3780384"/>
+            </a:gdLst>
+            <a:ahLst/>
+            <a:cxnLst>
+              <a:cxn ang="0">
+                <a:pos x="connsiteX0" y="connsiteY0"/>
+              </a:cxn>
+              <a:cxn ang="0">
+                <a:pos x="connsiteX1" y="connsiteY1"/>
+              </a:cxn>
+              <a:cxn ang="0">
+                <a:pos x="connsiteX2" y="connsiteY2"/>
+              </a:cxn>
+              <a:cxn ang="0">
+                <a:pos x="connsiteX3" y="connsiteY3"/>
+              </a:cxn>
+              <a:cxn ang="0">
+                <a:pos x="connsiteX4" y="connsiteY4"/>
+              </a:cxn>
+              <a:cxn ang="0">
+                <a:pos x="connsiteX5" y="connsiteY5"/>
+              </a:cxn>
+              <a:cxn ang="0">
+                <a:pos x="connsiteX6" y="connsiteY6"/>
+              </a:cxn>
+              <a:cxn ang="0">
+                <a:pos x="connsiteX7" y="connsiteY7"/>
+              </a:cxn>
+            </a:cxnLst>
+            <a:rect l="l" t="t" r="r" b="b"/>
+            <a:pathLst>
+              <a:path w="4647408" h="3780384">
+                <a:moveTo>
+                  <a:pt x="2718646" y="0"/>
+                </a:moveTo>
+                <a:cubicBezTo>
+                  <a:pt x="3469379" y="0"/>
+                  <a:pt x="4149041" y="304295"/>
+                  <a:pt x="4641019" y="796273"/>
+                </a:cubicBezTo>
+                <a:lnTo>
+                  <a:pt x="4647408" y="803303"/>
+                </a:lnTo>
+                <a:lnTo>
+                  <a:pt x="4647408" y="3780384"/>
+                </a:lnTo>
+                <a:lnTo>
+                  <a:pt x="215340" y="3780384"/>
+                </a:lnTo>
+                <a:lnTo>
+                  <a:pt x="213645" y="3776866"/>
+                </a:lnTo>
+                <a:cubicBezTo>
+                  <a:pt x="76074" y="3451612"/>
+                  <a:pt x="0" y="3094013"/>
+                  <a:pt x="0" y="2718646"/>
+                </a:cubicBezTo>
+                <a:cubicBezTo>
+                  <a:pt x="0" y="1217179"/>
+                  <a:pt x="1217179" y="0"/>
+                  <a:pt x="2718646" y="0"/>
+                </a:cubicBezTo>
+                <a:close/>
+              </a:path>
+            </a:pathLst>
+          </a:custGeom>
+          <a:solidFill>
+            <a:srgbClr val="FFFFFF"/>
+          </a:solidFill>
+          <a:ln>
+            <a:gradFill>
+              <a:gsLst>
+                <a:gs pos="0">
+                  <a:schemeClr val="accent1">
+                    <a:lumMod val="40000"/>
+                    <a:lumOff val="60000"/>
+                  </a:schemeClr>
+                </a:gs>
+                <a:gs pos="23000">
+                  <a:schemeClr val="accent1">
+                    <a:lumMod val="45000"/>
+                    <a:lumOff val="55000"/>
+                  </a:schemeClr>
+                </a:gs>
+                <a:gs pos="83000">
+                  <a:schemeClr val="bg2">
+                    <a:lumMod val="75000"/>
+                  </a:schemeClr>
+                </a:gs>
+                <a:gs pos="100000">
+                  <a:schemeClr val="bg2">
+                    <a:lumMod val="75000"/>
+                  </a:schemeClr>
+                </a:gs>
+              </a:gsLst>
+              <a:lin ang="5400000" scaled="1"/>
+            </a:gradFill>
+          </a:ln>
+        </p:spPr>
+        <p:style>
+          <a:lnRef idx="2">
+            <a:schemeClr val="accent1">
+              <a:shade val="50000"/>
+            </a:schemeClr>
+          </a:lnRef>
+          <a:fillRef idx="1">
+            <a:schemeClr val="accent1"/>
+          </a:fillRef>
+          <a:effectRef idx="0">
+            <a:schemeClr val="accent1"/>
+          </a:effectRef>
+          <a:fontRef idx="minor">
+            <a:schemeClr val="lt1"/>
+          </a:fontRef>
+        </p:style>
+        <p:txBody>
+          <a:bodyPr wrap="square" rtlCol="0" anchor="ctr">
+            <a:noAutofit/>
+          </a:bodyPr>
+          <a:lstStyle/>
+          <a:p>
+            <a:pPr algn="ctr"/>
+            <a:endParaRPr lang="en-US"/>
+          </a:p>
+        </p:txBody>
+      </p:sp>
+      <p:pic>
+        <p:nvPicPr>
+          <p:cNvPr id="3" name="Picture 2">
+            <a:extLst>
+              <a:ext uri="{FF2B5EF4-FFF2-40B4-BE49-F238E27FC236}">
+                <a16:creationId xmlns:a16="http://schemas.microsoft.com/office/drawing/2014/main" id="{2E2F2880-12D1-EE43-9D34-336D68D7F2C5}"/>
+              </a:ext>
+            </a:extLst>
+          </p:cNvPr>
+          <p:cNvPicPr>
+            <a:picLocks noChangeAspect="1"/>
+          </p:cNvPicPr>
+          <p:nvPr/>
+        </p:nvPicPr>
+        <p:blipFill>
+          <a:blip r:embed="rId4"/>
+          <a:stretch>
+            <a:fillRect/>
+          </a:stretch>
+        </p:blipFill>
+        <p:spPr>
+          <a:xfrm>
+            <a:off x="8442670" y="4320484"/>
+            <a:ext cx="3421939" cy="1822182"/>
+          </a:xfrm>
+          <a:prstGeom prst="rect">
+            <a:avLst/>
+          </a:prstGeom>
+        </p:spPr>
+      </p:pic>
+    </p:spTree>
+    <p:extLst>
+      <p:ext uri="{BB962C8B-B14F-4D97-AF65-F5344CB8AC3E}">
+        <p14:creationId xmlns:p14="http://schemas.microsoft.com/office/powerpoint/2010/main" val="3004442009"/>
+      </p:ext>
+    </p:extLst>
+  </p:cSld>
+  <p:clrMapOvr>
+    <a:masterClrMapping/>
+  </p:clrMapOvr>
+</p:sld>
+</file>
+
+<file path=ppt/slides/slide5.xml><?xml version="1.0" encoding="utf-8"?>
+<p:sld xmlns:a="http://schemas.openxmlformats.org/drawingml/2006/main" xmlns:r="http://schemas.openxmlformats.org/officeDocument/2006/relationships" xmlns:p="http://schemas.openxmlformats.org/presentationml/2006/main">
+  <p:cSld>
+    <p:bg>
+      <p:bgPr>
+        <a:solidFill>
+          <a:schemeClr val="bg1"/>
+        </a:solidFill>
+        <a:effectLst/>
+      </p:bgPr>
+    </p:bg>
+    <p:spTree>
+      <p:nvGrpSpPr>
+        <p:cNvPr id="1" name=""/>
+        <p:cNvGrpSpPr/>
+        <p:nvPr/>
+      </p:nvGrpSpPr>
+      <p:grpSpPr>
+        <a:xfrm>
+          <a:off x="0" y="0"/>
+          <a:ext cx="0" cy="0"/>
+          <a:chOff x="0" y="0"/>
+          <a:chExt cx="0" cy="0"/>
+        </a:xfrm>
+      </p:grpSpPr>
+      <p:sp>
+        <p:nvSpPr>
+          <p:cNvPr id="15" name="Rectangle 14">
+            <a:extLst>
+              <a:ext uri="{FF2B5EF4-FFF2-40B4-BE49-F238E27FC236}">
+                <a16:creationId xmlns:a16="http://schemas.microsoft.com/office/drawing/2014/main" id="{C6B8CC7F-3622-46E3-9272-E1956397D21B}"/>
+              </a:ext>
+              <a:ext uri="{C183D7F6-B498-43B3-948B-1728B52AA6E4}">
+                <adec:decorative xmlns:adec="http://schemas.microsoft.com/office/drawing/2017/decorative" val="1"/>
+              </a:ext>
+            </a:extLst>
+          </p:cNvPr>
+          <p:cNvSpPr>
+            <a:spLocks noGrp="1" noRot="1" noChangeAspect="1" noMove="1" noResize="1" noEditPoints="1" noAdjustHandles="1" noChangeArrowheads="1" noChangeShapeType="1" noTextEdit="1"/>
+          </p:cNvSpPr>
+          <p:nvPr>
+            <p:extLst>
+              <p:ext uri="{386F3935-93C4-4BCD-93E2-E3B085C9AB24}">
+                <p16:designElem xmlns:p16="http://schemas.microsoft.com/office/powerpoint/2015/main" val="1"/>
+              </p:ext>
+            </p:extLst>
+          </p:nvPr>
+        </p:nvSpPr>
+        <p:spPr>
+          <a:xfrm>
+            <a:off x="1" y="0"/>
+            <a:ext cx="4234905" cy="4562780"/>
+          </a:xfrm>
+          <a:prstGeom prst="rect">
+            <a:avLst/>
+          </a:prstGeom>
+          <a:gradFill>
+            <a:gsLst>
+              <a:gs pos="0">
+                <a:schemeClr val="accent1">
+                  <a:lumMod val="100000"/>
+                  <a:alpha val="82000"/>
+                </a:schemeClr>
+              </a:gs>
+              <a:gs pos="25000">
+                <a:schemeClr val="accent1">
+                  <a:alpha val="60000"/>
+                </a:schemeClr>
+              </a:gs>
+              <a:gs pos="94000">
+                <a:schemeClr val="bg2">
+                  <a:lumMod val="75000"/>
+                </a:schemeClr>
+              </a:gs>
+              <a:gs pos="100000">
+                <a:schemeClr val="bg2">
+                  <a:lumMod val="75000"/>
+                </a:schemeClr>
+              </a:gs>
+            </a:gsLst>
+            <a:lin ang="4200000" scaled="0"/>
+          </a:gradFill>
+          <a:ln>
+            <a:noFill/>
+          </a:ln>
+        </p:spPr>
+        <p:style>
+          <a:lnRef idx="2">
+            <a:schemeClr val="accent1">
+              <a:shade val="50000"/>
+            </a:schemeClr>
+          </a:lnRef>
+          <a:fillRef idx="1">
+            <a:schemeClr val="accent1"/>
+          </a:fillRef>
+          <a:effectRef idx="0">
+            <a:schemeClr val="accent1"/>
+          </a:effectRef>
+          <a:fontRef idx="minor">
+            <a:schemeClr val="lt1"/>
+          </a:fontRef>
+        </p:style>
+        <p:txBody>
+          <a:bodyPr rtlCol="0" anchor="ctr"/>
+          <a:lstStyle/>
+          <a:p>
+            <a:pPr algn="ctr"/>
+            <a:endParaRPr lang="en-US"/>
+          </a:p>
+        </p:txBody>
+      </p:sp>
+      <p:sp>
+        <p:nvSpPr>
+          <p:cNvPr id="17" name="Rectangle 16">
+            <a:extLst>
+              <a:ext uri="{FF2B5EF4-FFF2-40B4-BE49-F238E27FC236}">
+                <a16:creationId xmlns:a16="http://schemas.microsoft.com/office/drawing/2014/main" id="{F3FE55B4-2EE5-4A4A-AD80-1A14F660FEF5}"/>
+              </a:ext>
+              <a:ext uri="{C183D7F6-B498-43B3-948B-1728B52AA6E4}">
+                <adec:decorative xmlns:adec="http://schemas.microsoft.com/office/drawing/2017/decorative" val="1"/>
+              </a:ext>
+            </a:extLst>
+          </p:cNvPr>
+          <p:cNvSpPr>
+            <a:spLocks noGrp="1" noRot="1" noChangeAspect="1" noMove="1" noResize="1" noEditPoints="1" noAdjustHandles="1" noChangeArrowheads="1" noChangeShapeType="1" noTextEdit="1"/>
+          </p:cNvSpPr>
+          <p:nvPr>
+            <p:extLst>
+              <p:ext uri="{386F3935-93C4-4BCD-93E2-E3B085C9AB24}">
+                <p16:designElem xmlns:p16="http://schemas.microsoft.com/office/powerpoint/2015/main" val="1"/>
+              </p:ext>
+            </p:extLst>
+          </p:nvPr>
+        </p:nvSpPr>
+        <p:spPr>
+          <a:xfrm>
+            <a:off x="4234906" y="0"/>
+            <a:ext cx="7956409" cy="6858000"/>
+          </a:xfrm>
+          <a:prstGeom prst="rect">
+            <a:avLst/>
+          </a:prstGeom>
+          <a:gradFill>
+            <a:gsLst>
+              <a:gs pos="0">
+                <a:schemeClr val="accent1">
+                  <a:lumMod val="100000"/>
+                  <a:alpha val="82000"/>
+                </a:schemeClr>
+              </a:gs>
+              <a:gs pos="25000">
+                <a:schemeClr val="accent1">
+                  <a:alpha val="60000"/>
+                </a:schemeClr>
+              </a:gs>
+              <a:gs pos="94000">
+                <a:schemeClr val="bg2">
+                  <a:lumMod val="75000"/>
+                </a:schemeClr>
+              </a:gs>
+              <a:gs pos="100000">
+                <a:schemeClr val="bg2">
+                  <a:lumMod val="75000"/>
+                </a:schemeClr>
+              </a:gs>
+            </a:gsLst>
+            <a:lin ang="4200000" scaled="0"/>
+          </a:gradFill>
+          <a:ln>
+            <a:noFill/>
+          </a:ln>
+        </p:spPr>
+        <p:style>
+          <a:lnRef idx="2">
+            <a:schemeClr val="accent1">
+              <a:shade val="50000"/>
+            </a:schemeClr>
+          </a:lnRef>
+          <a:fillRef idx="1">
+            <a:schemeClr val="accent1"/>
+          </a:fillRef>
+          <a:effectRef idx="0">
+            <a:schemeClr val="accent1"/>
+          </a:effectRef>
+          <a:fontRef idx="minor">
+            <a:schemeClr val="lt1"/>
+          </a:fontRef>
+        </p:style>
+        <p:txBody>
+          <a:bodyPr rtlCol="0" anchor="ctr"/>
+          <a:lstStyle/>
+          <a:p>
+            <a:pPr algn="ctr"/>
+            <a:endParaRPr lang="en-US"/>
+          </a:p>
+        </p:txBody>
+      </p:sp>
+      <p:pic>
+        <p:nvPicPr>
+          <p:cNvPr id="19" name="Picture 18">
+            <a:extLst>
+              <a:ext uri="{FF2B5EF4-FFF2-40B4-BE49-F238E27FC236}">
+                <a16:creationId xmlns:a16="http://schemas.microsoft.com/office/drawing/2014/main" id="{7267E9C1-58F1-46EE-9BBE-108764BF9E2F}"/>
+              </a:ext>
+              <a:ext uri="{C183D7F6-B498-43B3-948B-1728B52AA6E4}">
+                <adec:decorative xmlns:adec="http://schemas.microsoft.com/office/drawing/2017/decorative" val="1"/>
+              </a:ext>
+            </a:extLst>
+          </p:cNvPr>
+          <p:cNvPicPr>
+            <a:picLocks noGrp="1" noRot="1" noChangeAspect="1" noMove="1" noResize="1" noEditPoints="1" noAdjustHandles="1" noChangeArrowheads="1" noChangeShapeType="1" noCrop="1"/>
+          </p:cNvPicPr>
+          <p:nvPr>
+            <p:extLst>
+              <p:ext uri="{386F3935-93C4-4BCD-93E2-E3B085C9AB24}">
+                <p16:designElem xmlns:p16="http://schemas.microsoft.com/office/powerpoint/2015/main" val="1"/>
+              </p:ext>
+            </p:extLst>
+          </p:nvPr>
+        </p:nvPicPr>
+        <p:blipFill>
+          <a:blip r:embed="rId2">
+            <a:extLst>
+              <a:ext uri="{28A0092B-C50C-407E-A947-70E740481C1C}">
+                <a14:useLocalDpi xmlns:a14="http://schemas.microsoft.com/office/drawing/2010/main" val="0"/>
+              </a:ext>
+            </a:extLst>
+          </a:blip>
+          <a:stretch>
+            <a:fillRect/>
+          </a:stretch>
+        </p:blipFill>
+        <p:spPr>
+          <a:xfrm flipH="1">
+            <a:off x="0" y="0"/>
+            <a:ext cx="12192000" cy="6858000"/>
+          </a:xfrm>
+          <a:prstGeom prst="rect">
+            <a:avLst/>
+          </a:prstGeom>
+        </p:spPr>
+      </p:pic>
+      <p:sp>
+        <p:nvSpPr>
+          <p:cNvPr id="6" name="Title 1">
+            <a:extLst>
+              <a:ext uri="{FF2B5EF4-FFF2-40B4-BE49-F238E27FC236}">
+                <a16:creationId xmlns:a16="http://schemas.microsoft.com/office/drawing/2014/main" id="{C2578587-969B-0C43-BA90-4A78F776B849}"/>
+              </a:ext>
+            </a:extLst>
+          </p:cNvPr>
+          <p:cNvSpPr txBox="1">
+            <a:spLocks/>
+          </p:cNvSpPr>
+          <p:nvPr/>
+        </p:nvSpPr>
+        <p:spPr>
+          <a:xfrm>
+            <a:off x="804620" y="5073812"/>
+            <a:ext cx="6331904" cy="1146013"/>
+          </a:xfrm>
+          <a:prstGeom prst="rect">
+            <a:avLst/>
+          </a:prstGeom>
+        </p:spPr>
+        <p:txBody>
+          <a:bodyPr vert="horz" lIns="91440" tIns="45720" rIns="91440" bIns="45720" rtlCol="0" anchor="t">
+            <a:normAutofit/>
+          </a:bodyPr>
+          <a:lstStyle>
+            <a:lvl1pPr algn="l" defTabSz="914400" rtl="0" eaLnBrk="1" latinLnBrk="0" hangingPunct="1">
+              <a:lnSpc>
+                <a:spcPct val="90000"/>
+              </a:lnSpc>
+              <a:spcBef>
+                <a:spcPct val="0"/>
+              </a:spcBef>
+              <a:buNone/>
+              <a:defRPr sz="4400" kern="1200">
+                <a:solidFill>
+                  <a:schemeClr val="tx1"/>
+                </a:solidFill>
+                <a:latin typeface="+mj-lt"/>
+                <a:ea typeface="+mj-ea"/>
+                <a:cs typeface="+mj-cs"/>
+              </a:defRPr>
+            </a:lvl1pPr>
+          </a:lstStyle>
+          <a:p>
+            <a:pPr>
+              <a:spcAft>
+                <a:spcPts val="600"/>
+              </a:spcAft>
+            </a:pPr>
+            <a:r>
+              <a:rPr lang="en-US" sz="3600" kern="1200" dirty="0">
+                <a:solidFill>
+                  <a:srgbClr val="000000"/>
+                </a:solidFill>
+                <a:latin typeface="+mj-lt"/>
+                <a:ea typeface="+mj-ea"/>
+                <a:cs typeface="+mj-cs"/>
+              </a:rPr>
+              <a:t>Selecting Data. Genomes/Work</a:t>
+            </a:r>
+          </a:p>
+        </p:txBody>
+      </p:sp>
+      <p:sp>
+        <p:nvSpPr>
+          <p:cNvPr id="21" name="Freeform: Shape 20">
+            <a:extLst>
+              <a:ext uri="{FF2B5EF4-FFF2-40B4-BE49-F238E27FC236}">
+                <a16:creationId xmlns:a16="http://schemas.microsoft.com/office/drawing/2014/main" id="{F62B8A8C-A996-46DA-AB61-1A4DD707348F}"/>
+              </a:ext>
+              <a:ext uri="{C183D7F6-B498-43B3-948B-1728B52AA6E4}">
+                <adec:decorative xmlns:adec="http://schemas.microsoft.com/office/drawing/2017/decorative" val="1"/>
+              </a:ext>
+            </a:extLst>
+          </p:cNvPr>
+          <p:cNvSpPr>
+            <a:spLocks noGrp="1" noRot="1" noChangeAspect="1" noMove="1" noResize="1" noEditPoints="1" noAdjustHandles="1" noChangeArrowheads="1" noChangeShapeType="1" noTextEdit="1"/>
+          </p:cNvSpPr>
+          <p:nvPr>
+            <p:extLst>
+              <p:ext uri="{386F3935-93C4-4BCD-93E2-E3B085C9AB24}">
+                <p16:designElem xmlns:p16="http://schemas.microsoft.com/office/powerpoint/2015/main" val="1"/>
+              </p:ext>
+            </p:extLst>
+          </p:nvPr>
+        </p:nvSpPr>
+        <p:spPr>
+          <a:xfrm>
+            <a:off x="-684" y="2"/>
+            <a:ext cx="3799103" cy="3822917"/>
+          </a:xfrm>
+          <a:custGeom>
+            <a:avLst/>
+            <a:gdLst>
+              <a:gd name="connsiteX0" fmla="*/ 370922 w 3799103"/>
+              <a:gd name="connsiteY0" fmla="*/ 0 h 3822917"/>
+              <a:gd name="connsiteX1" fmla="*/ 2961741 w 3799103"/>
+              <a:gd name="connsiteY1" fmla="*/ 0 h 3822917"/>
+              <a:gd name="connsiteX2" fmla="*/ 3023310 w 3799103"/>
+              <a:gd name="connsiteY2" fmla="*/ 46041 h 3822917"/>
+              <a:gd name="connsiteX3" fmla="*/ 3799103 w 3799103"/>
+              <a:gd name="connsiteY3" fmla="*/ 1691074 h 3822917"/>
+              <a:gd name="connsiteX4" fmla="*/ 1667260 w 3799103"/>
+              <a:gd name="connsiteY4" fmla="*/ 3822917 h 3822917"/>
+              <a:gd name="connsiteX5" fmla="*/ 22227 w 3799103"/>
+              <a:gd name="connsiteY5" fmla="*/ 3047124 h 3822917"/>
+              <a:gd name="connsiteX6" fmla="*/ 0 w 3799103"/>
+              <a:gd name="connsiteY6" fmla="*/ 3017401 h 3822917"/>
+              <a:gd name="connsiteX7" fmla="*/ 0 w 3799103"/>
+              <a:gd name="connsiteY7" fmla="*/ 364747 h 3822917"/>
+              <a:gd name="connsiteX8" fmla="*/ 22227 w 3799103"/>
+              <a:gd name="connsiteY8" fmla="*/ 335024 h 3822917"/>
+              <a:gd name="connsiteX9" fmla="*/ 351088 w 3799103"/>
+              <a:gd name="connsiteY9" fmla="*/ 13924 h 3822917"/>
+            </a:gdLst>
+            <a:ahLst/>
+            <a:cxnLst>
+              <a:cxn ang="0">
+                <a:pos x="connsiteX0" y="connsiteY0"/>
+              </a:cxn>
+              <a:cxn ang="0">
+                <a:pos x="connsiteX1" y="connsiteY1"/>
+              </a:cxn>
+              <a:cxn ang="0">
+                <a:pos x="connsiteX2" y="connsiteY2"/>
+              </a:cxn>
+              <a:cxn ang="0">
+                <a:pos x="connsiteX3" y="connsiteY3"/>
+              </a:cxn>
+              <a:cxn ang="0">
+                <a:pos x="connsiteX4" y="connsiteY4"/>
+              </a:cxn>
+              <a:cxn ang="0">
+                <a:pos x="connsiteX5" y="connsiteY5"/>
+              </a:cxn>
+              <a:cxn ang="0">
+                <a:pos x="connsiteX6" y="connsiteY6"/>
+              </a:cxn>
+              <a:cxn ang="0">
+                <a:pos x="connsiteX7" y="connsiteY7"/>
+              </a:cxn>
+              <a:cxn ang="0">
+                <a:pos x="connsiteX8" y="connsiteY8"/>
+              </a:cxn>
+              <a:cxn ang="0">
+                <a:pos x="connsiteX9" y="connsiteY9"/>
+              </a:cxn>
+            </a:cxnLst>
+            <a:rect l="l" t="t" r="r" b="b"/>
+            <a:pathLst>
+              <a:path w="3799103" h="3822917">
+                <a:moveTo>
+                  <a:pt x="370922" y="0"/>
+                </a:moveTo>
+                <a:lnTo>
+                  <a:pt x="2961741" y="0"/>
+                </a:lnTo>
+                <a:lnTo>
+                  <a:pt x="3023310" y="46041"/>
+                </a:lnTo>
+                <a:cubicBezTo>
+                  <a:pt x="3497106" y="437052"/>
+                  <a:pt x="3799103" y="1028796"/>
+                  <a:pt x="3799103" y="1691074"/>
+                </a:cubicBezTo>
+                <a:cubicBezTo>
+                  <a:pt x="3799103" y="2868458"/>
+                  <a:pt x="2844644" y="3822917"/>
+                  <a:pt x="1667260" y="3822917"/>
+                </a:cubicBezTo>
+                <a:cubicBezTo>
+                  <a:pt x="1004982" y="3822917"/>
+                  <a:pt x="413238" y="3520920"/>
+                  <a:pt x="22227" y="3047124"/>
+                </a:cubicBezTo>
+                <a:lnTo>
+                  <a:pt x="0" y="3017401"/>
+                </a:lnTo>
+                <a:lnTo>
+                  <a:pt x="0" y="364747"/>
+                </a:lnTo>
+                <a:lnTo>
+                  <a:pt x="22227" y="335024"/>
+                </a:lnTo>
+                <a:cubicBezTo>
+                  <a:pt x="119980" y="216575"/>
+                  <a:pt x="230278" y="108864"/>
+                  <a:pt x="351088" y="13924"/>
+                </a:cubicBezTo>
+                <a:close/>
+              </a:path>
+            </a:pathLst>
+          </a:custGeom>
+          <a:solidFill>
+            <a:srgbClr val="FFFFFF"/>
+          </a:solidFill>
+          <a:ln>
+            <a:noFill/>
+          </a:ln>
+        </p:spPr>
+        <p:style>
+          <a:lnRef idx="2">
+            <a:schemeClr val="accent1">
+              <a:shade val="50000"/>
+            </a:schemeClr>
+          </a:lnRef>
+          <a:fillRef idx="1">
+            <a:schemeClr val="accent1"/>
+          </a:fillRef>
+          <a:effectRef idx="0">
+            <a:schemeClr val="accent1"/>
+          </a:effectRef>
+          <a:fontRef idx="minor">
+            <a:schemeClr val="lt1"/>
+          </a:fontRef>
+        </p:style>
+        <p:txBody>
+          <a:bodyPr wrap="square" rtlCol="0" anchor="ctr">
+            <a:noAutofit/>
+          </a:bodyPr>
+          <a:lstStyle/>
+          <a:p>
+            <a:pPr algn="ctr"/>
+            <a:endParaRPr lang="en-US"/>
+          </a:p>
+        </p:txBody>
+      </p:sp>
+      <p:pic>
+        <p:nvPicPr>
+          <p:cNvPr id="10" name="Picture 9">
+            <a:extLst>
+              <a:ext uri="{FF2B5EF4-FFF2-40B4-BE49-F238E27FC236}">
+                <a16:creationId xmlns:a16="http://schemas.microsoft.com/office/drawing/2014/main" id="{EC30BDB9-5E37-C148-957A-E398183E8E4F}"/>
+              </a:ext>
+            </a:extLst>
+          </p:cNvPr>
+          <p:cNvPicPr>
+            <a:picLocks noChangeAspect="1"/>
+          </p:cNvPicPr>
+          <p:nvPr/>
+        </p:nvPicPr>
+        <p:blipFill>
+          <a:blip r:embed="rId3"/>
+          <a:stretch>
+            <a:fillRect/>
+          </a:stretch>
+        </p:blipFill>
+        <p:spPr>
+          <a:xfrm>
+            <a:off x="563075" y="324353"/>
+            <a:ext cx="2235633" cy="2760041"/>
+          </a:xfrm>
+          <a:prstGeom prst="rect">
+            <a:avLst/>
+          </a:prstGeom>
+        </p:spPr>
+      </p:pic>
+      <p:sp>
+        <p:nvSpPr>
+          <p:cNvPr id="23" name="Freeform 63">
+            <a:extLst>
+              <a:ext uri="{FF2B5EF4-FFF2-40B4-BE49-F238E27FC236}">
+                <a16:creationId xmlns:a16="http://schemas.microsoft.com/office/drawing/2014/main" id="{F429BE5F-6DE0-4144-A557-3BE62DC2D816}"/>
+              </a:ext>
+              <a:ext uri="{C183D7F6-B498-43B3-948B-1728B52AA6E4}">
+                <adec:decorative xmlns:adec="http://schemas.microsoft.com/office/drawing/2017/decorative" val="1"/>
+              </a:ext>
+            </a:extLst>
+          </p:cNvPr>
+          <p:cNvSpPr>
+            <a:spLocks noGrp="1" noRot="1" noChangeAspect="1" noMove="1" noResize="1" noEditPoints="1" noAdjustHandles="1" noChangeArrowheads="1" noChangeShapeType="1" noTextEdit="1"/>
+          </p:cNvSpPr>
+          <p:nvPr>
+            <p:extLst>
+              <p:ext uri="{386F3935-93C4-4BCD-93E2-E3B085C9AB24}">
+                <p16:designElem xmlns:p16="http://schemas.microsoft.com/office/powerpoint/2015/main" val="1"/>
+              </p:ext>
+            </p:extLst>
+          </p:nvPr>
+        </p:nvSpPr>
+        <p:spPr>
+          <a:xfrm>
+            <a:off x="7881589" y="2057400"/>
+            <a:ext cx="4310411" cy="4800600"/>
+          </a:xfrm>
+          <a:custGeom>
+            <a:avLst/>
+            <a:gdLst>
+              <a:gd name="connsiteX0" fmla="*/ 2631284 w 4180773"/>
+              <a:gd name="connsiteY0" fmla="*/ 0 h 4656219"/>
+              <a:gd name="connsiteX1" fmla="*/ 4102460 w 4180773"/>
+              <a:gd name="connsiteY1" fmla="*/ 449382 h 4656219"/>
+              <a:gd name="connsiteX2" fmla="*/ 4180773 w 4180773"/>
+              <a:gd name="connsiteY2" fmla="*/ 507944 h 4656219"/>
+              <a:gd name="connsiteX3" fmla="*/ 4180773 w 4180773"/>
+              <a:gd name="connsiteY3" fmla="*/ 4656219 h 4656219"/>
+              <a:gd name="connsiteX4" fmla="*/ 951501 w 4180773"/>
+              <a:gd name="connsiteY4" fmla="*/ 4656219 h 4656219"/>
+              <a:gd name="connsiteX5" fmla="*/ 770685 w 4180773"/>
+              <a:gd name="connsiteY5" fmla="*/ 4491883 h 4656219"/>
+              <a:gd name="connsiteX6" fmla="*/ 0 w 4180773"/>
+              <a:gd name="connsiteY6" fmla="*/ 2631284 h 4656219"/>
+              <a:gd name="connsiteX7" fmla="*/ 2631284 w 4180773"/>
+              <a:gd name="connsiteY7" fmla="*/ 0 h 4656219"/>
+            </a:gdLst>
+            <a:ahLst/>
+            <a:cxnLst>
+              <a:cxn ang="0">
+                <a:pos x="connsiteX0" y="connsiteY0"/>
+              </a:cxn>
+              <a:cxn ang="0">
+                <a:pos x="connsiteX1" y="connsiteY1"/>
+              </a:cxn>
+              <a:cxn ang="0">
+                <a:pos x="connsiteX2" y="connsiteY2"/>
+              </a:cxn>
+              <a:cxn ang="0">
+                <a:pos x="connsiteX3" y="connsiteY3"/>
+              </a:cxn>
+              <a:cxn ang="0">
+                <a:pos x="connsiteX4" y="connsiteY4"/>
+              </a:cxn>
+              <a:cxn ang="0">
+                <a:pos x="connsiteX5" y="connsiteY5"/>
+              </a:cxn>
+              <a:cxn ang="0">
+                <a:pos x="connsiteX6" y="connsiteY6"/>
+              </a:cxn>
+              <a:cxn ang="0">
+                <a:pos x="connsiteX7" y="connsiteY7"/>
+              </a:cxn>
+            </a:cxnLst>
+            <a:rect l="l" t="t" r="r" b="b"/>
+            <a:pathLst>
+              <a:path w="4180773" h="4656219">
+                <a:moveTo>
+                  <a:pt x="2631284" y="0"/>
+                </a:moveTo>
+                <a:cubicBezTo>
+                  <a:pt x="3176241" y="0"/>
+                  <a:pt x="3682504" y="165666"/>
+                  <a:pt x="4102460" y="449382"/>
+                </a:cubicBezTo>
+                <a:lnTo>
+                  <a:pt x="4180773" y="507944"/>
+                </a:lnTo>
+                <a:lnTo>
+                  <a:pt x="4180773" y="4656219"/>
+                </a:lnTo>
+                <a:lnTo>
+                  <a:pt x="951501" y="4656219"/>
+                </a:lnTo>
+                <a:lnTo>
+                  <a:pt x="770685" y="4491883"/>
+                </a:lnTo>
+                <a:cubicBezTo>
+                  <a:pt x="294517" y="4015714"/>
+                  <a:pt x="0" y="3357893"/>
+                  <a:pt x="0" y="2631284"/>
+                </a:cubicBezTo>
+                <a:cubicBezTo>
+                  <a:pt x="0" y="1178066"/>
+                  <a:pt x="1178066" y="0"/>
+                  <a:pt x="2631284" y="0"/>
+                </a:cubicBezTo>
+                <a:close/>
+              </a:path>
+            </a:pathLst>
+          </a:custGeom>
+          <a:solidFill>
+            <a:srgbClr val="FFFFFF"/>
+          </a:solidFill>
+          <a:ln>
+            <a:gradFill>
+              <a:gsLst>
+                <a:gs pos="0">
+                  <a:schemeClr val="accent1">
+                    <a:lumMod val="40000"/>
+                    <a:lumOff val="60000"/>
+                  </a:schemeClr>
+                </a:gs>
+                <a:gs pos="23000">
+                  <a:schemeClr val="accent1">
+                    <a:lumMod val="45000"/>
+                    <a:lumOff val="55000"/>
+                  </a:schemeClr>
+                </a:gs>
+                <a:gs pos="83000">
+                  <a:schemeClr val="bg2">
+                    <a:lumMod val="75000"/>
+                  </a:schemeClr>
+                </a:gs>
+                <a:gs pos="100000">
+                  <a:schemeClr val="bg2">
+                    <a:lumMod val="75000"/>
+                  </a:schemeClr>
+                </a:gs>
+              </a:gsLst>
+              <a:lin ang="5400000" scaled="1"/>
+            </a:gradFill>
+          </a:ln>
+        </p:spPr>
+        <p:style>
+          <a:lnRef idx="2">
+            <a:schemeClr val="accent1">
+              <a:shade val="50000"/>
+            </a:schemeClr>
+          </a:lnRef>
+          <a:fillRef idx="1">
+            <a:schemeClr val="accent1"/>
+          </a:fillRef>
+          <a:effectRef idx="0">
+            <a:schemeClr val="accent1"/>
+          </a:effectRef>
+          <a:fontRef idx="minor">
+            <a:schemeClr val="lt1"/>
+          </a:fontRef>
+        </p:style>
+        <p:txBody>
+          <a:bodyPr wrap="square" rtlCol="0" anchor="ctr">
+            <a:noAutofit/>
+          </a:bodyPr>
+          <a:lstStyle/>
+          <a:p>
+            <a:pPr algn="ctr"/>
+            <a:endParaRPr lang="en-US"/>
+          </a:p>
+        </p:txBody>
+      </p:sp>
+      <p:sp>
+        <p:nvSpPr>
+          <p:cNvPr id="25" name="Freeform: Shape 24">
+            <a:extLst>
+              <a:ext uri="{FF2B5EF4-FFF2-40B4-BE49-F238E27FC236}">
+                <a16:creationId xmlns:a16="http://schemas.microsoft.com/office/drawing/2014/main" id="{CE1EFC02-FB03-4241-83C8-4FBA4CAD6570}"/>
+              </a:ext>
+              <a:ext uri="{C183D7F6-B498-43B3-948B-1728B52AA6E4}">
+                <adec:decorative xmlns:adec="http://schemas.microsoft.com/office/drawing/2017/decorative" val="1"/>
+              </a:ext>
+            </a:extLst>
+          </p:cNvPr>
+          <p:cNvSpPr>
+            <a:spLocks noGrp="1" noRot="1" noChangeAspect="1" noMove="1" noResize="1" noEditPoints="1" noAdjustHandles="1" noChangeArrowheads="1" noChangeShapeType="1" noTextEdit="1"/>
+          </p:cNvSpPr>
+          <p:nvPr>
+            <p:extLst>
+              <p:ext uri="{386F3935-93C4-4BCD-93E2-E3B085C9AB24}">
+                <p16:designElem xmlns:p16="http://schemas.microsoft.com/office/powerpoint/2015/main" val="1"/>
+              </p:ext>
+            </p:extLst>
+          </p:nvPr>
+        </p:nvSpPr>
+        <p:spPr>
+          <a:xfrm>
+            <a:off x="4497624" y="0"/>
+            <a:ext cx="3383280" cy="2942512"/>
+          </a:xfrm>
+          <a:custGeom>
+            <a:avLst/>
+            <a:gdLst>
+              <a:gd name="connsiteX0" fmla="*/ 555657 w 3383280"/>
+              <a:gd name="connsiteY0" fmla="*/ 0 h 2942512"/>
+              <a:gd name="connsiteX1" fmla="*/ 2827623 w 3383280"/>
+              <a:gd name="connsiteY1" fmla="*/ 0 h 2942512"/>
+              <a:gd name="connsiteX2" fmla="*/ 2887810 w 3383280"/>
+              <a:gd name="connsiteY2" fmla="*/ 54702 h 2942512"/>
+              <a:gd name="connsiteX3" fmla="*/ 3383280 w 3383280"/>
+              <a:gd name="connsiteY3" fmla="*/ 1250872 h 2942512"/>
+              <a:gd name="connsiteX4" fmla="*/ 1691640 w 3383280"/>
+              <a:gd name="connsiteY4" fmla="*/ 2942512 h 2942512"/>
+              <a:gd name="connsiteX5" fmla="*/ 0 w 3383280"/>
+              <a:gd name="connsiteY5" fmla="*/ 1250872 h 2942512"/>
+              <a:gd name="connsiteX6" fmla="*/ 495470 w 3383280"/>
+              <a:gd name="connsiteY6" fmla="*/ 54702 h 2942512"/>
+            </a:gdLst>
+            <a:ahLst/>
+            <a:cxnLst>
+              <a:cxn ang="0">
+                <a:pos x="connsiteX0" y="connsiteY0"/>
+              </a:cxn>
+              <a:cxn ang="0">
+                <a:pos x="connsiteX1" y="connsiteY1"/>
+              </a:cxn>
+              <a:cxn ang="0">
+                <a:pos x="connsiteX2" y="connsiteY2"/>
+              </a:cxn>
+              <a:cxn ang="0">
+                <a:pos x="connsiteX3" y="connsiteY3"/>
+              </a:cxn>
+              <a:cxn ang="0">
+                <a:pos x="connsiteX4" y="connsiteY4"/>
+              </a:cxn>
+              <a:cxn ang="0">
+                <a:pos x="connsiteX5" y="connsiteY5"/>
+              </a:cxn>
+              <a:cxn ang="0">
+                <a:pos x="connsiteX6" y="connsiteY6"/>
+              </a:cxn>
+            </a:cxnLst>
+            <a:rect l="l" t="t" r="r" b="b"/>
+            <a:pathLst>
+              <a:path w="3383280" h="2942512">
+                <a:moveTo>
+                  <a:pt x="555657" y="0"/>
+                </a:moveTo>
+                <a:lnTo>
+                  <a:pt x="2827623" y="0"/>
+                </a:lnTo>
+                <a:lnTo>
+                  <a:pt x="2887810" y="54702"/>
+                </a:lnTo>
+                <a:cubicBezTo>
+                  <a:pt x="3193937" y="360829"/>
+                  <a:pt x="3383280" y="783739"/>
+                  <a:pt x="3383280" y="1250872"/>
+                </a:cubicBezTo>
+                <a:cubicBezTo>
+                  <a:pt x="3383280" y="2185139"/>
+                  <a:pt x="2625907" y="2942512"/>
+                  <a:pt x="1691640" y="2942512"/>
+                </a:cubicBezTo>
+                <a:cubicBezTo>
+                  <a:pt x="757373" y="2942512"/>
+                  <a:pt x="0" y="2185139"/>
+                  <a:pt x="0" y="1250872"/>
+                </a:cubicBezTo>
+                <a:cubicBezTo>
+                  <a:pt x="0" y="783739"/>
+                  <a:pt x="189344" y="360829"/>
+                  <a:pt x="495470" y="54702"/>
+                </a:cubicBezTo>
+                <a:close/>
+              </a:path>
+            </a:pathLst>
+          </a:custGeom>
+          <a:solidFill>
+            <a:srgbClr val="FFFFFF"/>
+          </a:solidFill>
+          <a:ln>
+            <a:gradFill>
+              <a:gsLst>
+                <a:gs pos="0">
+                  <a:schemeClr val="accent1">
+                    <a:lumMod val="40000"/>
+                    <a:lumOff val="60000"/>
+                  </a:schemeClr>
+                </a:gs>
+                <a:gs pos="23000">
+                  <a:schemeClr val="accent1">
+                    <a:lumMod val="45000"/>
+                    <a:lumOff val="55000"/>
+                  </a:schemeClr>
+                </a:gs>
+                <a:gs pos="83000">
+                  <a:schemeClr val="bg2">
+                    <a:lumMod val="75000"/>
+                  </a:schemeClr>
+                </a:gs>
+                <a:gs pos="100000">
+                  <a:schemeClr val="bg2">
+                    <a:lumMod val="75000"/>
+                  </a:schemeClr>
+                </a:gs>
+              </a:gsLst>
+              <a:lin ang="5400000" scaled="1"/>
+            </a:gradFill>
+          </a:ln>
+        </p:spPr>
+        <p:style>
+          <a:lnRef idx="2">
+            <a:schemeClr val="accent1">
+              <a:shade val="50000"/>
+            </a:schemeClr>
+          </a:lnRef>
+          <a:fillRef idx="1">
+            <a:schemeClr val="accent1"/>
+          </a:fillRef>
+          <a:effectRef idx="0">
+            <a:schemeClr val="accent1"/>
+          </a:effectRef>
+          <a:fontRef idx="minor">
+            <a:schemeClr val="lt1"/>
+          </a:fontRef>
+        </p:style>
+        <p:txBody>
+          <a:bodyPr wrap="square" rtlCol="0" anchor="ctr">
+            <a:noAutofit/>
+          </a:bodyPr>
+          <a:lstStyle/>
+          <a:p>
+            <a:pPr algn="ctr"/>
+            <a:endParaRPr lang="en-US"/>
+          </a:p>
+        </p:txBody>
+      </p:sp>
+      <p:pic>
+        <p:nvPicPr>
+          <p:cNvPr id="4" name="Picture 3">
+            <a:extLst>
+              <a:ext uri="{FF2B5EF4-FFF2-40B4-BE49-F238E27FC236}">
+                <a16:creationId xmlns:a16="http://schemas.microsoft.com/office/drawing/2014/main" id="{EC23AD9A-EAE3-6949-B37E-59838A89A2A4}"/>
+              </a:ext>
+            </a:extLst>
+          </p:cNvPr>
+          <p:cNvPicPr>
+            <a:picLocks noChangeAspect="1"/>
+          </p:cNvPicPr>
+          <p:nvPr/>
+        </p:nvPicPr>
+        <p:blipFill>
+          <a:blip r:embed="rId4"/>
+          <a:stretch>
+            <a:fillRect/>
+          </a:stretch>
+        </p:blipFill>
+        <p:spPr>
+          <a:xfrm>
+            <a:off x="5006561" y="914993"/>
+            <a:ext cx="2365405" cy="839718"/>
+          </a:xfrm>
+          <a:prstGeom prst="rect">
+            <a:avLst/>
+          </a:prstGeom>
+        </p:spPr>
+      </p:pic>
+      <p:pic>
+        <p:nvPicPr>
+          <p:cNvPr id="8" name="Picture 7">
+            <a:extLst>
+              <a:ext uri="{FF2B5EF4-FFF2-40B4-BE49-F238E27FC236}">
+                <a16:creationId xmlns:a16="http://schemas.microsoft.com/office/drawing/2014/main" id="{E1D37B90-EF0D-5849-A70C-DA472BEAA95B}"/>
+              </a:ext>
+            </a:extLst>
+          </p:cNvPr>
+          <p:cNvPicPr>
+            <a:picLocks noChangeAspect="1"/>
+          </p:cNvPicPr>
+          <p:nvPr/>
+        </p:nvPicPr>
+        <p:blipFill>
+          <a:blip r:embed="rId5"/>
+          <a:stretch>
+            <a:fillRect/>
+          </a:stretch>
+        </p:blipFill>
+        <p:spPr>
+          <a:xfrm>
+            <a:off x="8704899" y="4220345"/>
+            <a:ext cx="3217333" cy="1206499"/>
+          </a:xfrm>
+          <a:prstGeom prst="rect">
+            <a:avLst/>
+          </a:prstGeom>
+        </p:spPr>
+      </p:pic>
+    </p:spTree>
+    <p:extLst>
+      <p:ext uri="{BB962C8B-B14F-4D97-AF65-F5344CB8AC3E}">
+        <p14:creationId xmlns:p14="http://schemas.microsoft.com/office/powerpoint/2010/main" val="566553792"/>
+      </p:ext>
+    </p:extLst>
+  </p:cSld>
+  <p:clrMapOvr>
+    <a:masterClrMapping/>
+  </p:clrMapOvr>
+</p:sld>
+</file>
+
+<file path=ppt/slides/slide6.xml><?xml version="1.0" encoding="utf-8"?>
+<p:sld xmlns:a="http://schemas.openxmlformats.org/drawingml/2006/main" xmlns:r="http://schemas.openxmlformats.org/officeDocument/2006/relationships" xmlns:p="http://schemas.openxmlformats.org/presentationml/2006/main">
+  <p:cSld>
+    <p:bg>
+      <p:bgPr>
+        <a:solidFill>
+          <a:schemeClr val="bg1"/>
+        </a:solidFill>
+        <a:effectLst/>
+      </p:bgPr>
+    </p:bg>
+    <p:spTree>
+      <p:nvGrpSpPr>
+        <p:cNvPr id="1" name=""/>
+        <p:cNvGrpSpPr/>
+        <p:nvPr/>
+      </p:nvGrpSpPr>
+      <p:grpSpPr>
+        <a:xfrm>
+          <a:off x="0" y="0"/>
+          <a:ext cx="0" cy="0"/>
+          <a:chOff x="0" y="0"/>
+          <a:chExt cx="0" cy="0"/>
+        </a:xfrm>
+      </p:grpSpPr>
+      <p:sp>
+        <p:nvSpPr>
+          <p:cNvPr id="2" name="Title 1">
+            <a:extLst>
+              <a:ext uri="{FF2B5EF4-FFF2-40B4-BE49-F238E27FC236}">
+                <a16:creationId xmlns:a16="http://schemas.microsoft.com/office/drawing/2014/main" id="{C2340A01-7FA7-384D-8324-2129F1F225F2}"/>
+              </a:ext>
+            </a:extLst>
+          </p:cNvPr>
+          <p:cNvSpPr>
+            <a:spLocks noGrp="1"/>
+          </p:cNvSpPr>
+          <p:nvPr>
+            <p:ph type="title"/>
+          </p:nvPr>
+        </p:nvSpPr>
+        <p:spPr/>
+        <p:txBody>
+          <a:bodyPr vert="horz" lIns="91440" tIns="45720" rIns="91440" bIns="45720" rtlCol="0" anchor="ctr">
+            <a:normAutofit/>
+          </a:bodyPr>
+          <a:lstStyle/>
+          <a:p>
+            <a:r>
+              <a:rPr lang="en-US" sz="6600" kern="1200" dirty="0">
+                <a:latin typeface="+mj-lt"/>
+                <a:ea typeface="+mj-ea"/>
+                <a:cs typeface="+mj-cs"/>
+              </a:rPr>
+              <a:t>Which Species Do We Study?</a:t>
+            </a:r>
+          </a:p>
+        </p:txBody>
+      </p:sp>
+      <p:sp>
+        <p:nvSpPr>
+          <p:cNvPr id="4" name="Text Placeholder 3">
+            <a:extLst>
+              <a:ext uri="{FF2B5EF4-FFF2-40B4-BE49-F238E27FC236}">
+                <a16:creationId xmlns:a16="http://schemas.microsoft.com/office/drawing/2014/main" id="{C3AA0EDD-B70C-AF48-8C32-C01E793234D4}"/>
+              </a:ext>
+            </a:extLst>
+          </p:cNvPr>
+          <p:cNvSpPr>
+            <a:spLocks noGrp="1"/>
+          </p:cNvSpPr>
+          <p:nvPr>
+            <p:ph type="body" idx="1"/>
+          </p:nvPr>
+        </p:nvSpPr>
+        <p:spPr/>
+        <p:txBody>
+          <a:bodyPr/>
+          <a:lstStyle/>
+          <a:p>
+            <a:endParaRPr lang="en-US"/>
+          </a:p>
+        </p:txBody>
+      </p:sp>
+    </p:spTree>
+    <p:extLst>
+      <p:ext uri="{BB962C8B-B14F-4D97-AF65-F5344CB8AC3E}">
+        <p14:creationId xmlns:p14="http://schemas.microsoft.com/office/powerpoint/2010/main" val="3281563686"/>
+      </p:ext>
+    </p:extLst>
+  </p:cSld>
+  <p:clrMapOvr>
+    <a:masterClrMapping/>
+  </p:clrMapOvr>
+</p:sld>
+</file>
+
+<file path=ppt/slides/slide7.xml><?xml version="1.0" encoding="utf-8"?>
+<p:sld xmlns:a="http://schemas.openxmlformats.org/drawingml/2006/main" xmlns:r="http://schemas.openxmlformats.org/officeDocument/2006/relationships" xmlns:p="http://schemas.openxmlformats.org/presentationml/2006/main">
+  <p:cSld>
+    <p:bg>
+      <p:bgPr>
+        <a:solidFill>
+          <a:schemeClr val="bg1"/>
+        </a:solidFill>
+        <a:effectLst/>
+      </p:bgPr>
+    </p:bg>
+    <p:spTree>
+      <p:nvGrpSpPr>
+        <p:cNvPr id="1" name=""/>
+        <p:cNvGrpSpPr/>
+        <p:nvPr/>
+      </p:nvGrpSpPr>
+      <p:grpSpPr>
+        <a:xfrm>
+          <a:off x="0" y="0"/>
+          <a:ext cx="0" cy="0"/>
+          <a:chOff x="0" y="0"/>
+          <a:chExt cx="0" cy="0"/>
+        </a:xfrm>
+      </p:grpSpPr>
+      <p:pic>
+        <p:nvPicPr>
+          <p:cNvPr id="7" name="Content Placeholder 6">
+            <a:extLst>
+              <a:ext uri="{FF2B5EF4-FFF2-40B4-BE49-F238E27FC236}">
+                <a16:creationId xmlns:a16="http://schemas.microsoft.com/office/drawing/2014/main" id="{FD9BD2D1-84E0-F745-B216-42C44953F95D}"/>
+              </a:ext>
+            </a:extLst>
+          </p:cNvPr>
+          <p:cNvPicPr>
+            <a:picLocks noGrp="1" noChangeAspect="1"/>
+          </p:cNvPicPr>
+          <p:nvPr>
+            <p:ph idx="1"/>
+          </p:nvPr>
+        </p:nvPicPr>
+        <p:blipFill rotWithShape="1">
+          <a:blip r:embed="rId3"/>
+          <a:srcRect t="3261" b="24159"/>
+          <a:stretch/>
+        </p:blipFill>
+        <p:spPr>
+          <a:xfrm>
+            <a:off x="20" y="10"/>
+            <a:ext cx="12191980" cy="6857990"/>
+          </a:xfrm>
+          <a:prstGeom prst="rect">
+            <a:avLst/>
+          </a:prstGeom>
+        </p:spPr>
+      </p:pic>
+    </p:spTree>
+    <p:extLst>
+      <p:ext uri="{BB962C8B-B14F-4D97-AF65-F5344CB8AC3E}">
+        <p14:creationId xmlns:p14="http://schemas.microsoft.com/office/powerpoint/2010/main" val="1609195325"/>
+      </p:ext>
+    </p:extLst>
+  </p:cSld>
+  <p:clrMapOvr>
+    <a:masterClrMapping/>
+  </p:clrMapOvr>
+</p:sld>
+</file>
+
+<file path=ppt/slides/slide8.xml><?xml version="1.0" encoding="utf-8"?>
 <p:sld xmlns:a="http://schemas.openxmlformats.org/drawingml/2006/main" xmlns:r="http://schemas.openxmlformats.org/officeDocument/2006/relationships" xmlns:p="http://schemas.openxmlformats.org/presentationml/2006/main">
   <p:cSld>
     <p:spTree>
@@ -4877,7 +9524,7 @@
           <p:cNvPr id="2" name="Title 1">
             <a:extLst>
               <a:ext uri="{FF2B5EF4-FFF2-40B4-BE49-F238E27FC236}">
-                <a16:creationId xmlns:a16="http://schemas.microsoft.com/office/drawing/2014/main" id="{6FCEDDC2-C504-D749-95DA-E75117A94ACB}"/>
+                <a16:creationId xmlns:a16="http://schemas.microsoft.com/office/drawing/2014/main" id="{23ECA1DF-DB4C-384D-ADEC-1431BEABC6A3}"/>
               </a:ext>
             </a:extLst>
           </p:cNvPr>
@@ -4888,52 +9535,57 @@
             <p:ph type="title"/>
           </p:nvPr>
         </p:nvSpPr>
-        <p:spPr/>
+        <p:spPr>
+          <a:xfrm>
+            <a:off x="838200" y="365125"/>
+            <a:ext cx="10515600" cy="1325563"/>
+          </a:xfrm>
+        </p:spPr>
         <p:txBody>
           <a:bodyPr/>
           <a:lstStyle/>
           <a:p>
             <a:r>
-              <a:rPr lang="en-US" dirty="0"/>
-              <a:t>Which (Arthropod</a:t>
-            </a:r>
-            <a:r>
-              <a:rPr lang="en-US" baseline="0" dirty="0"/>
-              <a:t>) Species Do We Prioritize?</a:t>
+              <a:rPr lang="en-US"/>
+              <a:t>Which Species Do We Study?</a:t>
             </a:r>
             <a:endParaRPr lang="en-US" dirty="0"/>
           </a:p>
         </p:txBody>
       </p:sp>
-      <p:sp>
-        <p:nvSpPr>
-          <p:cNvPr id="12" name="Content Placeholder 11">
-            <a:extLst>
-              <a:ext uri="{FF2B5EF4-FFF2-40B4-BE49-F238E27FC236}">
-                <a16:creationId xmlns:a16="http://schemas.microsoft.com/office/drawing/2014/main" id="{9A0921CB-6263-5A4E-969A-0025719F06A6}"/>
-              </a:ext>
-            </a:extLst>
-          </p:cNvPr>
-          <p:cNvSpPr>
-            <a:spLocks noGrp="1"/>
-          </p:cNvSpPr>
+      <p:pic>
+        <p:nvPicPr>
+          <p:cNvPr id="5" name="Content Placeholder 4">
+            <a:extLst>
+              <a:ext uri="{FF2B5EF4-FFF2-40B4-BE49-F238E27FC236}">
+                <a16:creationId xmlns:a16="http://schemas.microsoft.com/office/drawing/2014/main" id="{01703169-8C39-944C-8568-9DB3F8F06022}"/>
+              </a:ext>
+            </a:extLst>
+          </p:cNvPr>
+          <p:cNvPicPr>
+            <a:picLocks noGrp="1" noChangeAspect="1"/>
+          </p:cNvPicPr>
           <p:nvPr>
             <p:ph idx="1"/>
           </p:nvPr>
-        </p:nvSpPr>
-        <p:spPr/>
-        <p:txBody>
-          <a:bodyPr/>
-          <a:lstStyle/>
-          <a:p>
-            <a:endParaRPr lang="en-US"/>
-          </a:p>
-        </p:txBody>
-      </p:sp>
+        </p:nvPicPr>
+        <p:blipFill>
+          <a:blip r:embed="rId3"/>
+          <a:stretch>
+            <a:fillRect/>
+          </a:stretch>
+        </p:blipFill>
+        <p:spPr>
+          <a:xfrm>
+            <a:off x="1700645" y="1389532"/>
+            <a:ext cx="8790709" cy="5468468"/>
+          </a:xfrm>
+        </p:spPr>
+      </p:pic>
     </p:spTree>
     <p:extLst>
       <p:ext uri="{BB962C8B-B14F-4D97-AF65-F5344CB8AC3E}">
-        <p14:creationId xmlns:p14="http://schemas.microsoft.com/office/powerpoint/2010/main" val="2338880115"/>
+        <p14:creationId xmlns:p14="http://schemas.microsoft.com/office/powerpoint/2010/main" val="3132599919"/>
       </p:ext>
     </p:extLst>
   </p:cSld>
@@ -4943,7 +9595,7 @@
 </p:sld>
 </file>
 
-<file path=ppt/slides/slide5.xml><?xml version="1.0" encoding="utf-8"?>
+<file path=ppt/slides/slide9.xml><?xml version="1.0" encoding="utf-8"?>
 <p:sld xmlns:a="http://schemas.openxmlformats.org/drawingml/2006/main" xmlns:r="http://schemas.openxmlformats.org/officeDocument/2006/relationships" xmlns:p="http://schemas.openxmlformats.org/presentationml/2006/main">
   <p:cSld>
     <p:spTree>
@@ -4965,7 +9617,7 @@
           <p:cNvPr id="2" name="Title 1">
             <a:extLst>
               <a:ext uri="{FF2B5EF4-FFF2-40B4-BE49-F238E27FC236}">
-                <a16:creationId xmlns:a16="http://schemas.microsoft.com/office/drawing/2014/main" id="{BAF5837E-5373-FB41-91BA-B9D5F1D8F131}"/>
+                <a16:creationId xmlns:a16="http://schemas.microsoft.com/office/drawing/2014/main" id="{3D1229A9-3B32-EE41-AED8-35C79230EF11}"/>
               </a:ext>
             </a:extLst>
           </p:cNvPr>
@@ -4983,45 +9635,44 @@
           <a:p>
             <a:r>
               <a:rPr lang="en-US" dirty="0"/>
-              <a:t>What</a:t>
-            </a:r>
-            <a:r>
-              <a:rPr lang="en-US" baseline="0" dirty="0"/>
-              <a:t> is the Quality of Current Genomes?</a:t>
-            </a:r>
-            <a:endParaRPr lang="en-US" dirty="0"/>
-          </a:p>
-        </p:txBody>
-      </p:sp>
-      <p:sp>
-        <p:nvSpPr>
-          <p:cNvPr id="4" name="Content Placeholder 3">
-            <a:extLst>
-              <a:ext uri="{FF2B5EF4-FFF2-40B4-BE49-F238E27FC236}">
-                <a16:creationId xmlns:a16="http://schemas.microsoft.com/office/drawing/2014/main" id="{C6646A33-5059-A646-92F3-8BF15A9A60E5}"/>
-              </a:ext>
-            </a:extLst>
-          </p:cNvPr>
-          <p:cNvSpPr>
-            <a:spLocks noGrp="1"/>
-          </p:cNvSpPr>
+              <a:t>Which Species Do We Study?</a:t>
+            </a:r>
+          </a:p>
+        </p:txBody>
+      </p:sp>
+      <p:pic>
+        <p:nvPicPr>
+          <p:cNvPr id="5" name="Content Placeholder 4">
+            <a:extLst>
+              <a:ext uri="{FF2B5EF4-FFF2-40B4-BE49-F238E27FC236}">
+                <a16:creationId xmlns:a16="http://schemas.microsoft.com/office/drawing/2014/main" id="{9F638444-9099-C746-BC9F-4C6998359EC5}"/>
+              </a:ext>
+            </a:extLst>
+          </p:cNvPr>
+          <p:cNvPicPr>
+            <a:picLocks noGrp="1" noChangeAspect="1"/>
+          </p:cNvPicPr>
           <p:nvPr>
             <p:ph idx="1"/>
           </p:nvPr>
-        </p:nvSpPr>
-        <p:spPr/>
-        <p:txBody>
-          <a:bodyPr/>
-          <a:lstStyle/>
-          <a:p>
-            <a:endParaRPr lang="en-US"/>
-          </a:p>
-        </p:txBody>
-      </p:sp>
+        </p:nvPicPr>
+        <p:blipFill>
+          <a:blip r:embed="rId2"/>
+          <a:stretch>
+            <a:fillRect/>
+          </a:stretch>
+        </p:blipFill>
+        <p:spPr>
+          <a:xfrm>
+            <a:off x="1760526" y="1690689"/>
+            <a:ext cx="8306593" cy="5167312"/>
+          </a:xfrm>
+        </p:spPr>
+      </p:pic>
     </p:spTree>
     <p:extLst>
       <p:ext uri="{BB962C8B-B14F-4D97-AF65-F5344CB8AC3E}">
-        <p14:creationId xmlns:p14="http://schemas.microsoft.com/office/powerpoint/2010/main" val="1445391729"/>
+        <p14:creationId xmlns:p14="http://schemas.microsoft.com/office/powerpoint/2010/main" val="3247349351"/>
       </p:ext>
     </p:extLst>
   </p:cSld>
